--- a/Exercise_4/presentation.pptx
+++ b/Exercise_4/presentation.pptx
@@ -18,12 +18,12 @@
     <p:sldId id="268" r:id="rId6"/>
     <p:sldId id="264" r:id="rId7"/>
     <p:sldId id="269" r:id="rId8"/>
-    <p:sldId id="270" r:id="rId9"/>
-    <p:sldId id="271" r:id="rId10"/>
-    <p:sldId id="272" r:id="rId11"/>
-    <p:sldId id="273" r:id="rId12"/>
-    <p:sldId id="263" r:id="rId13"/>
-    <p:sldId id="258" r:id="rId14"/>
+    <p:sldId id="272" r:id="rId9"/>
+    <p:sldId id="273" r:id="rId10"/>
+    <p:sldId id="258" r:id="rId11"/>
+    <p:sldId id="274" r:id="rId12"/>
+    <p:sldId id="270" r:id="rId13"/>
+    <p:sldId id="271" r:id="rId14"/>
   </p:sldIdLst>
   <p:sldSz cx="10080625" cy="7559675"/>
   <p:notesSz cx="7559675" cy="10691813"/>
@@ -956,7 +956,7 @@
           <p:cNvPr id="7" name="Foliennummernplatzhalter 6">
             <a:extLst>
               <a:ext uri="{FF2B5EF4-FFF2-40B4-BE49-F238E27FC236}">
-                <a16:creationId xmlns:a16="http://schemas.microsoft.com/office/drawing/2014/main" id="{44EC89B4-CA93-4D45-839B-2A01018E3B97}"/>
+                <a16:creationId xmlns:a16="http://schemas.microsoft.com/office/drawing/2014/main" id="{5EDE0806-B982-4A0A-8483-9FA68FB5C98C}"/>
               </a:ext>
             </a:extLst>
           </p:cNvPr>
@@ -977,7 +977,7 @@
           <a:lstStyle/>
           <a:p>
             <a:pPr lvl="0"/>
-            <a:fld id="{3C8E01BB-7E90-4F3B-A1BE-2874FDDB04D8}" type="slidenum">
+            <a:fld id="{6482543A-D1F8-4E28-A13F-13EE632CBE0A}" type="slidenum">
               <a:t>10</a:t>
             </a:fld>
             <a:endParaRPr lang="en-US"/>
@@ -989,7 +989,7 @@
           <p:cNvPr id="2" name="Folienbildplatzhalter 1">
             <a:extLst>
               <a:ext uri="{FF2B5EF4-FFF2-40B4-BE49-F238E27FC236}">
-                <a16:creationId xmlns:a16="http://schemas.microsoft.com/office/drawing/2014/main" id="{529499F4-C569-4871-B59C-750229A96602}"/>
+                <a16:creationId xmlns:a16="http://schemas.microsoft.com/office/drawing/2014/main" id="{C3EEF3BB-8F0B-4451-8F83-8E5D748B7DEF}"/>
               </a:ext>
             </a:extLst>
           </p:cNvPr>
@@ -1021,7 +1021,7 @@
           <p:cNvPr id="3" name="Notizenplatzhalter 2">
             <a:extLst>
               <a:ext uri="{FF2B5EF4-FFF2-40B4-BE49-F238E27FC236}">
-                <a16:creationId xmlns:a16="http://schemas.microsoft.com/office/drawing/2014/main" id="{81E7C8BE-B1CF-48F2-9BC3-AC9AA709A482}"/>
+                <a16:creationId xmlns:a16="http://schemas.microsoft.com/office/drawing/2014/main" id="{AB5FD366-3B59-4A65-92B3-6573459D13D0}"/>
               </a:ext>
             </a:extLst>
           </p:cNvPr>
@@ -1042,11 +1042,6 @@
         </p:txBody>
       </p:sp>
     </p:spTree>
-    <p:extLst>
-      <p:ext uri="{BB962C8B-B14F-4D97-AF65-F5344CB8AC3E}">
-        <p14:creationId xmlns:p14="http://schemas.microsoft.com/office/powerpoint/2010/main" val="4131737230"/>
-      </p:ext>
-    </p:extLst>
   </p:cSld>
   <p:clrMapOvr>
     <a:masterClrMapping/>
@@ -1076,7 +1071,7 @@
           <p:cNvPr id="7" name="Foliennummernplatzhalter 6">
             <a:extLst>
               <a:ext uri="{FF2B5EF4-FFF2-40B4-BE49-F238E27FC236}">
-                <a16:creationId xmlns:a16="http://schemas.microsoft.com/office/drawing/2014/main" id="{44EC89B4-CA93-4D45-839B-2A01018E3B97}"/>
+                <a16:creationId xmlns:a16="http://schemas.microsoft.com/office/drawing/2014/main" id="{5EDE0806-B982-4A0A-8483-9FA68FB5C98C}"/>
               </a:ext>
             </a:extLst>
           </p:cNvPr>
@@ -1097,7 +1092,7 @@
           <a:lstStyle/>
           <a:p>
             <a:pPr lvl="0"/>
-            <a:fld id="{3C8E01BB-7E90-4F3B-A1BE-2874FDDB04D8}" type="slidenum">
+            <a:fld id="{6482543A-D1F8-4E28-A13F-13EE632CBE0A}" type="slidenum">
               <a:t>11</a:t>
             </a:fld>
             <a:endParaRPr lang="en-US"/>
@@ -1109,7 +1104,7 @@
           <p:cNvPr id="2" name="Folienbildplatzhalter 1">
             <a:extLst>
               <a:ext uri="{FF2B5EF4-FFF2-40B4-BE49-F238E27FC236}">
-                <a16:creationId xmlns:a16="http://schemas.microsoft.com/office/drawing/2014/main" id="{529499F4-C569-4871-B59C-750229A96602}"/>
+                <a16:creationId xmlns:a16="http://schemas.microsoft.com/office/drawing/2014/main" id="{C3EEF3BB-8F0B-4451-8F83-8E5D748B7DEF}"/>
               </a:ext>
             </a:extLst>
           </p:cNvPr>
@@ -1141,7 +1136,7 @@
           <p:cNvPr id="3" name="Notizenplatzhalter 2">
             <a:extLst>
               <a:ext uri="{FF2B5EF4-FFF2-40B4-BE49-F238E27FC236}">
-                <a16:creationId xmlns:a16="http://schemas.microsoft.com/office/drawing/2014/main" id="{81E7C8BE-B1CF-48F2-9BC3-AC9AA709A482}"/>
+                <a16:creationId xmlns:a16="http://schemas.microsoft.com/office/drawing/2014/main" id="{AB5FD366-3B59-4A65-92B3-6573459D13D0}"/>
               </a:ext>
             </a:extLst>
           </p:cNvPr>
@@ -1164,7 +1159,7 @@
     </p:spTree>
     <p:extLst>
       <p:ext uri="{BB962C8B-B14F-4D97-AF65-F5344CB8AC3E}">
-        <p14:creationId xmlns:p14="http://schemas.microsoft.com/office/powerpoint/2010/main" val="3063718476"/>
+        <p14:creationId xmlns:p14="http://schemas.microsoft.com/office/powerpoint/2010/main" val="134176927"/>
       </p:ext>
     </p:extLst>
   </p:cSld>
@@ -1196,7 +1191,7 @@
           <p:cNvPr id="7" name="Foliennummernplatzhalter 6">
             <a:extLst>
               <a:ext uri="{FF2B5EF4-FFF2-40B4-BE49-F238E27FC236}">
-                <a16:creationId xmlns:a16="http://schemas.microsoft.com/office/drawing/2014/main" id="{DE8AFCDB-7135-41B3-A7CB-4B20E1CAFFDE}"/>
+                <a16:creationId xmlns:a16="http://schemas.microsoft.com/office/drawing/2014/main" id="{44EC89B4-CA93-4D45-839B-2A01018E3B97}"/>
               </a:ext>
             </a:extLst>
           </p:cNvPr>
@@ -1217,7 +1212,7 @@
           <a:lstStyle/>
           <a:p>
             <a:pPr lvl="0"/>
-            <a:fld id="{52F11CB2-B37C-4F0B-B1EE-50E4AC2CB940}" type="slidenum">
+            <a:fld id="{3C8E01BB-7E90-4F3B-A1BE-2874FDDB04D8}" type="slidenum">
               <a:t>12</a:t>
             </a:fld>
             <a:endParaRPr lang="en-US"/>
@@ -1229,7 +1224,7 @@
           <p:cNvPr id="2" name="Folienbildplatzhalter 1">
             <a:extLst>
               <a:ext uri="{FF2B5EF4-FFF2-40B4-BE49-F238E27FC236}">
-                <a16:creationId xmlns:a16="http://schemas.microsoft.com/office/drawing/2014/main" id="{29AA7FA5-DB23-4007-AC11-3680A917484B}"/>
+                <a16:creationId xmlns:a16="http://schemas.microsoft.com/office/drawing/2014/main" id="{529499F4-C569-4871-B59C-750229A96602}"/>
               </a:ext>
             </a:extLst>
           </p:cNvPr>
@@ -1261,7 +1256,7 @@
           <p:cNvPr id="3" name="Notizenplatzhalter 2">
             <a:extLst>
               <a:ext uri="{FF2B5EF4-FFF2-40B4-BE49-F238E27FC236}">
-                <a16:creationId xmlns:a16="http://schemas.microsoft.com/office/drawing/2014/main" id="{EB687620-C26C-4811-8532-A4EEF1348100}"/>
+                <a16:creationId xmlns:a16="http://schemas.microsoft.com/office/drawing/2014/main" id="{81E7C8BE-B1CF-48F2-9BC3-AC9AA709A482}"/>
               </a:ext>
             </a:extLst>
           </p:cNvPr>
@@ -1284,7 +1279,7 @@
     </p:spTree>
     <p:extLst>
       <p:ext uri="{BB962C8B-B14F-4D97-AF65-F5344CB8AC3E}">
-        <p14:creationId xmlns:p14="http://schemas.microsoft.com/office/powerpoint/2010/main" val="3768138724"/>
+        <p14:creationId xmlns:p14="http://schemas.microsoft.com/office/powerpoint/2010/main" val="2370177172"/>
       </p:ext>
     </p:extLst>
   </p:cSld>
@@ -1316,7 +1311,7 @@
           <p:cNvPr id="7" name="Foliennummernplatzhalter 6">
             <a:extLst>
               <a:ext uri="{FF2B5EF4-FFF2-40B4-BE49-F238E27FC236}">
-                <a16:creationId xmlns:a16="http://schemas.microsoft.com/office/drawing/2014/main" id="{5EDE0806-B982-4A0A-8483-9FA68FB5C98C}"/>
+                <a16:creationId xmlns:a16="http://schemas.microsoft.com/office/drawing/2014/main" id="{44EC89B4-CA93-4D45-839B-2A01018E3B97}"/>
               </a:ext>
             </a:extLst>
           </p:cNvPr>
@@ -1337,7 +1332,7 @@
           <a:lstStyle/>
           <a:p>
             <a:pPr lvl="0"/>
-            <a:fld id="{6482543A-D1F8-4E28-A13F-13EE632CBE0A}" type="slidenum">
+            <a:fld id="{3C8E01BB-7E90-4F3B-A1BE-2874FDDB04D8}" type="slidenum">
               <a:t>13</a:t>
             </a:fld>
             <a:endParaRPr lang="en-US"/>
@@ -1349,7 +1344,7 @@
           <p:cNvPr id="2" name="Folienbildplatzhalter 1">
             <a:extLst>
               <a:ext uri="{FF2B5EF4-FFF2-40B4-BE49-F238E27FC236}">
-                <a16:creationId xmlns:a16="http://schemas.microsoft.com/office/drawing/2014/main" id="{C3EEF3BB-8F0B-4451-8F83-8E5D748B7DEF}"/>
+                <a16:creationId xmlns:a16="http://schemas.microsoft.com/office/drawing/2014/main" id="{529499F4-C569-4871-B59C-750229A96602}"/>
               </a:ext>
             </a:extLst>
           </p:cNvPr>
@@ -1381,7 +1376,7 @@
           <p:cNvPr id="3" name="Notizenplatzhalter 2">
             <a:extLst>
               <a:ext uri="{FF2B5EF4-FFF2-40B4-BE49-F238E27FC236}">
-                <a16:creationId xmlns:a16="http://schemas.microsoft.com/office/drawing/2014/main" id="{AB5FD366-3B59-4A65-92B3-6573459D13D0}"/>
+                <a16:creationId xmlns:a16="http://schemas.microsoft.com/office/drawing/2014/main" id="{81E7C8BE-B1CF-48F2-9BC3-AC9AA709A482}"/>
               </a:ext>
             </a:extLst>
           </p:cNvPr>
@@ -1402,6 +1397,11 @@
         </p:txBody>
       </p:sp>
     </p:spTree>
+    <p:extLst>
+      <p:ext uri="{BB962C8B-B14F-4D97-AF65-F5344CB8AC3E}">
+        <p14:creationId xmlns:p14="http://schemas.microsoft.com/office/powerpoint/2010/main" val="2043311599"/>
+      </p:ext>
+    </p:extLst>
   </p:cSld>
   <p:clrMapOvr>
     <a:masterClrMapping/>
@@ -2234,7 +2234,7 @@
     </p:spTree>
     <p:extLst>
       <p:ext uri="{BB962C8B-B14F-4D97-AF65-F5344CB8AC3E}">
-        <p14:creationId xmlns:p14="http://schemas.microsoft.com/office/powerpoint/2010/main" val="2370177172"/>
+        <p14:creationId xmlns:p14="http://schemas.microsoft.com/office/powerpoint/2010/main" val="4131737230"/>
       </p:ext>
     </p:extLst>
   </p:cSld>
@@ -2354,7 +2354,7 @@
     </p:spTree>
     <p:extLst>
       <p:ext uri="{BB962C8B-B14F-4D97-AF65-F5344CB8AC3E}">
-        <p14:creationId xmlns:p14="http://schemas.microsoft.com/office/powerpoint/2010/main" val="2043311599"/>
+        <p14:creationId xmlns:p14="http://schemas.microsoft.com/office/powerpoint/2010/main" val="3063718476"/>
       </p:ext>
     </p:extLst>
   </p:cSld>
@@ -5714,7 +5714,7 @@
 
 <file path=ppt/slides/slide10.xml><?xml version="1.0" encoding="utf-8"?>
 <p:sld xmlns:a="http://schemas.openxmlformats.org/drawingml/2006/main" xmlns:r="http://schemas.openxmlformats.org/officeDocument/2006/relationships" xmlns:p="http://schemas.openxmlformats.org/presentationml/2006/main">
-  <p:cSld>
+  <p:cSld name="page3">
     <p:spTree>
       <p:nvGrpSpPr>
         <p:cNvPr id="1" name=""/>
@@ -5731,10 +5731,39 @@
       </p:grpSpPr>
       <p:sp>
         <p:nvSpPr>
+          <p:cNvPr id="2" name="Titel 1">
+            <a:extLst>
+              <a:ext uri="{FF2B5EF4-FFF2-40B4-BE49-F238E27FC236}">
+                <a16:creationId xmlns:a16="http://schemas.microsoft.com/office/drawing/2014/main" id="{CC44A84B-A8EE-4808-84E4-0ABB51E2D5AB}"/>
+              </a:ext>
+            </a:extLst>
+          </p:cNvPr>
+          <p:cNvSpPr txBox="1">
+            <a:spLocks noGrp="1"/>
+          </p:cNvSpPr>
+          <p:nvPr>
+            <p:ph type="title" idx="4294967295"/>
+          </p:nvPr>
+        </p:nvSpPr>
+        <p:spPr/>
+        <p:txBody>
+          <a:bodyPr/>
+          <a:lstStyle/>
+          <a:p>
+            <a:pPr lvl="0"/>
+            <a:r>
+              <a:rPr lang="en-US" dirty="0"/>
+              <a:t>Part 2: </a:t>
+            </a:r>
+          </a:p>
+        </p:txBody>
+      </p:sp>
+      <p:sp>
+        <p:nvSpPr>
           <p:cNvPr id="3" name="Textplatzhalter 2">
             <a:extLst>
               <a:ext uri="{FF2B5EF4-FFF2-40B4-BE49-F238E27FC236}">
-                <a16:creationId xmlns:a16="http://schemas.microsoft.com/office/drawing/2014/main" id="{B46C215E-DCC1-4BE4-A754-094902847F75}"/>
+                <a16:creationId xmlns:a16="http://schemas.microsoft.com/office/drawing/2014/main" id="{53DEC8A0-C278-4ECC-AC9D-29E8286C2B63}"/>
               </a:ext>
             </a:extLst>
           </p:cNvPr>
@@ -5750,262 +5779,26 @@
           <a:bodyPr/>
           <a:lstStyle/>
           <a:p>
-            <a:pPr marL="457200" indent="-457200">
-              <a:buFontTx/>
-              <a:buChar char="-"/>
-            </a:pPr>
             <a:r>
               <a:rPr lang="en-US" dirty="0"/>
-              <a:t>Results:</a:t>
-            </a:r>
-          </a:p>
-          <a:p>
-            <a:pPr marL="1028700" lvl="1" indent="-342900">
-              <a:buFont typeface="Wingdings" panose="05000000000000000000" pitchFamily="2" charset="2"/>
-              <a:buChar char="à"/>
-            </a:pPr>
-            <a:r>
-              <a:rPr lang="de-CH" dirty="0" err="1">
-                <a:sym typeface="Wingdings" panose="05000000000000000000" pitchFamily="2" charset="2"/>
-              </a:rPr>
-              <a:t>Elapsed</a:t>
-            </a:r>
-            <a:r>
-              <a:rPr lang="de-CH" dirty="0">
-                <a:sym typeface="Wingdings" panose="05000000000000000000" pitchFamily="2" charset="2"/>
-              </a:rPr>
-              <a:t> time: </a:t>
-            </a:r>
-            <a:r>
-              <a:rPr lang="de-CH" dirty="0"/>
-              <a:t>62.3 </a:t>
-            </a:r>
-            <a:r>
-              <a:rPr lang="de-CH" dirty="0" err="1"/>
-              <a:t>minutes</a:t>
-            </a:r>
-            <a:endParaRPr lang="de-CH" dirty="0"/>
-          </a:p>
-          <a:p>
-            <a:pPr marL="1028700" lvl="1" indent="-342900">
-              <a:buFont typeface="Wingdings" panose="05000000000000000000" pitchFamily="2" charset="2"/>
-              <a:buChar char="à"/>
-            </a:pPr>
-            <a:r>
-              <a:rPr lang="de-CH" dirty="0" err="1"/>
-              <a:t>grid</a:t>
-            </a:r>
-            <a:r>
-              <a:rPr lang="de-CH" dirty="0"/>
-              <a:t> </a:t>
-            </a:r>
-            <a:r>
-              <a:rPr lang="de-CH" dirty="0" err="1"/>
-              <a:t>search</a:t>
-            </a:r>
-            <a:r>
-              <a:rPr lang="de-CH" dirty="0"/>
-              <a:t> </a:t>
-            </a:r>
-            <a:r>
-              <a:rPr lang="de-CH" dirty="0" err="1"/>
-              <a:t>output</a:t>
-            </a:r>
-            <a:r>
-              <a:rPr lang="de-CH" dirty="0"/>
-              <a:t>:</a:t>
-            </a:r>
-          </a:p>
-          <a:p>
-            <a:endParaRPr lang="en-US" dirty="0"/>
-          </a:p>
-        </p:txBody>
-      </p:sp>
-      <p:sp>
-        <p:nvSpPr>
-          <p:cNvPr id="7" name="Titel 1">
-            <a:extLst>
-              <a:ext uri="{FF2B5EF4-FFF2-40B4-BE49-F238E27FC236}">
-                <a16:creationId xmlns:a16="http://schemas.microsoft.com/office/drawing/2014/main" id="{751113A9-2E3E-4730-BB84-8AA40760EB63}"/>
-              </a:ext>
-            </a:extLst>
-          </p:cNvPr>
-          <p:cNvSpPr txBox="1">
-            <a:spLocks/>
-          </p:cNvSpPr>
-          <p:nvPr/>
-        </p:nvSpPr>
-        <p:spPr>
-          <a:xfrm>
-            <a:off x="503999" y="301320"/>
-            <a:ext cx="9240076" cy="1262160"/>
-          </a:xfrm>
-          <a:prstGeom prst="rect">
-            <a:avLst/>
-          </a:prstGeom>
-          <a:noFill/>
-          <a:ln>
-            <a:noFill/>
-          </a:ln>
-        </p:spPr>
-        <p:txBody>
-          <a:bodyPr lIns="0" tIns="0" rIns="0" bIns="0" anchor="ctr"/>
-          <a:lstStyle>
-            <a:lvl1pPr algn="ctr" rtl="0" hangingPunct="0">
-              <a:tabLst/>
-              <a:defRPr lang="en-US" sz="4400" b="0" i="0" u="none" strike="noStrike" kern="1200" cap="none">
-                <a:ln>
-                  <a:noFill/>
-                </a:ln>
-                <a:highlight>
-                  <a:scrgbClr r="0" g="0" b="0">
-                    <a:alpha val="0"/>
-                  </a:scrgbClr>
-                </a:highlight>
-                <a:latin typeface="Liberation Sans" pitchFamily="18"/>
-              </a:defRPr>
-            </a:lvl1pPr>
-          </a:lstStyle>
-          <a:p>
-            <a:r>
-              <a:rPr lang="en-US" dirty="0">
-                <a:solidFill>
-                  <a:sysClr val="windowText" lastClr="000000"/>
-                </a:solidFill>
-              </a:rPr>
-              <a:t>Our Molecules implementation cont’d</a:t>
-            </a:r>
-          </a:p>
-        </p:txBody>
-      </p:sp>
-      <p:sp>
-        <p:nvSpPr>
-          <p:cNvPr id="8" name="Textfeld 7">
-            <a:extLst>
-              <a:ext uri="{FF2B5EF4-FFF2-40B4-BE49-F238E27FC236}">
-                <a16:creationId xmlns:a16="http://schemas.microsoft.com/office/drawing/2014/main" id="{7587F8B6-4D17-4BB3-9C81-AE9432D245CB}"/>
-              </a:ext>
-            </a:extLst>
-          </p:cNvPr>
-          <p:cNvSpPr txBox="1"/>
-          <p:nvPr/>
-        </p:nvSpPr>
-        <p:spPr>
-          <a:xfrm>
-            <a:off x="2318050" y="3271836"/>
-            <a:ext cx="5443537" cy="3170099"/>
-          </a:xfrm>
-          <a:prstGeom prst="rect">
-            <a:avLst/>
-          </a:prstGeom>
-          <a:solidFill>
-            <a:srgbClr val="FFC000"/>
-          </a:solidFill>
-        </p:spPr>
-        <p:txBody>
-          <a:bodyPr wrap="square" rtlCol="0">
-            <a:spAutoFit/>
-          </a:bodyPr>
-          <a:lstStyle/>
-          <a:p>
-            <a:r>
-              <a:rPr lang="pt-BR" sz="2000" b="1" dirty="0"/>
-              <a:t>k,c_n,c_e,acc</a:t>
-            </a:r>
-          </a:p>
-          <a:p>
-            <a:r>
-              <a:rPr lang="pt-BR" sz="2000" b="1" dirty="0"/>
-              <a:t>9,3.0,2.0,99.6</a:t>
-            </a:r>
-          </a:p>
-          <a:p>
-            <a:r>
-              <a:rPr lang="pt-BR" sz="2000" b="1" dirty="0"/>
-              <a:t>5,3.0,2.0,99.6</a:t>
-            </a:r>
-          </a:p>
-          <a:p>
-            <a:r>
-              <a:rPr lang="pt-BR" sz="2000" b="1" dirty="0"/>
-              <a:t>7,3.0,2.0,99.6</a:t>
-            </a:r>
-          </a:p>
-          <a:p>
-            <a:r>
-              <a:rPr lang="pt-BR" sz="2000" b="1" dirty="0"/>
-              <a:t>11,3.0,2.0,99.2</a:t>
-            </a:r>
-          </a:p>
-          <a:p>
-            <a:r>
-              <a:rPr lang="pt-BR" sz="2000" b="1" dirty="0"/>
-              <a:t>1,3.0,2.0,99.6</a:t>
-            </a:r>
-          </a:p>
-          <a:p>
-            <a:r>
-              <a:rPr lang="pt-BR" sz="2000" b="1" dirty="0"/>
-              <a:t>63,3.0,2.0,91.60000000000001</a:t>
-            </a:r>
-          </a:p>
-          <a:p>
-            <a:r>
-              <a:rPr lang="pt-BR" sz="2000" b="1" dirty="0"/>
-              <a:t>3,3.0,2.0,99.6</a:t>
-            </a:r>
-          </a:p>
-          <a:p>
-            <a:r>
-              <a:rPr lang="pt-BR" sz="2000" b="1" dirty="0"/>
-              <a:t>11,3.0,3.0,99.2</a:t>
-            </a:r>
-          </a:p>
-          <a:p>
-            <a:r>
-              <a:rPr lang="pt-BR" sz="2000" b="1" dirty="0"/>
-              <a:t>......</a:t>
-            </a:r>
-            <a:endParaRPr lang="en-US" sz="2000" b="1" dirty="0"/>
-          </a:p>
-        </p:txBody>
-      </p:sp>
-      <p:pic>
-        <p:nvPicPr>
-          <p:cNvPr id="5" name="Grafik 4">
-            <a:extLst>
-              <a:ext uri="{FF2B5EF4-FFF2-40B4-BE49-F238E27FC236}">
-                <a16:creationId xmlns:a16="http://schemas.microsoft.com/office/drawing/2014/main" id="{4A19BB53-DD67-4B2C-BB81-C74FB4D686DB}"/>
-              </a:ext>
-            </a:extLst>
-          </p:cNvPr>
-          <p:cNvPicPr>
-            <a:picLocks noChangeAspect="1"/>
-          </p:cNvPicPr>
-          <p:nvPr/>
-        </p:nvPicPr>
-        <p:blipFill>
-          <a:blip r:embed="rId3"/>
-          <a:stretch>
-            <a:fillRect/>
-          </a:stretch>
-        </p:blipFill>
-        <p:spPr>
-          <a:xfrm>
-            <a:off x="3109499" y="6717180"/>
-            <a:ext cx="4029075" cy="390525"/>
-          </a:xfrm>
-          <a:prstGeom prst="rect">
-            <a:avLst/>
-          </a:prstGeom>
-        </p:spPr>
-      </p:pic>
+              <a:t>- Team and Software organization</a:t>
+            </a:r>
+          </a:p>
+          <a:p>
+            <a:r>
+              <a:rPr lang="en-US" dirty="0"/>
+              <a:t>- What makes your solutions special</a:t>
+            </a:r>
+          </a:p>
+          <a:p>
+            <a:r>
+              <a:rPr lang="en-US" dirty="0"/>
+              <a:t>- Lessons learned</a:t>
+            </a:r>
+          </a:p>
+        </p:txBody>
+      </p:sp>
     </p:spTree>
-    <p:extLst>
-      <p:ext uri="{BB962C8B-B14F-4D97-AF65-F5344CB8AC3E}">
-        <p14:creationId xmlns:p14="http://schemas.microsoft.com/office/powerpoint/2010/main" val="2960438446"/>
-      </p:ext>
-    </p:extLst>
   </p:cSld>
   <p:clrMapOvr>
     <a:masterClrMapping/>
@@ -6032,10 +5825,36 @@
       </p:grpSpPr>
       <p:sp>
         <p:nvSpPr>
+          <p:cNvPr id="2" name="Titel 1">
+            <a:extLst>
+              <a:ext uri="{FF2B5EF4-FFF2-40B4-BE49-F238E27FC236}">
+                <a16:creationId xmlns:a16="http://schemas.microsoft.com/office/drawing/2014/main" id="{CC44A84B-A8EE-4808-84E4-0ABB51E2D5AB}"/>
+              </a:ext>
+            </a:extLst>
+          </p:cNvPr>
+          <p:cNvSpPr txBox="1">
+            <a:spLocks noGrp="1"/>
+          </p:cNvSpPr>
+          <p:nvPr>
+            <p:ph type="title" idx="4294967295"/>
+          </p:nvPr>
+        </p:nvSpPr>
+        <p:spPr/>
+        <p:txBody>
+          <a:bodyPr/>
+          <a:lstStyle/>
+          <a:p>
+            <a:pPr lvl="0"/>
+            <a:endParaRPr lang="en-US" dirty="0"/>
+          </a:p>
+        </p:txBody>
+      </p:sp>
+      <p:sp>
+        <p:nvSpPr>
           <p:cNvPr id="3" name="Textplatzhalter 2">
             <a:extLst>
               <a:ext uri="{FF2B5EF4-FFF2-40B4-BE49-F238E27FC236}">
-                <a16:creationId xmlns:a16="http://schemas.microsoft.com/office/drawing/2014/main" id="{B46C215E-DCC1-4BE4-A754-094902847F75}"/>
+                <a16:creationId xmlns:a16="http://schemas.microsoft.com/office/drawing/2014/main" id="{53DEC8A0-C278-4ECC-AC9D-29E8286C2B63}"/>
               </a:ext>
             </a:extLst>
           </p:cNvPr>
@@ -6051,98 +5870,14 @@
           <a:bodyPr/>
           <a:lstStyle/>
           <a:p>
-            <a:pPr marL="457200" indent="-457200">
-              <a:buFontTx/>
-              <a:buChar char="-"/>
-            </a:pPr>
-            <a:r>
-              <a:rPr lang="en-US" dirty="0"/>
-              <a:t>Results cont’d:</a:t>
-            </a:r>
-          </a:p>
-          <a:p>
-            <a:pPr marL="457200" indent="-457200">
-              <a:buFontTx/>
-              <a:buChar char="-"/>
-            </a:pPr>
             <a:endParaRPr lang="en-US" dirty="0"/>
-          </a:p>
-          <a:p>
-            <a:pPr marL="2057400" lvl="3" indent="-457200">
-              <a:buFontTx/>
-              <a:buChar char="-"/>
-            </a:pPr>
-            <a:r>
-              <a:rPr lang="en-US" dirty="0"/>
-              <a:t>….. TODO plot …….</a:t>
-            </a:r>
-          </a:p>
-          <a:p>
-            <a:endParaRPr lang="en-US" dirty="0"/>
-          </a:p>
-        </p:txBody>
-      </p:sp>
-      <p:sp>
-        <p:nvSpPr>
-          <p:cNvPr id="7" name="Titel 1">
-            <a:extLst>
-              <a:ext uri="{FF2B5EF4-FFF2-40B4-BE49-F238E27FC236}">
-                <a16:creationId xmlns:a16="http://schemas.microsoft.com/office/drawing/2014/main" id="{751113A9-2E3E-4730-BB84-8AA40760EB63}"/>
-              </a:ext>
-            </a:extLst>
-          </p:cNvPr>
-          <p:cNvSpPr txBox="1">
-            <a:spLocks/>
-          </p:cNvSpPr>
-          <p:nvPr/>
-        </p:nvSpPr>
-        <p:spPr>
-          <a:xfrm>
-            <a:off x="503999" y="301320"/>
-            <a:ext cx="9240076" cy="1262160"/>
-          </a:xfrm>
-          <a:prstGeom prst="rect">
-            <a:avLst/>
-          </a:prstGeom>
-          <a:noFill/>
-          <a:ln>
-            <a:noFill/>
-          </a:ln>
-        </p:spPr>
-        <p:txBody>
-          <a:bodyPr lIns="0" tIns="0" rIns="0" bIns="0" anchor="ctr"/>
-          <a:lstStyle>
-            <a:lvl1pPr algn="ctr" rtl="0" hangingPunct="0">
-              <a:tabLst/>
-              <a:defRPr lang="en-US" sz="4400" b="0" i="0" u="none" strike="noStrike" kern="1200" cap="none">
-                <a:ln>
-                  <a:noFill/>
-                </a:ln>
-                <a:highlight>
-                  <a:scrgbClr r="0" g="0" b="0">
-                    <a:alpha val="0"/>
-                  </a:scrgbClr>
-                </a:highlight>
-                <a:latin typeface="Liberation Sans" pitchFamily="18"/>
-              </a:defRPr>
-            </a:lvl1pPr>
-          </a:lstStyle>
-          <a:p>
-            <a:r>
-              <a:rPr lang="en-US" dirty="0">
-                <a:solidFill>
-                  <a:sysClr val="windowText" lastClr="000000"/>
-                </a:solidFill>
-              </a:rPr>
-              <a:t>Our Molecules implementation cont’d</a:t>
-            </a:r>
           </a:p>
         </p:txBody>
       </p:sp>
     </p:spTree>
     <p:extLst>
       <p:ext uri="{BB962C8B-B14F-4D97-AF65-F5344CB8AC3E}">
-        <p14:creationId xmlns:p14="http://schemas.microsoft.com/office/powerpoint/2010/main" val="2227334823"/>
+        <p14:creationId xmlns:p14="http://schemas.microsoft.com/office/powerpoint/2010/main" val="1219822289"/>
       </p:ext>
     </p:extLst>
   </p:cSld>
@@ -6171,10 +5906,10 @@
       </p:grpSpPr>
       <p:sp>
         <p:nvSpPr>
-          <p:cNvPr id="2" name="Titel 1">
-            <a:extLst>
-              <a:ext uri="{FF2B5EF4-FFF2-40B4-BE49-F238E27FC236}">
-                <a16:creationId xmlns:a16="http://schemas.microsoft.com/office/drawing/2014/main" id="{8B58E140-2411-4B22-81A5-C1282C6EAAD2}"/>
+          <p:cNvPr id="3" name="Textplatzhalter 2">
+            <a:extLst>
+              <a:ext uri="{FF2B5EF4-FFF2-40B4-BE49-F238E27FC236}">
+                <a16:creationId xmlns:a16="http://schemas.microsoft.com/office/drawing/2014/main" id="{B46C215E-DCC1-4BE4-A754-094902847F75}"/>
               </a:ext>
             </a:extLst>
           </p:cNvPr>
@@ -6182,44 +5917,10 @@
             <a:spLocks noGrp="1"/>
           </p:cNvSpPr>
           <p:nvPr>
-            <p:ph type="title" idx="4294967295"/>
+            <p:ph type="body" idx="4294967295"/>
           </p:nvPr>
         </p:nvSpPr>
         <p:spPr/>
-        <p:txBody>
-          <a:bodyPr/>
-          <a:lstStyle/>
-          <a:p>
-            <a:pPr lvl="0"/>
-            <a:r>
-              <a:rPr lang="en-US" dirty="0"/>
-              <a:t>Molecules - Conclusions</a:t>
-            </a:r>
-          </a:p>
-        </p:txBody>
-      </p:sp>
-      <p:sp>
-        <p:nvSpPr>
-          <p:cNvPr id="3" name="Textplatzhalter 2">
-            <a:extLst>
-              <a:ext uri="{FF2B5EF4-FFF2-40B4-BE49-F238E27FC236}">
-                <a16:creationId xmlns:a16="http://schemas.microsoft.com/office/drawing/2014/main" id="{531C0352-031A-40FB-929B-804C92BCADB7}"/>
-              </a:ext>
-            </a:extLst>
-          </p:cNvPr>
-          <p:cNvSpPr txBox="1">
-            <a:spLocks noGrp="1"/>
-          </p:cNvSpPr>
-          <p:nvPr>
-            <p:ph type="body" idx="4294967295"/>
-          </p:nvPr>
-        </p:nvSpPr>
-        <p:spPr>
-          <a:xfrm>
-            <a:off x="446846" y="1769040"/>
-            <a:ext cx="9282939" cy="4384440"/>
-          </a:xfrm>
-        </p:spPr>
         <p:txBody>
           <a:bodyPr/>
           <a:lstStyle/>
@@ -6229,32 +5930,123 @@
               <a:buChar char="-"/>
             </a:pPr>
             <a:r>
-              <a:rPr lang="de-CH" dirty="0"/>
-              <a:t>Test </a:t>
-            </a:r>
-            <a:r>
-              <a:rPr lang="de-CH" dirty="0" err="1"/>
-              <a:t>accuracy</a:t>
-            </a:r>
-            <a:r>
-              <a:rPr lang="de-CH" dirty="0"/>
-              <a:t> </a:t>
-            </a:r>
-            <a:r>
-              <a:rPr lang="de-CH" dirty="0" err="1"/>
-              <a:t>of</a:t>
-            </a:r>
-            <a:r>
-              <a:rPr lang="de-CH" dirty="0"/>
-              <a:t> 99.6%</a:t>
-            </a:r>
+              <a:rPr lang="en-US" dirty="0"/>
+              <a:t>Molecule as “strong type”:</a:t>
+            </a:r>
+          </a:p>
+          <a:p>
+            <a:pPr lvl="1" indent="0">
+              <a:buNone/>
+            </a:pPr>
+            <a:r>
+              <a:rPr lang="en-US" dirty="0">
+                <a:sym typeface="Wingdings" panose="05000000000000000000" pitchFamily="2" charset="2"/>
+              </a:rPr>
+              <a:t> hides (GXL) implementation details of a molecule</a:t>
+            </a:r>
+            <a:endParaRPr lang="de-CH" dirty="0"/>
+          </a:p>
+          <a:p>
+            <a:endParaRPr lang="en-US" dirty="0"/>
+          </a:p>
+        </p:txBody>
+      </p:sp>
+      <p:pic>
+        <p:nvPicPr>
+          <p:cNvPr id="5" name="Grafik 4">
+            <a:extLst>
+              <a:ext uri="{FF2B5EF4-FFF2-40B4-BE49-F238E27FC236}">
+                <a16:creationId xmlns:a16="http://schemas.microsoft.com/office/drawing/2014/main" id="{16D48C66-22AC-46D8-AABE-F5D425EB88EC}"/>
+              </a:ext>
+            </a:extLst>
+          </p:cNvPr>
+          <p:cNvPicPr>
+            <a:picLocks noChangeAspect="1"/>
+          </p:cNvPicPr>
+          <p:nvPr/>
+        </p:nvPicPr>
+        <p:blipFill>
+          <a:blip r:embed="rId3"/>
+          <a:stretch>
+            <a:fillRect/>
+          </a:stretch>
+        </p:blipFill>
+        <p:spPr>
+          <a:xfrm>
+            <a:off x="535007" y="2978481"/>
+            <a:ext cx="9178060" cy="3174999"/>
+          </a:xfrm>
+          <a:prstGeom prst="rect">
+            <a:avLst/>
+          </a:prstGeom>
+        </p:spPr>
+      </p:pic>
+      <p:sp>
+        <p:nvSpPr>
+          <p:cNvPr id="7" name="Titel 1">
+            <a:extLst>
+              <a:ext uri="{FF2B5EF4-FFF2-40B4-BE49-F238E27FC236}">
+                <a16:creationId xmlns:a16="http://schemas.microsoft.com/office/drawing/2014/main" id="{751113A9-2E3E-4730-BB84-8AA40760EB63}"/>
+              </a:ext>
+            </a:extLst>
+          </p:cNvPr>
+          <p:cNvSpPr txBox="1">
+            <a:spLocks/>
+          </p:cNvSpPr>
+          <p:nvPr/>
+        </p:nvSpPr>
+        <p:spPr>
+          <a:xfrm>
+            <a:off x="503999" y="301320"/>
+            <a:ext cx="9240076" cy="1262160"/>
+          </a:xfrm>
+          <a:prstGeom prst="rect">
+            <a:avLst/>
+          </a:prstGeom>
+          <a:noFill/>
+          <a:ln>
+            <a:noFill/>
+          </a:ln>
+        </p:spPr>
+        <p:txBody>
+          <a:bodyPr lIns="0" tIns="0" rIns="0" bIns="0" anchor="ctr"/>
+          <a:lstStyle>
+            <a:lvl1pPr algn="ctr" rtl="0" hangingPunct="0">
+              <a:tabLst/>
+              <a:defRPr lang="en-US" sz="4400" b="0" i="0" u="none" strike="noStrike" kern="1200" cap="none">
+                <a:ln>
+                  <a:noFill/>
+                </a:ln>
+                <a:highlight>
+                  <a:scrgbClr r="0" g="0" b="0">
+                    <a:alpha val="0"/>
+                  </a:scrgbClr>
+                </a:highlight>
+                <a:latin typeface="Liberation Sans" pitchFamily="18"/>
+              </a:defRPr>
+            </a:lvl1pPr>
+          </a:lstStyle>
+          <a:p>
+            <a:r>
+              <a:rPr lang="en-US">
+                <a:solidFill>
+                  <a:sysClr val="windowText" lastClr="000000"/>
+                </a:solidFill>
+              </a:rPr>
+              <a:t>Our Molecules implementation cont’d</a:t>
+            </a:r>
+            <a:endParaRPr lang="en-US" dirty="0">
+              <a:solidFill>
+                <a:sysClr val="windowText" lastClr="000000"/>
+              </a:solidFill>
+            </a:endParaRPr>
           </a:p>
         </p:txBody>
       </p:sp>
     </p:spTree>
     <p:extLst>
       <p:ext uri="{BB962C8B-B14F-4D97-AF65-F5344CB8AC3E}">
-        <p14:creationId xmlns:p14="http://schemas.microsoft.com/office/powerpoint/2010/main" val="3088853821"/>
+        <p14:creationId xmlns:p14="http://schemas.microsoft.com/office/powerpoint/2010/main" val="2874890176"/>
       </p:ext>
     </p:extLst>
   </p:cSld>
@@ -6266,7 +6058,7 @@
 
 <file path=ppt/slides/slide13.xml><?xml version="1.0" encoding="utf-8"?>
 <p:sld xmlns:a="http://schemas.openxmlformats.org/drawingml/2006/main" xmlns:r="http://schemas.openxmlformats.org/officeDocument/2006/relationships" xmlns:p="http://schemas.openxmlformats.org/presentationml/2006/main">
-  <p:cSld name="page3">
+  <p:cSld>
     <p:spTree>
       <p:nvGrpSpPr>
         <p:cNvPr id="1" name=""/>
@@ -6283,10 +6075,10 @@
       </p:grpSpPr>
       <p:sp>
         <p:nvSpPr>
-          <p:cNvPr id="2" name="Titel 1">
-            <a:extLst>
-              <a:ext uri="{FF2B5EF4-FFF2-40B4-BE49-F238E27FC236}">
-                <a16:creationId xmlns:a16="http://schemas.microsoft.com/office/drawing/2014/main" id="{CC44A84B-A8EE-4808-84E4-0ABB51E2D5AB}"/>
+          <p:cNvPr id="3" name="Textplatzhalter 2">
+            <a:extLst>
+              <a:ext uri="{FF2B5EF4-FFF2-40B4-BE49-F238E27FC236}">
+                <a16:creationId xmlns:a16="http://schemas.microsoft.com/office/drawing/2014/main" id="{B46C215E-DCC1-4BE4-A754-094902847F75}"/>
               </a:ext>
             </a:extLst>
           </p:cNvPr>
@@ -6294,7 +6086,7 @@
             <a:spLocks noGrp="1"/>
           </p:cNvSpPr>
           <p:nvPr>
-            <p:ph type="title" idx="4294967295"/>
+            <p:ph type="body" idx="4294967295"/>
           </p:nvPr>
         </p:nvSpPr>
         <p:spPr/>
@@ -6302,55 +6094,180 @@
           <a:bodyPr/>
           <a:lstStyle/>
           <a:p>
-            <a:pPr lvl="0"/>
+            <a:pPr marL="457200" indent="-457200">
+              <a:buFontTx/>
+              <a:buChar char="-"/>
+            </a:pPr>
             <a:r>
               <a:rPr lang="en-US" dirty="0"/>
-              <a:t>Part 2: </a:t>
-            </a:r>
-          </a:p>
-        </p:txBody>
-      </p:sp>
-      <p:sp>
-        <p:nvSpPr>
-          <p:cNvPr id="3" name="Textplatzhalter 2">
-            <a:extLst>
-              <a:ext uri="{FF2B5EF4-FFF2-40B4-BE49-F238E27FC236}">
-                <a16:creationId xmlns:a16="http://schemas.microsoft.com/office/drawing/2014/main" id="{53DEC8A0-C278-4ECC-AC9D-29E8286C2B63}"/>
+              <a:t>Node as “strong type”:</a:t>
+            </a:r>
+          </a:p>
+          <a:p>
+            <a:pPr lvl="1" indent="0">
+              <a:buNone/>
+            </a:pPr>
+            <a:r>
+              <a:rPr lang="de-CH" dirty="0">
+                <a:sym typeface="Wingdings" panose="05000000000000000000" pitchFamily="2" charset="2"/>
+              </a:rPr>
+              <a:t> </a:t>
+            </a:r>
+            <a:r>
+              <a:rPr lang="de-CH" dirty="0" err="1">
+                <a:sym typeface="Wingdings" panose="05000000000000000000" pitchFamily="2" charset="2"/>
+              </a:rPr>
+              <a:t>h</a:t>
+            </a:r>
+            <a:r>
+              <a:rPr lang="de-CH" dirty="0" err="1"/>
+              <a:t>ides</a:t>
+            </a:r>
+            <a:r>
+              <a:rPr lang="de-CH" dirty="0"/>
+              <a:t> (GXL) </a:t>
+            </a:r>
+            <a:r>
+              <a:rPr lang="de-CH" dirty="0" err="1"/>
+              <a:t>implementation</a:t>
+            </a:r>
+            <a:r>
+              <a:rPr lang="de-CH" dirty="0"/>
+              <a:t> </a:t>
+            </a:r>
+            <a:r>
+              <a:rPr lang="de-CH" dirty="0" err="1"/>
+              <a:t>details</a:t>
+            </a:r>
+            <a:r>
+              <a:rPr lang="de-CH" dirty="0"/>
+              <a:t> </a:t>
+            </a:r>
+            <a:r>
+              <a:rPr lang="de-CH" dirty="0" err="1"/>
+              <a:t>of</a:t>
+            </a:r>
+            <a:r>
+              <a:rPr lang="de-CH" dirty="0"/>
+              <a:t> a </a:t>
+            </a:r>
+            <a:r>
+              <a:rPr lang="de-CH" dirty="0" err="1"/>
+              <a:t>molecule</a:t>
+            </a:r>
+            <a:r>
+              <a:rPr lang="de-CH" dirty="0"/>
+              <a:t> </a:t>
+            </a:r>
+            <a:r>
+              <a:rPr lang="de-CH" dirty="0" err="1"/>
+              <a:t>node</a:t>
+            </a:r>
+            <a:endParaRPr lang="de-CH" dirty="0"/>
+          </a:p>
+          <a:p>
+            <a:endParaRPr lang="en-US" dirty="0"/>
+          </a:p>
+        </p:txBody>
+      </p:sp>
+      <p:pic>
+        <p:nvPicPr>
+          <p:cNvPr id="6" name="Grafik 5">
+            <a:extLst>
+              <a:ext uri="{FF2B5EF4-FFF2-40B4-BE49-F238E27FC236}">
+                <a16:creationId xmlns:a16="http://schemas.microsoft.com/office/drawing/2014/main" id="{119C7767-E4EB-4A54-B7A1-6472B6FDAA25}"/>
+              </a:ext>
+            </a:extLst>
+          </p:cNvPr>
+          <p:cNvPicPr>
+            <a:picLocks noChangeAspect="1"/>
+          </p:cNvPicPr>
+          <p:nvPr/>
+        </p:nvPicPr>
+        <p:blipFill>
+          <a:blip r:embed="rId3"/>
+          <a:stretch>
+            <a:fillRect/>
+          </a:stretch>
+        </p:blipFill>
+        <p:spPr>
+          <a:xfrm>
+            <a:off x="1065932" y="2686050"/>
+            <a:ext cx="7948760" cy="4730750"/>
+          </a:xfrm>
+          <a:prstGeom prst="rect">
+            <a:avLst/>
+          </a:prstGeom>
+        </p:spPr>
+      </p:pic>
+      <p:sp>
+        <p:nvSpPr>
+          <p:cNvPr id="7" name="Titel 1">
+            <a:extLst>
+              <a:ext uri="{FF2B5EF4-FFF2-40B4-BE49-F238E27FC236}">
+                <a16:creationId xmlns:a16="http://schemas.microsoft.com/office/drawing/2014/main" id="{751113A9-2E3E-4730-BB84-8AA40760EB63}"/>
               </a:ext>
             </a:extLst>
           </p:cNvPr>
           <p:cNvSpPr txBox="1">
-            <a:spLocks noGrp="1"/>
-          </p:cNvSpPr>
-          <p:nvPr>
-            <p:ph type="body" idx="4294967295"/>
-          </p:nvPr>
-        </p:nvSpPr>
-        <p:spPr/>
-        <p:txBody>
-          <a:bodyPr/>
-          <a:lstStyle/>
-          <a:p>
-            <a:r>
-              <a:rPr lang="en-US" dirty="0"/>
-              <a:t>- Team and Software organization</a:t>
-            </a:r>
-          </a:p>
-          <a:p>
-            <a:r>
-              <a:rPr lang="en-US" dirty="0"/>
-              <a:t>- What makes your solutions special</a:t>
-            </a:r>
-          </a:p>
-          <a:p>
-            <a:r>
-              <a:rPr lang="en-US" dirty="0"/>
-              <a:t>- Lessons learned</a:t>
-            </a:r>
+            <a:spLocks/>
+          </p:cNvSpPr>
+          <p:nvPr/>
+        </p:nvSpPr>
+        <p:spPr>
+          <a:xfrm>
+            <a:off x="503999" y="301320"/>
+            <a:ext cx="9240076" cy="1262160"/>
+          </a:xfrm>
+          <a:prstGeom prst="rect">
+            <a:avLst/>
+          </a:prstGeom>
+          <a:noFill/>
+          <a:ln>
+            <a:noFill/>
+          </a:ln>
+        </p:spPr>
+        <p:txBody>
+          <a:bodyPr lIns="0" tIns="0" rIns="0" bIns="0" anchor="ctr"/>
+          <a:lstStyle>
+            <a:lvl1pPr algn="ctr" rtl="0" hangingPunct="0">
+              <a:tabLst/>
+              <a:defRPr lang="en-US" sz="4400" b="0" i="0" u="none" strike="noStrike" kern="1200" cap="none">
+                <a:ln>
+                  <a:noFill/>
+                </a:ln>
+                <a:highlight>
+                  <a:scrgbClr r="0" g="0" b="0">
+                    <a:alpha val="0"/>
+                  </a:scrgbClr>
+                </a:highlight>
+                <a:latin typeface="Liberation Sans" pitchFamily="18"/>
+              </a:defRPr>
+            </a:lvl1pPr>
+          </a:lstStyle>
+          <a:p>
+            <a:r>
+              <a:rPr lang="en-US">
+                <a:solidFill>
+                  <a:sysClr val="windowText" lastClr="000000"/>
+                </a:solidFill>
+              </a:rPr>
+              <a:t>Our Molecules implementation cont’d</a:t>
+            </a:r>
+            <a:endParaRPr lang="en-US" dirty="0">
+              <a:solidFill>
+                <a:sysClr val="windowText" lastClr="000000"/>
+              </a:solidFill>
+            </a:endParaRPr>
           </a:p>
         </p:txBody>
       </p:sp>
     </p:spTree>
+    <p:extLst>
+      <p:ext uri="{BB962C8B-B14F-4D97-AF65-F5344CB8AC3E}">
+        <p14:creationId xmlns:p14="http://schemas.microsoft.com/office/powerpoint/2010/main" val="3987341465"/>
+      </p:ext>
+    </p:extLst>
   </p:cSld>
   <p:clrMapOvr>
     <a:masterClrMapping/>
@@ -7600,56 +7517,71 @@
             </a:pPr>
             <a:r>
               <a:rPr lang="en-US" dirty="0"/>
-              <a:t>Molecule as “strong type”:</a:t>
-            </a:r>
-          </a:p>
-          <a:p>
-            <a:pPr lvl="1" indent="0">
-              <a:buNone/>
+              <a:t>Results:</a:t>
+            </a:r>
+          </a:p>
+          <a:p>
+            <a:pPr marL="1028700" lvl="1" indent="-342900">
+              <a:buFont typeface="Wingdings" panose="05000000000000000000" pitchFamily="2" charset="2"/>
+              <a:buChar char="à"/>
             </a:pPr>
             <a:r>
-              <a:rPr lang="en-US" dirty="0">
+              <a:rPr lang="de-CH" dirty="0" err="1">
                 <a:sym typeface="Wingdings" panose="05000000000000000000" pitchFamily="2" charset="2"/>
               </a:rPr>
-              <a:t> hides (GXL) implementation details of a molecule</a:t>
+              <a:t>Elapsed</a:t>
+            </a:r>
+            <a:r>
+              <a:rPr lang="de-CH" dirty="0">
+                <a:sym typeface="Wingdings" panose="05000000000000000000" pitchFamily="2" charset="2"/>
+              </a:rPr>
+              <a:t> time: </a:t>
+            </a:r>
+            <a:r>
+              <a:rPr lang="de-CH" dirty="0"/>
+              <a:t>62.3 </a:t>
+            </a:r>
+            <a:r>
+              <a:rPr lang="de-CH" dirty="0" err="1"/>
+              <a:t>minutes</a:t>
             </a:r>
             <a:endParaRPr lang="de-CH" dirty="0"/>
           </a:p>
           <a:p>
+            <a:pPr marL="1028700" lvl="1" indent="-342900">
+              <a:buFont typeface="Wingdings" panose="05000000000000000000" pitchFamily="2" charset="2"/>
+              <a:buChar char="à"/>
+            </a:pPr>
+            <a:r>
+              <a:rPr lang="de-CH" dirty="0" err="1"/>
+              <a:t>grid</a:t>
+            </a:r>
+            <a:r>
+              <a:rPr lang="de-CH" dirty="0"/>
+              <a:t> </a:t>
+            </a:r>
+            <a:r>
+              <a:rPr lang="de-CH" dirty="0" err="1"/>
+              <a:t>search</a:t>
+            </a:r>
+            <a:r>
+              <a:rPr lang="de-CH" dirty="0"/>
+              <a:t> </a:t>
+            </a:r>
+            <a:r>
+              <a:rPr lang="de-CH" dirty="0" err="1"/>
+              <a:t>output</a:t>
+            </a:r>
+            <a:r>
+              <a:rPr lang="de-CH" dirty="0"/>
+              <a:t>:</a:t>
+            </a:r>
+          </a:p>
+          <a:p>
             <a:endParaRPr lang="en-US" dirty="0"/>
           </a:p>
         </p:txBody>
       </p:sp>
-      <p:pic>
-        <p:nvPicPr>
-          <p:cNvPr id="5" name="Grafik 4">
-            <a:extLst>
-              <a:ext uri="{FF2B5EF4-FFF2-40B4-BE49-F238E27FC236}">
-                <a16:creationId xmlns:a16="http://schemas.microsoft.com/office/drawing/2014/main" id="{16D48C66-22AC-46D8-AABE-F5D425EB88EC}"/>
-              </a:ext>
-            </a:extLst>
-          </p:cNvPr>
-          <p:cNvPicPr>
-            <a:picLocks noChangeAspect="1"/>
-          </p:cNvPicPr>
-          <p:nvPr/>
-        </p:nvPicPr>
-        <p:blipFill>
-          <a:blip r:embed="rId3"/>
-          <a:stretch>
-            <a:fillRect/>
-          </a:stretch>
-        </p:blipFill>
-        <p:spPr>
-          <a:xfrm>
-            <a:off x="535007" y="2978481"/>
-            <a:ext cx="9178060" cy="3174999"/>
-          </a:xfrm>
-          <a:prstGeom prst="rect">
-            <a:avLst/>
-          </a:prstGeom>
-        </p:spPr>
-      </p:pic>
       <p:sp>
         <p:nvSpPr>
           <p:cNvPr id="7" name="Titel 1">
@@ -7697,25 +7629,142 @@
           </a:lstStyle>
           <a:p>
             <a:r>
-              <a:rPr lang="en-US">
+              <a:rPr lang="en-US" dirty="0">
                 <a:solidFill>
                   <a:sysClr val="windowText" lastClr="000000"/>
                 </a:solidFill>
               </a:rPr>
               <a:t>Our Molecules implementation cont’d</a:t>
             </a:r>
-            <a:endParaRPr lang="en-US" dirty="0">
-              <a:solidFill>
-                <a:sysClr val="windowText" lastClr="000000"/>
-              </a:solidFill>
-            </a:endParaRPr>
-          </a:p>
-        </p:txBody>
-      </p:sp>
+          </a:p>
+        </p:txBody>
+      </p:sp>
+      <p:sp>
+        <p:nvSpPr>
+          <p:cNvPr id="8" name="Textfeld 7">
+            <a:extLst>
+              <a:ext uri="{FF2B5EF4-FFF2-40B4-BE49-F238E27FC236}">
+                <a16:creationId xmlns:a16="http://schemas.microsoft.com/office/drawing/2014/main" id="{7587F8B6-4D17-4BB3-9C81-AE9432D245CB}"/>
+              </a:ext>
+            </a:extLst>
+          </p:cNvPr>
+          <p:cNvSpPr txBox="1"/>
+          <p:nvPr/>
+        </p:nvSpPr>
+        <p:spPr>
+          <a:xfrm>
+            <a:off x="2318050" y="3271836"/>
+            <a:ext cx="5443537" cy="3170099"/>
+          </a:xfrm>
+          <a:prstGeom prst="rect">
+            <a:avLst/>
+          </a:prstGeom>
+          <a:solidFill>
+            <a:srgbClr val="FFC000"/>
+          </a:solidFill>
+        </p:spPr>
+        <p:txBody>
+          <a:bodyPr wrap="square" rtlCol="0">
+            <a:spAutoFit/>
+          </a:bodyPr>
+          <a:lstStyle/>
+          <a:p>
+            <a:r>
+              <a:rPr lang="pt-BR" sz="2000" b="1" dirty="0"/>
+              <a:t>k,c_n,c_e,acc</a:t>
+            </a:r>
+          </a:p>
+          <a:p>
+            <a:r>
+              <a:rPr lang="pt-BR" sz="2000" b="1" dirty="0"/>
+              <a:t>9,3.0,2.0,99.6</a:t>
+            </a:r>
+          </a:p>
+          <a:p>
+            <a:r>
+              <a:rPr lang="pt-BR" sz="2000" b="1" dirty="0"/>
+              <a:t>5,3.0,2.0,99.6</a:t>
+            </a:r>
+          </a:p>
+          <a:p>
+            <a:r>
+              <a:rPr lang="pt-BR" sz="2000" b="1" dirty="0"/>
+              <a:t>7,3.0,2.0,99.6</a:t>
+            </a:r>
+          </a:p>
+          <a:p>
+            <a:r>
+              <a:rPr lang="pt-BR" sz="2000" b="1" dirty="0"/>
+              <a:t>11,3.0,2.0,99.2</a:t>
+            </a:r>
+          </a:p>
+          <a:p>
+            <a:r>
+              <a:rPr lang="pt-BR" sz="2000" b="1" dirty="0"/>
+              <a:t>1,3.0,2.0,99.6</a:t>
+            </a:r>
+          </a:p>
+          <a:p>
+            <a:r>
+              <a:rPr lang="pt-BR" sz="2000" b="1" dirty="0"/>
+              <a:t>63,3.0,2.0,91.60000000000001</a:t>
+            </a:r>
+          </a:p>
+          <a:p>
+            <a:r>
+              <a:rPr lang="pt-BR" sz="2000" b="1" dirty="0"/>
+              <a:t>3,3.0,2.0,99.6</a:t>
+            </a:r>
+          </a:p>
+          <a:p>
+            <a:r>
+              <a:rPr lang="pt-BR" sz="2000" b="1" dirty="0"/>
+              <a:t>11,3.0,3.0,99.2</a:t>
+            </a:r>
+          </a:p>
+          <a:p>
+            <a:r>
+              <a:rPr lang="pt-BR" sz="2000" b="1" dirty="0"/>
+              <a:t>......</a:t>
+            </a:r>
+            <a:endParaRPr lang="en-US" sz="2000" b="1" dirty="0"/>
+          </a:p>
+        </p:txBody>
+      </p:sp>
+      <p:pic>
+        <p:nvPicPr>
+          <p:cNvPr id="5" name="Grafik 4">
+            <a:extLst>
+              <a:ext uri="{FF2B5EF4-FFF2-40B4-BE49-F238E27FC236}">
+                <a16:creationId xmlns:a16="http://schemas.microsoft.com/office/drawing/2014/main" id="{4A19BB53-DD67-4B2C-BB81-C74FB4D686DB}"/>
+              </a:ext>
+            </a:extLst>
+          </p:cNvPr>
+          <p:cNvPicPr>
+            <a:picLocks noChangeAspect="1"/>
+          </p:cNvPicPr>
+          <p:nvPr/>
+        </p:nvPicPr>
+        <p:blipFill>
+          <a:blip r:embed="rId3"/>
+          <a:stretch>
+            <a:fillRect/>
+          </a:stretch>
+        </p:blipFill>
+        <p:spPr>
+          <a:xfrm>
+            <a:off x="3109499" y="6717180"/>
+            <a:ext cx="4029075" cy="390525"/>
+          </a:xfrm>
+          <a:prstGeom prst="rect">
+            <a:avLst/>
+          </a:prstGeom>
+        </p:spPr>
+      </p:pic>
     </p:spTree>
     <p:extLst>
       <p:ext uri="{BB962C8B-B14F-4D97-AF65-F5344CB8AC3E}">
-        <p14:creationId xmlns:p14="http://schemas.microsoft.com/office/powerpoint/2010/main" val="2874890176"/>
+        <p14:creationId xmlns:p14="http://schemas.microsoft.com/office/powerpoint/2010/main" val="2960438446"/>
       </p:ext>
     </p:extLst>
   </p:cSld>
@@ -7769,106 +7818,65 @@
             </a:pPr>
             <a:r>
               <a:rPr lang="en-US" dirty="0"/>
-              <a:t>Node as “strong type”:</a:t>
-            </a:r>
-          </a:p>
-          <a:p>
-            <a:pPr lvl="1" indent="0">
-              <a:buNone/>
+              <a:t>Results cont’d:</a:t>
+            </a:r>
+          </a:p>
+          <a:p>
+            <a:pPr marL="1028700" lvl="1" indent="-342900">
+              <a:buFont typeface="Wingdings" panose="05000000000000000000" pitchFamily="2" charset="2"/>
+              <a:buChar char="à"/>
             </a:pPr>
             <a:r>
-              <a:rPr lang="de-CH" dirty="0">
-                <a:sym typeface="Wingdings" panose="05000000000000000000" pitchFamily="2" charset="2"/>
-              </a:rPr>
-              <a:t> </a:t>
-            </a:r>
-            <a:r>
-              <a:rPr lang="de-CH" dirty="0" err="1">
-                <a:sym typeface="Wingdings" panose="05000000000000000000" pitchFamily="2" charset="2"/>
-              </a:rPr>
-              <a:t>h</a:t>
-            </a:r>
-            <a:r>
-              <a:rPr lang="de-CH" dirty="0" err="1"/>
-              <a:t>ides</a:t>
-            </a:r>
+              <a:rPr lang="en-US" dirty="0"/>
+              <a:t>hyperparameters: k = 7, </a:t>
+            </a:r>
+            <a:r>
+              <a:rPr lang="en-US" dirty="0" err="1"/>
+              <a:t>c_n</a:t>
+            </a:r>
+            <a:r>
+              <a:rPr lang="en-US" dirty="0"/>
+              <a:t> = 3, </a:t>
+            </a:r>
+            <a:r>
+              <a:rPr lang="en-US" dirty="0" err="1"/>
+              <a:t>c_e</a:t>
+            </a:r>
+            <a:r>
+              <a:rPr lang="en-US" dirty="0"/>
+              <a:t> = 2</a:t>
+            </a:r>
+          </a:p>
+          <a:p>
+            <a:pPr marL="1028700" lvl="1" indent="-342900">
+              <a:buFont typeface="Wingdings" panose="05000000000000000000" pitchFamily="2" charset="2"/>
+              <a:buChar char="à"/>
+            </a:pPr>
             <a:r>
               <a:rPr lang="de-CH" dirty="0"/>
-              <a:t> (GXL) </a:t>
-            </a:r>
-            <a:r>
-              <a:rPr lang="de-CH" dirty="0" err="1"/>
-              <a:t>implementation</a:t>
-            </a:r>
-            <a:r>
-              <a:rPr lang="de-CH" dirty="0"/>
-              <a:t> </a:t>
-            </a:r>
-            <a:r>
-              <a:rPr lang="de-CH" dirty="0" err="1"/>
-              <a:t>details</a:t>
-            </a:r>
-            <a:r>
-              <a:rPr lang="de-CH" dirty="0"/>
-              <a:t> </a:t>
-            </a:r>
-            <a:r>
-              <a:rPr lang="de-CH" dirty="0" err="1"/>
-              <a:t>of</a:t>
-            </a:r>
-            <a:r>
-              <a:rPr lang="de-CH" dirty="0"/>
-              <a:t> a </a:t>
-            </a:r>
-            <a:r>
-              <a:rPr lang="de-CH" dirty="0" err="1"/>
-              <a:t>molecule</a:t>
-            </a:r>
-            <a:r>
-              <a:rPr lang="de-CH" dirty="0"/>
-              <a:t> </a:t>
-            </a:r>
-            <a:r>
-              <a:rPr lang="de-CH" dirty="0" err="1"/>
-              <a:t>node</a:t>
-            </a:r>
-            <a:endParaRPr lang="de-CH" dirty="0"/>
-          </a:p>
-          <a:p>
+              <a:t>a</a:t>
+            </a:r>
+            <a:r>
+              <a:rPr lang="en-US" dirty="0" err="1"/>
+              <a:t>ccuracy</a:t>
+            </a:r>
+            <a:r>
+              <a:rPr lang="en-US" dirty="0"/>
+              <a:t> on valid.txt: 99.6%</a:t>
+            </a:r>
+          </a:p>
+          <a:p>
+            <a:pPr marL="457200" indent="-457200">
+              <a:buFontTx/>
+              <a:buChar char="-"/>
+            </a:pPr>
             <a:endParaRPr lang="en-US" dirty="0"/>
           </a:p>
-        </p:txBody>
-      </p:sp>
-      <p:pic>
-        <p:nvPicPr>
-          <p:cNvPr id="6" name="Grafik 5">
-            <a:extLst>
-              <a:ext uri="{FF2B5EF4-FFF2-40B4-BE49-F238E27FC236}">
-                <a16:creationId xmlns:a16="http://schemas.microsoft.com/office/drawing/2014/main" id="{119C7767-E4EB-4A54-B7A1-6472B6FDAA25}"/>
-              </a:ext>
-            </a:extLst>
-          </p:cNvPr>
-          <p:cNvPicPr>
-            <a:picLocks noChangeAspect="1"/>
-          </p:cNvPicPr>
-          <p:nvPr/>
-        </p:nvPicPr>
-        <p:blipFill>
-          <a:blip r:embed="rId3"/>
-          <a:stretch>
-            <a:fillRect/>
-          </a:stretch>
-        </p:blipFill>
-        <p:spPr>
-          <a:xfrm>
-            <a:off x="1065932" y="2686050"/>
-            <a:ext cx="7948760" cy="4730750"/>
-          </a:xfrm>
-          <a:prstGeom prst="rect">
-            <a:avLst/>
-          </a:prstGeom>
-        </p:spPr>
-      </p:pic>
+          <a:p>
+            <a:endParaRPr lang="en-US" dirty="0"/>
+          </a:p>
+        </p:txBody>
+      </p:sp>
       <p:sp>
         <p:nvSpPr>
           <p:cNvPr id="7" name="Titel 1">
@@ -7916,25 +7924,204 @@
           </a:lstStyle>
           <a:p>
             <a:r>
-              <a:rPr lang="en-US">
+              <a:rPr lang="en-US" dirty="0">
                 <a:solidFill>
                   <a:sysClr val="windowText" lastClr="000000"/>
                 </a:solidFill>
               </a:rPr>
               <a:t>Our Molecules implementation cont’d</a:t>
             </a:r>
-            <a:endParaRPr lang="en-US" dirty="0">
-              <a:solidFill>
-                <a:sysClr val="windowText" lastClr="000000"/>
-              </a:solidFill>
+          </a:p>
+        </p:txBody>
+      </p:sp>
+      <p:pic>
+        <p:nvPicPr>
+          <p:cNvPr id="4" name="Grafik 3">
+            <a:extLst>
+              <a:ext uri="{FF2B5EF4-FFF2-40B4-BE49-F238E27FC236}">
+                <a16:creationId xmlns:a16="http://schemas.microsoft.com/office/drawing/2014/main" id="{A9385369-AC63-44FF-BEAD-6883BEC94279}"/>
+              </a:ext>
+            </a:extLst>
+          </p:cNvPr>
+          <p:cNvPicPr>
+            <a:picLocks noChangeAspect="1"/>
+          </p:cNvPicPr>
+          <p:nvPr/>
+        </p:nvPicPr>
+        <p:blipFill>
+          <a:blip r:embed="rId3">
+            <a:extLst>
+              <a:ext uri="{28A0092B-C50C-407E-A947-70E740481C1C}">
+                <a14:useLocalDpi xmlns:a14="http://schemas.microsoft.com/office/drawing/2010/main" val="0"/>
+              </a:ext>
+            </a:extLst>
+          </a:blip>
+          <a:stretch>
+            <a:fillRect/>
+          </a:stretch>
+        </p:blipFill>
+        <p:spPr>
+          <a:xfrm>
+            <a:off x="5357092" y="3390654"/>
+            <a:ext cx="4620270" cy="3924848"/>
+          </a:xfrm>
+          <a:prstGeom prst="rect">
+            <a:avLst/>
+          </a:prstGeom>
+        </p:spPr>
+      </p:pic>
+      <p:sp>
+        <p:nvSpPr>
+          <p:cNvPr id="6" name="Textfeld 5">
+            <a:extLst>
+              <a:ext uri="{FF2B5EF4-FFF2-40B4-BE49-F238E27FC236}">
+                <a16:creationId xmlns:a16="http://schemas.microsoft.com/office/drawing/2014/main" id="{2DEF6A6B-9E60-4528-9C00-C2C5FA8F4B7D}"/>
+              </a:ext>
+            </a:extLst>
+          </p:cNvPr>
+          <p:cNvSpPr txBox="1"/>
+          <p:nvPr/>
+        </p:nvSpPr>
+        <p:spPr>
+          <a:xfrm>
+            <a:off x="171451" y="3382259"/>
+            <a:ext cx="5129212" cy="3416320"/>
+          </a:xfrm>
+          <a:prstGeom prst="rect">
+            <a:avLst/>
+          </a:prstGeom>
+          <a:solidFill>
+            <a:srgbClr val="FFC000"/>
+          </a:solidFill>
+        </p:spPr>
+        <p:txBody>
+          <a:bodyPr wrap="square" rtlCol="0">
+            <a:spAutoFit/>
+          </a:bodyPr>
+          <a:lstStyle/>
+          <a:p>
+            <a:r>
+              <a:rPr lang="pt-BR" b="1" dirty="0">
+                <a:latin typeface="Courier New" panose="02070309020205020404" pitchFamily="49" charset="0"/>
+                <a:cs typeface="Courier New" panose="02070309020205020404" pitchFamily="49" charset="0"/>
+              </a:rPr>
+              <a:t>&gt; confusionMatrix(t, dnn=c("Prediction", "Ground truth"))</a:t>
+            </a:r>
+          </a:p>
+          <a:p>
+            <a:r>
+              <a:rPr lang="pt-BR" b="1" dirty="0">
+                <a:latin typeface="Courier New" panose="02070309020205020404" pitchFamily="49" charset="0"/>
+                <a:cs typeface="Courier New" panose="02070309020205020404" pitchFamily="49" charset="0"/>
+              </a:rPr>
+              <a:t>Confusion Matrix and Statistics</a:t>
+            </a:r>
+          </a:p>
+          <a:p>
+            <a:r>
+              <a:rPr lang="pt-BR" b="1" dirty="0">
+                <a:latin typeface="Courier New" panose="02070309020205020404" pitchFamily="49" charset="0"/>
+                <a:cs typeface="Courier New" panose="02070309020205020404" pitchFamily="49" charset="0"/>
+              </a:rPr>
+              <a:t>                                </a:t>
+            </a:r>
+          </a:p>
+          <a:p>
+            <a:r>
+              <a:rPr lang="pt-BR" b="1" dirty="0">
+                <a:latin typeface="Courier New" panose="02070309020205020404" pitchFamily="49" charset="0"/>
+                <a:cs typeface="Courier New" panose="02070309020205020404" pitchFamily="49" charset="0"/>
+              </a:rPr>
+              <a:t>                classIdActual</a:t>
+            </a:r>
+          </a:p>
+          <a:p>
+            <a:r>
+              <a:rPr lang="pt-BR" b="1" dirty="0">
+                <a:latin typeface="Courier New" panose="02070309020205020404" pitchFamily="49" charset="0"/>
+                <a:cs typeface="Courier New" panose="02070309020205020404" pitchFamily="49" charset="0"/>
+              </a:rPr>
+              <a:t>classIdPredicted   a   i</a:t>
+            </a:r>
+          </a:p>
+          <a:p>
+            <a:r>
+              <a:rPr lang="pt-BR" b="1" dirty="0">
+                <a:latin typeface="Courier New" panose="02070309020205020404" pitchFamily="49" charset="0"/>
+                <a:cs typeface="Courier New" panose="02070309020205020404" pitchFamily="49" charset="0"/>
+              </a:rPr>
+              <a:t>               a  49   0</a:t>
+            </a:r>
+          </a:p>
+          <a:p>
+            <a:r>
+              <a:rPr lang="pt-BR" b="1" dirty="0">
+                <a:latin typeface="Courier New" panose="02070309020205020404" pitchFamily="49" charset="0"/>
+                <a:cs typeface="Courier New" panose="02070309020205020404" pitchFamily="49" charset="0"/>
+              </a:rPr>
+              <a:t>               i   1 200</a:t>
+            </a:r>
+          </a:p>
+          <a:p>
+            <a:endParaRPr lang="pt-BR" b="1" dirty="0">
+              <a:latin typeface="Courier New" panose="02070309020205020404" pitchFamily="49" charset="0"/>
+              <a:cs typeface="Courier New" panose="02070309020205020404" pitchFamily="49" charset="0"/>
             </a:endParaRPr>
+          </a:p>
+          <a:p>
+            <a:r>
+              <a:rPr lang="pt-BR" b="1" dirty="0">
+                <a:latin typeface="Courier New" panose="02070309020205020404" pitchFamily="49" charset="0"/>
+                <a:cs typeface="Courier New" panose="02070309020205020404" pitchFamily="49" charset="0"/>
+              </a:rPr>
+              <a:t>		  Accuracy : 0.996 </a:t>
+            </a:r>
+          </a:p>
+          <a:p>
+            <a:r>
+              <a:rPr lang="pt-BR" b="1" dirty="0">
+                <a:latin typeface="Courier New" panose="02070309020205020404" pitchFamily="49" charset="0"/>
+                <a:cs typeface="Courier New" panose="02070309020205020404" pitchFamily="49" charset="0"/>
+              </a:rPr>
+              <a:t>               ....</a:t>
+            </a:r>
+          </a:p>
+          <a:p>
+            <a:r>
+              <a:rPr lang="en-US" b="1" dirty="0" err="1">
+                <a:latin typeface="Courier New" panose="02070309020205020404" pitchFamily="49" charset="0"/>
+                <a:cs typeface="Courier New" panose="02070309020205020404" pitchFamily="49" charset="0"/>
+              </a:rPr>
+              <a:t>fourfoldplot</a:t>
+            </a:r>
+            <a:r>
+              <a:rPr lang="en-US" b="1" dirty="0">
+                <a:latin typeface="Courier New" panose="02070309020205020404" pitchFamily="49" charset="0"/>
+                <a:cs typeface="Courier New" panose="02070309020205020404" pitchFamily="49" charset="0"/>
+              </a:rPr>
+              <a:t>(</a:t>
+            </a:r>
+            <a:r>
+              <a:rPr lang="en-US" b="1" dirty="0" err="1">
+                <a:latin typeface="Courier New" panose="02070309020205020404" pitchFamily="49" charset="0"/>
+                <a:cs typeface="Courier New" panose="02070309020205020404" pitchFamily="49" charset="0"/>
+              </a:rPr>
+              <a:t>confM$table</a:t>
+            </a:r>
+            <a:r>
+              <a:rPr lang="en-US" b="1" dirty="0">
+                <a:latin typeface="Courier New" panose="02070309020205020404" pitchFamily="49" charset="0"/>
+                <a:cs typeface="Courier New" panose="02070309020205020404" pitchFamily="49" charset="0"/>
+              </a:rPr>
+              <a:t>)</a:t>
+            </a:r>
           </a:p>
         </p:txBody>
       </p:sp>
     </p:spTree>
     <p:extLst>
       <p:ext uri="{BB962C8B-B14F-4D97-AF65-F5344CB8AC3E}">
-        <p14:creationId xmlns:p14="http://schemas.microsoft.com/office/powerpoint/2010/main" val="3987341465"/>
+        <p14:creationId xmlns:p14="http://schemas.microsoft.com/office/powerpoint/2010/main" val="2227334823"/>
       </p:ext>
     </p:extLst>
   </p:cSld>

--- a/Exercise_4/presentation.pptx
+++ b/Exercise_4/presentation.pptx
@@ -5,10 +5,10 @@
     <p:sldMasterId id="2147483648" r:id="rId1"/>
   </p:sldMasterIdLst>
   <p:notesMasterIdLst>
-    <p:notesMasterId r:id="rId15"/>
+    <p:notesMasterId r:id="rId14"/>
   </p:notesMasterIdLst>
   <p:handoutMasterIdLst>
-    <p:handoutMasterId r:id="rId16"/>
+    <p:handoutMasterId r:id="rId15"/>
   </p:handoutMasterIdLst>
   <p:sldIdLst>
     <p:sldId id="256" r:id="rId2"/>
@@ -21,9 +21,8 @@
     <p:sldId id="272" r:id="rId9"/>
     <p:sldId id="273" r:id="rId10"/>
     <p:sldId id="258" r:id="rId11"/>
-    <p:sldId id="274" r:id="rId12"/>
-    <p:sldId id="270" r:id="rId13"/>
-    <p:sldId id="271" r:id="rId14"/>
+    <p:sldId id="270" r:id="rId12"/>
+    <p:sldId id="271" r:id="rId13"/>
   </p:sldIdLst>
   <p:sldSz cx="10080625" cy="7559675"/>
   <p:notesSz cx="7559675" cy="10691813"/>
@@ -1071,7 +1070,7 @@
           <p:cNvPr id="7" name="Foliennummernplatzhalter 6">
             <a:extLst>
               <a:ext uri="{FF2B5EF4-FFF2-40B4-BE49-F238E27FC236}">
-                <a16:creationId xmlns:a16="http://schemas.microsoft.com/office/drawing/2014/main" id="{5EDE0806-B982-4A0A-8483-9FA68FB5C98C}"/>
+                <a16:creationId xmlns:a16="http://schemas.microsoft.com/office/drawing/2014/main" id="{44EC89B4-CA93-4D45-839B-2A01018E3B97}"/>
               </a:ext>
             </a:extLst>
           </p:cNvPr>
@@ -1092,7 +1091,7 @@
           <a:lstStyle/>
           <a:p>
             <a:pPr lvl="0"/>
-            <a:fld id="{6482543A-D1F8-4E28-A13F-13EE632CBE0A}" type="slidenum">
+            <a:fld id="{3C8E01BB-7E90-4F3B-A1BE-2874FDDB04D8}" type="slidenum">
               <a:t>11</a:t>
             </a:fld>
             <a:endParaRPr lang="en-US"/>
@@ -1104,7 +1103,7 @@
           <p:cNvPr id="2" name="Folienbildplatzhalter 1">
             <a:extLst>
               <a:ext uri="{FF2B5EF4-FFF2-40B4-BE49-F238E27FC236}">
-                <a16:creationId xmlns:a16="http://schemas.microsoft.com/office/drawing/2014/main" id="{C3EEF3BB-8F0B-4451-8F83-8E5D748B7DEF}"/>
+                <a16:creationId xmlns:a16="http://schemas.microsoft.com/office/drawing/2014/main" id="{529499F4-C569-4871-B59C-750229A96602}"/>
               </a:ext>
             </a:extLst>
           </p:cNvPr>
@@ -1136,7 +1135,7 @@
           <p:cNvPr id="3" name="Notizenplatzhalter 2">
             <a:extLst>
               <a:ext uri="{FF2B5EF4-FFF2-40B4-BE49-F238E27FC236}">
-                <a16:creationId xmlns:a16="http://schemas.microsoft.com/office/drawing/2014/main" id="{AB5FD366-3B59-4A65-92B3-6573459D13D0}"/>
+                <a16:creationId xmlns:a16="http://schemas.microsoft.com/office/drawing/2014/main" id="{81E7C8BE-B1CF-48F2-9BC3-AC9AA709A482}"/>
               </a:ext>
             </a:extLst>
           </p:cNvPr>
@@ -1159,7 +1158,7 @@
     </p:spTree>
     <p:extLst>
       <p:ext uri="{BB962C8B-B14F-4D97-AF65-F5344CB8AC3E}">
-        <p14:creationId xmlns:p14="http://schemas.microsoft.com/office/powerpoint/2010/main" val="134176927"/>
+        <p14:creationId xmlns:p14="http://schemas.microsoft.com/office/powerpoint/2010/main" val="2370177172"/>
       </p:ext>
     </p:extLst>
   </p:cSld>
@@ -1214,126 +1213,6 @@
             <a:pPr lvl="0"/>
             <a:fld id="{3C8E01BB-7E90-4F3B-A1BE-2874FDDB04D8}" type="slidenum">
               <a:t>12</a:t>
-            </a:fld>
-            <a:endParaRPr lang="en-US"/>
-          </a:p>
-        </p:txBody>
-      </p:sp>
-      <p:sp>
-        <p:nvSpPr>
-          <p:cNvPr id="2" name="Folienbildplatzhalter 1">
-            <a:extLst>
-              <a:ext uri="{FF2B5EF4-FFF2-40B4-BE49-F238E27FC236}">
-                <a16:creationId xmlns:a16="http://schemas.microsoft.com/office/drawing/2014/main" id="{529499F4-C569-4871-B59C-750229A96602}"/>
-              </a:ext>
-            </a:extLst>
-          </p:cNvPr>
-          <p:cNvSpPr>
-            <a:spLocks noGrp="1" noRot="1" noChangeAspect="1" noResize="1"/>
-          </p:cNvSpPr>
-          <p:nvPr>
-            <p:ph type="sldImg"/>
-          </p:nvPr>
-        </p:nvSpPr>
-        <p:spPr>
-          <a:xfrm>
-            <a:off x="1106488" y="812800"/>
-            <a:ext cx="5345112" cy="4008438"/>
-          </a:xfrm>
-          <a:solidFill>
-            <a:srgbClr val="729FCF"/>
-          </a:solidFill>
-          <a:ln w="25400">
-            <a:solidFill>
-              <a:srgbClr val="3465A4"/>
-            </a:solidFill>
-            <a:prstDash val="solid"/>
-          </a:ln>
-        </p:spPr>
-      </p:sp>
-      <p:sp>
-        <p:nvSpPr>
-          <p:cNvPr id="3" name="Notizenplatzhalter 2">
-            <a:extLst>
-              <a:ext uri="{FF2B5EF4-FFF2-40B4-BE49-F238E27FC236}">
-                <a16:creationId xmlns:a16="http://schemas.microsoft.com/office/drawing/2014/main" id="{81E7C8BE-B1CF-48F2-9BC3-AC9AA709A482}"/>
-              </a:ext>
-            </a:extLst>
-          </p:cNvPr>
-          <p:cNvSpPr txBox="1">
-            <a:spLocks noGrp="1"/>
-          </p:cNvSpPr>
-          <p:nvPr>
-            <p:ph type="body" sz="quarter" idx="1"/>
-          </p:nvPr>
-        </p:nvSpPr>
-        <p:spPr/>
-        <p:txBody>
-          <a:bodyPr/>
-          <a:lstStyle/>
-          <a:p>
-            <a:endParaRPr lang="en-US"/>
-          </a:p>
-        </p:txBody>
-      </p:sp>
-    </p:spTree>
-    <p:extLst>
-      <p:ext uri="{BB962C8B-B14F-4D97-AF65-F5344CB8AC3E}">
-        <p14:creationId xmlns:p14="http://schemas.microsoft.com/office/powerpoint/2010/main" val="2370177172"/>
-      </p:ext>
-    </p:extLst>
-  </p:cSld>
-  <p:clrMapOvr>
-    <a:masterClrMapping/>
-  </p:clrMapOvr>
-</p:notes>
-</file>
-
-<file path=ppt/notesSlides/notesSlide13.xml><?xml version="1.0" encoding="utf-8"?>
-<p:notes xmlns:a="http://schemas.openxmlformats.org/drawingml/2006/main" xmlns:r="http://schemas.openxmlformats.org/officeDocument/2006/relationships" xmlns:p="http://schemas.openxmlformats.org/presentationml/2006/main">
-  <p:cSld>
-    <p:spTree>
-      <p:nvGrpSpPr>
-        <p:cNvPr id="1" name=""/>
-        <p:cNvGrpSpPr/>
-        <p:nvPr/>
-      </p:nvGrpSpPr>
-      <p:grpSpPr>
-        <a:xfrm>
-          <a:off x="0" y="0"/>
-          <a:ext cx="0" cy="0"/>
-          <a:chOff x="0" y="0"/>
-          <a:chExt cx="0" cy="0"/>
-        </a:xfrm>
-      </p:grpSpPr>
-      <p:sp>
-        <p:nvSpPr>
-          <p:cNvPr id="7" name="Foliennummernplatzhalter 6">
-            <a:extLst>
-              <a:ext uri="{FF2B5EF4-FFF2-40B4-BE49-F238E27FC236}">
-                <a16:creationId xmlns:a16="http://schemas.microsoft.com/office/drawing/2014/main" id="{44EC89B4-CA93-4D45-839B-2A01018E3B97}"/>
-              </a:ext>
-            </a:extLst>
-          </p:cNvPr>
-          <p:cNvSpPr txBox="1">
-            <a:spLocks noGrp="1"/>
-          </p:cNvSpPr>
-          <p:nvPr>
-            <p:ph type="sldNum" sz="quarter" idx="5"/>
-          </p:nvPr>
-        </p:nvSpPr>
-        <p:spPr>
-          <a:ln/>
-        </p:spPr>
-        <p:txBody>
-          <a:bodyPr lIns="0" tIns="0" rIns="0" bIns="0" anchor="b" anchorCtr="0">
-            <a:noAutofit/>
-          </a:bodyPr>
-          <a:lstStyle/>
-          <a:p>
-            <a:pPr lvl="0"/>
-            <a:fld id="{3C8E01BB-7E90-4F3B-A1BE-2874FDDB04D8}" type="slidenum">
-              <a:t>13</a:t>
             </a:fld>
             <a:endParaRPr lang="en-US"/>
           </a:p>
@@ -5825,87 +5704,6 @@
       </p:grpSpPr>
       <p:sp>
         <p:nvSpPr>
-          <p:cNvPr id="2" name="Titel 1">
-            <a:extLst>
-              <a:ext uri="{FF2B5EF4-FFF2-40B4-BE49-F238E27FC236}">
-                <a16:creationId xmlns:a16="http://schemas.microsoft.com/office/drawing/2014/main" id="{CC44A84B-A8EE-4808-84E4-0ABB51E2D5AB}"/>
-              </a:ext>
-            </a:extLst>
-          </p:cNvPr>
-          <p:cNvSpPr txBox="1">
-            <a:spLocks noGrp="1"/>
-          </p:cNvSpPr>
-          <p:nvPr>
-            <p:ph type="title" idx="4294967295"/>
-          </p:nvPr>
-        </p:nvSpPr>
-        <p:spPr/>
-        <p:txBody>
-          <a:bodyPr/>
-          <a:lstStyle/>
-          <a:p>
-            <a:pPr lvl="0"/>
-            <a:endParaRPr lang="en-US" dirty="0"/>
-          </a:p>
-        </p:txBody>
-      </p:sp>
-      <p:sp>
-        <p:nvSpPr>
-          <p:cNvPr id="3" name="Textplatzhalter 2">
-            <a:extLst>
-              <a:ext uri="{FF2B5EF4-FFF2-40B4-BE49-F238E27FC236}">
-                <a16:creationId xmlns:a16="http://schemas.microsoft.com/office/drawing/2014/main" id="{53DEC8A0-C278-4ECC-AC9D-29E8286C2B63}"/>
-              </a:ext>
-            </a:extLst>
-          </p:cNvPr>
-          <p:cNvSpPr txBox="1">
-            <a:spLocks noGrp="1"/>
-          </p:cNvSpPr>
-          <p:nvPr>
-            <p:ph type="body" idx="4294967295"/>
-          </p:nvPr>
-        </p:nvSpPr>
-        <p:spPr/>
-        <p:txBody>
-          <a:bodyPr/>
-          <a:lstStyle/>
-          <a:p>
-            <a:endParaRPr lang="en-US" dirty="0"/>
-          </a:p>
-        </p:txBody>
-      </p:sp>
-    </p:spTree>
-    <p:extLst>
-      <p:ext uri="{BB962C8B-B14F-4D97-AF65-F5344CB8AC3E}">
-        <p14:creationId xmlns:p14="http://schemas.microsoft.com/office/powerpoint/2010/main" val="1219822289"/>
-      </p:ext>
-    </p:extLst>
-  </p:cSld>
-  <p:clrMapOvr>
-    <a:masterClrMapping/>
-  </p:clrMapOvr>
-</p:sld>
-</file>
-
-<file path=ppt/slides/slide12.xml><?xml version="1.0" encoding="utf-8"?>
-<p:sld xmlns:a="http://schemas.openxmlformats.org/drawingml/2006/main" xmlns:r="http://schemas.openxmlformats.org/officeDocument/2006/relationships" xmlns:p="http://schemas.openxmlformats.org/presentationml/2006/main">
-  <p:cSld>
-    <p:spTree>
-      <p:nvGrpSpPr>
-        <p:cNvPr id="1" name=""/>
-        <p:cNvGrpSpPr/>
-        <p:nvPr/>
-      </p:nvGrpSpPr>
-      <p:grpSpPr>
-        <a:xfrm>
-          <a:off x="0" y="0"/>
-          <a:ext cx="0" cy="0"/>
-          <a:chOff x="0" y="0"/>
-          <a:chExt cx="0" cy="0"/>
-        </a:xfrm>
-      </p:grpSpPr>
-      <p:sp>
-        <p:nvSpPr>
           <p:cNvPr id="3" name="Textplatzhalter 2">
             <a:extLst>
               <a:ext uri="{FF2B5EF4-FFF2-40B4-BE49-F238E27FC236}">
@@ -6056,7 +5854,7 @@
 </p:sld>
 </file>
 
-<file path=ppt/slides/slide13.xml><?xml version="1.0" encoding="utf-8"?>
+<file path=ppt/slides/slide12.xml><?xml version="1.0" encoding="utf-8"?>
 <p:sld xmlns:a="http://schemas.openxmlformats.org/drawingml/2006/main" xmlns:r="http://schemas.openxmlformats.org/officeDocument/2006/relationships" xmlns:p="http://schemas.openxmlformats.org/presentationml/2006/main">
   <p:cSld>
     <p:spTree>
@@ -6472,10 +6270,7 @@
           <a:lstStyle/>
           <a:p>
             <a:pPr lvl="0"/>
-            <a:r>
-              <a:rPr lang="en-US" dirty="0"/>
-              <a:t>Our Molecules implementation cont’d</a:t>
-            </a:r>
+            <a:endParaRPr lang="en-US" dirty="0"/>
           </a:p>
         </p:txBody>
       </p:sp>
@@ -6646,10 +6441,7 @@
           <a:lstStyle/>
           <a:p>
             <a:pPr lvl="0"/>
-            <a:r>
-              <a:rPr lang="en-US" dirty="0"/>
-              <a:t>Our Molecules implementation cont’d</a:t>
-            </a:r>
+            <a:endParaRPr lang="en-US" dirty="0"/>
           </a:p>
         </p:txBody>
       </p:sp>
@@ -6948,10 +6740,7 @@
           <a:lstStyle/>
           <a:p>
             <a:pPr lvl="0"/>
-            <a:r>
-              <a:rPr lang="en-US" dirty="0"/>
-              <a:t>Our Molecules implementation cont’d</a:t>
-            </a:r>
+            <a:endParaRPr lang="en-US" dirty="0"/>
           </a:p>
         </p:txBody>
       </p:sp>
@@ -7229,10 +7018,7 @@
           <a:lstStyle/>
           <a:p>
             <a:pPr lvl="0"/>
-            <a:r>
-              <a:rPr lang="en-US" dirty="0"/>
-              <a:t>Our Molecules implementation cont’d</a:t>
-            </a:r>
+            <a:endParaRPr lang="en-US" dirty="0"/>
           </a:p>
         </p:txBody>
       </p:sp>
@@ -7444,14 +7230,6 @@
             </a:lvl1pPr>
           </a:lstStyle>
           <a:p>
-            <a:r>
-              <a:rPr lang="en-US">
-                <a:solidFill>
-                  <a:sysClr val="windowText" lastClr="000000"/>
-                </a:solidFill>
-              </a:rPr>
-              <a:t>Our Molecules implementation cont’d</a:t>
-            </a:r>
             <a:endParaRPr lang="en-US" dirty="0">
               <a:solidFill>
                 <a:sysClr val="windowText" lastClr="000000"/>
@@ -7628,14 +7406,11 @@
             </a:lvl1pPr>
           </a:lstStyle>
           <a:p>
-            <a:r>
-              <a:rPr lang="en-US" dirty="0">
-                <a:solidFill>
-                  <a:sysClr val="windowText" lastClr="000000"/>
-                </a:solidFill>
-              </a:rPr>
-              <a:t>Our Molecules implementation cont’d</a:t>
-            </a:r>
+            <a:endParaRPr lang="en-US" dirty="0">
+              <a:solidFill>
+                <a:sysClr val="windowText" lastClr="000000"/>
+              </a:solidFill>
+            </a:endParaRPr>
           </a:p>
         </p:txBody>
       </p:sp>
@@ -7923,14 +7698,11 @@
             </a:lvl1pPr>
           </a:lstStyle>
           <a:p>
-            <a:r>
-              <a:rPr lang="en-US" dirty="0">
-                <a:solidFill>
-                  <a:sysClr val="windowText" lastClr="000000"/>
-                </a:solidFill>
-              </a:rPr>
-              <a:t>Our Molecules implementation cont’d</a:t>
-            </a:r>
+            <a:endParaRPr lang="en-US" dirty="0">
+              <a:solidFill>
+                <a:sysClr val="windowText" lastClr="000000"/>
+              </a:solidFill>
+            </a:endParaRPr>
           </a:p>
         </p:txBody>
       </p:sp>

--- a/Exercise_4/presentation.pptx
+++ b/Exercise_4/presentation.pptx
@@ -5,10 +5,10 @@
     <p:sldMasterId id="2147483648" r:id="rId1"/>
   </p:sldMasterIdLst>
   <p:notesMasterIdLst>
-    <p:notesMasterId r:id="rId14"/>
+    <p:notesMasterId r:id="rId16"/>
   </p:notesMasterIdLst>
   <p:handoutMasterIdLst>
-    <p:handoutMasterId r:id="rId15"/>
+    <p:handoutMasterId r:id="rId17"/>
   </p:handoutMasterIdLst>
   <p:sldIdLst>
     <p:sldId id="256" r:id="rId2"/>
@@ -19,10 +19,12 @@
     <p:sldId id="264" r:id="rId7"/>
     <p:sldId id="269" r:id="rId8"/>
     <p:sldId id="272" r:id="rId9"/>
-    <p:sldId id="273" r:id="rId10"/>
-    <p:sldId id="258" r:id="rId11"/>
-    <p:sldId id="270" r:id="rId12"/>
-    <p:sldId id="271" r:id="rId13"/>
+    <p:sldId id="274" r:id="rId10"/>
+    <p:sldId id="273" r:id="rId11"/>
+    <p:sldId id="258" r:id="rId12"/>
+    <p:sldId id="275" r:id="rId13"/>
+    <p:sldId id="270" r:id="rId14"/>
+    <p:sldId id="271" r:id="rId15"/>
   </p:sldIdLst>
   <p:sldSz cx="10080625" cy="7559675"/>
   <p:notesSz cx="7559675" cy="10691813"/>
@@ -955,7 +957,7 @@
           <p:cNvPr id="7" name="Foliennummernplatzhalter 6">
             <a:extLst>
               <a:ext uri="{FF2B5EF4-FFF2-40B4-BE49-F238E27FC236}">
-                <a16:creationId xmlns:a16="http://schemas.microsoft.com/office/drawing/2014/main" id="{5EDE0806-B982-4A0A-8483-9FA68FB5C98C}"/>
+                <a16:creationId xmlns:a16="http://schemas.microsoft.com/office/drawing/2014/main" id="{44EC89B4-CA93-4D45-839B-2A01018E3B97}"/>
               </a:ext>
             </a:extLst>
           </p:cNvPr>
@@ -976,7 +978,7 @@
           <a:lstStyle/>
           <a:p>
             <a:pPr lvl="0"/>
-            <a:fld id="{6482543A-D1F8-4E28-A13F-13EE632CBE0A}" type="slidenum">
+            <a:fld id="{3C8E01BB-7E90-4F3B-A1BE-2874FDDB04D8}" type="slidenum">
               <a:t>10</a:t>
             </a:fld>
             <a:endParaRPr lang="en-US"/>
@@ -988,7 +990,7 @@
           <p:cNvPr id="2" name="Folienbildplatzhalter 1">
             <a:extLst>
               <a:ext uri="{FF2B5EF4-FFF2-40B4-BE49-F238E27FC236}">
-                <a16:creationId xmlns:a16="http://schemas.microsoft.com/office/drawing/2014/main" id="{C3EEF3BB-8F0B-4451-8F83-8E5D748B7DEF}"/>
+                <a16:creationId xmlns:a16="http://schemas.microsoft.com/office/drawing/2014/main" id="{529499F4-C569-4871-B59C-750229A96602}"/>
               </a:ext>
             </a:extLst>
           </p:cNvPr>
@@ -1020,7 +1022,7 @@
           <p:cNvPr id="3" name="Notizenplatzhalter 2">
             <a:extLst>
               <a:ext uri="{FF2B5EF4-FFF2-40B4-BE49-F238E27FC236}">
-                <a16:creationId xmlns:a16="http://schemas.microsoft.com/office/drawing/2014/main" id="{AB5FD366-3B59-4A65-92B3-6573459D13D0}"/>
+                <a16:creationId xmlns:a16="http://schemas.microsoft.com/office/drawing/2014/main" id="{81E7C8BE-B1CF-48F2-9BC3-AC9AA709A482}"/>
               </a:ext>
             </a:extLst>
           </p:cNvPr>
@@ -1041,6 +1043,11 @@
         </p:txBody>
       </p:sp>
     </p:spTree>
+    <p:extLst>
+      <p:ext uri="{BB962C8B-B14F-4D97-AF65-F5344CB8AC3E}">
+        <p14:creationId xmlns:p14="http://schemas.microsoft.com/office/powerpoint/2010/main" val="3063718476"/>
+      </p:ext>
+    </p:extLst>
   </p:cSld>
   <p:clrMapOvr>
     <a:masterClrMapping/>
@@ -1070,7 +1077,7 @@
           <p:cNvPr id="7" name="Foliennummernplatzhalter 6">
             <a:extLst>
               <a:ext uri="{FF2B5EF4-FFF2-40B4-BE49-F238E27FC236}">
-                <a16:creationId xmlns:a16="http://schemas.microsoft.com/office/drawing/2014/main" id="{44EC89B4-CA93-4D45-839B-2A01018E3B97}"/>
+                <a16:creationId xmlns:a16="http://schemas.microsoft.com/office/drawing/2014/main" id="{5EDE0806-B982-4A0A-8483-9FA68FB5C98C}"/>
               </a:ext>
             </a:extLst>
           </p:cNvPr>
@@ -1091,7 +1098,7 @@
           <a:lstStyle/>
           <a:p>
             <a:pPr lvl="0"/>
-            <a:fld id="{3C8E01BB-7E90-4F3B-A1BE-2874FDDB04D8}" type="slidenum">
+            <a:fld id="{6482543A-D1F8-4E28-A13F-13EE632CBE0A}" type="slidenum">
               <a:t>11</a:t>
             </a:fld>
             <a:endParaRPr lang="en-US"/>
@@ -1103,7 +1110,7 @@
           <p:cNvPr id="2" name="Folienbildplatzhalter 1">
             <a:extLst>
               <a:ext uri="{FF2B5EF4-FFF2-40B4-BE49-F238E27FC236}">
-                <a16:creationId xmlns:a16="http://schemas.microsoft.com/office/drawing/2014/main" id="{529499F4-C569-4871-B59C-750229A96602}"/>
+                <a16:creationId xmlns:a16="http://schemas.microsoft.com/office/drawing/2014/main" id="{C3EEF3BB-8F0B-4451-8F83-8E5D748B7DEF}"/>
               </a:ext>
             </a:extLst>
           </p:cNvPr>
@@ -1135,7 +1142,7 @@
           <p:cNvPr id="3" name="Notizenplatzhalter 2">
             <a:extLst>
               <a:ext uri="{FF2B5EF4-FFF2-40B4-BE49-F238E27FC236}">
-                <a16:creationId xmlns:a16="http://schemas.microsoft.com/office/drawing/2014/main" id="{81E7C8BE-B1CF-48F2-9BC3-AC9AA709A482}"/>
+                <a16:creationId xmlns:a16="http://schemas.microsoft.com/office/drawing/2014/main" id="{AB5FD366-3B59-4A65-92B3-6573459D13D0}"/>
               </a:ext>
             </a:extLst>
           </p:cNvPr>
@@ -1156,11 +1163,6 @@
         </p:txBody>
       </p:sp>
     </p:spTree>
-    <p:extLst>
-      <p:ext uri="{BB962C8B-B14F-4D97-AF65-F5344CB8AC3E}">
-        <p14:creationId xmlns:p14="http://schemas.microsoft.com/office/powerpoint/2010/main" val="2370177172"/>
-      </p:ext>
-    </p:extLst>
   </p:cSld>
   <p:clrMapOvr>
     <a:masterClrMapping/>
@@ -1190,7 +1192,7 @@
           <p:cNvPr id="7" name="Foliennummernplatzhalter 6">
             <a:extLst>
               <a:ext uri="{FF2B5EF4-FFF2-40B4-BE49-F238E27FC236}">
-                <a16:creationId xmlns:a16="http://schemas.microsoft.com/office/drawing/2014/main" id="{44EC89B4-CA93-4D45-839B-2A01018E3B97}"/>
+                <a16:creationId xmlns:a16="http://schemas.microsoft.com/office/drawing/2014/main" id="{5EDE0806-B982-4A0A-8483-9FA68FB5C98C}"/>
               </a:ext>
             </a:extLst>
           </p:cNvPr>
@@ -1211,8 +1213,248 @@
           <a:lstStyle/>
           <a:p>
             <a:pPr lvl="0"/>
+            <a:fld id="{6482543A-D1F8-4E28-A13F-13EE632CBE0A}" type="slidenum">
+              <a:t>12</a:t>
+            </a:fld>
+            <a:endParaRPr lang="en-US"/>
+          </a:p>
+        </p:txBody>
+      </p:sp>
+      <p:sp>
+        <p:nvSpPr>
+          <p:cNvPr id="2" name="Folienbildplatzhalter 1">
+            <a:extLst>
+              <a:ext uri="{FF2B5EF4-FFF2-40B4-BE49-F238E27FC236}">
+                <a16:creationId xmlns:a16="http://schemas.microsoft.com/office/drawing/2014/main" id="{C3EEF3BB-8F0B-4451-8F83-8E5D748B7DEF}"/>
+              </a:ext>
+            </a:extLst>
+          </p:cNvPr>
+          <p:cNvSpPr>
+            <a:spLocks noGrp="1" noRot="1" noChangeAspect="1" noResize="1"/>
+          </p:cNvSpPr>
+          <p:nvPr>
+            <p:ph type="sldImg"/>
+          </p:nvPr>
+        </p:nvSpPr>
+        <p:spPr>
+          <a:xfrm>
+            <a:off x="1106488" y="812800"/>
+            <a:ext cx="5345112" cy="4008438"/>
+          </a:xfrm>
+          <a:solidFill>
+            <a:srgbClr val="729FCF"/>
+          </a:solidFill>
+          <a:ln w="25400">
+            <a:solidFill>
+              <a:srgbClr val="3465A4"/>
+            </a:solidFill>
+            <a:prstDash val="solid"/>
+          </a:ln>
+        </p:spPr>
+      </p:sp>
+      <p:sp>
+        <p:nvSpPr>
+          <p:cNvPr id="3" name="Notizenplatzhalter 2">
+            <a:extLst>
+              <a:ext uri="{FF2B5EF4-FFF2-40B4-BE49-F238E27FC236}">
+                <a16:creationId xmlns:a16="http://schemas.microsoft.com/office/drawing/2014/main" id="{AB5FD366-3B59-4A65-92B3-6573459D13D0}"/>
+              </a:ext>
+            </a:extLst>
+          </p:cNvPr>
+          <p:cNvSpPr txBox="1">
+            <a:spLocks noGrp="1"/>
+          </p:cNvSpPr>
+          <p:nvPr>
+            <p:ph type="body" sz="quarter" idx="1"/>
+          </p:nvPr>
+        </p:nvSpPr>
+        <p:spPr/>
+        <p:txBody>
+          <a:bodyPr/>
+          <a:lstStyle/>
+          <a:p>
+            <a:endParaRPr lang="en-US"/>
+          </a:p>
+        </p:txBody>
+      </p:sp>
+    </p:spTree>
+    <p:extLst>
+      <p:ext uri="{BB962C8B-B14F-4D97-AF65-F5344CB8AC3E}">
+        <p14:creationId xmlns:p14="http://schemas.microsoft.com/office/powerpoint/2010/main" val="1984932483"/>
+      </p:ext>
+    </p:extLst>
+  </p:cSld>
+  <p:clrMapOvr>
+    <a:masterClrMapping/>
+  </p:clrMapOvr>
+</p:notes>
+</file>
+
+<file path=ppt/notesSlides/notesSlide13.xml><?xml version="1.0" encoding="utf-8"?>
+<p:notes xmlns:a="http://schemas.openxmlformats.org/drawingml/2006/main" xmlns:r="http://schemas.openxmlformats.org/officeDocument/2006/relationships" xmlns:p="http://schemas.openxmlformats.org/presentationml/2006/main">
+  <p:cSld>
+    <p:spTree>
+      <p:nvGrpSpPr>
+        <p:cNvPr id="1" name=""/>
+        <p:cNvGrpSpPr/>
+        <p:nvPr/>
+      </p:nvGrpSpPr>
+      <p:grpSpPr>
+        <a:xfrm>
+          <a:off x="0" y="0"/>
+          <a:ext cx="0" cy="0"/>
+          <a:chOff x="0" y="0"/>
+          <a:chExt cx="0" cy="0"/>
+        </a:xfrm>
+      </p:grpSpPr>
+      <p:sp>
+        <p:nvSpPr>
+          <p:cNvPr id="7" name="Foliennummernplatzhalter 6">
+            <a:extLst>
+              <a:ext uri="{FF2B5EF4-FFF2-40B4-BE49-F238E27FC236}">
+                <a16:creationId xmlns:a16="http://schemas.microsoft.com/office/drawing/2014/main" id="{44EC89B4-CA93-4D45-839B-2A01018E3B97}"/>
+              </a:ext>
+            </a:extLst>
+          </p:cNvPr>
+          <p:cNvSpPr txBox="1">
+            <a:spLocks noGrp="1"/>
+          </p:cNvSpPr>
+          <p:nvPr>
+            <p:ph type="sldNum" sz="quarter" idx="5"/>
+          </p:nvPr>
+        </p:nvSpPr>
+        <p:spPr>
+          <a:ln/>
+        </p:spPr>
+        <p:txBody>
+          <a:bodyPr lIns="0" tIns="0" rIns="0" bIns="0" anchor="b" anchorCtr="0">
+            <a:noAutofit/>
+          </a:bodyPr>
+          <a:lstStyle/>
+          <a:p>
+            <a:pPr lvl="0"/>
             <a:fld id="{3C8E01BB-7E90-4F3B-A1BE-2874FDDB04D8}" type="slidenum">
-              <a:t>12</a:t>
+              <a:t>13</a:t>
+            </a:fld>
+            <a:endParaRPr lang="en-US"/>
+          </a:p>
+        </p:txBody>
+      </p:sp>
+      <p:sp>
+        <p:nvSpPr>
+          <p:cNvPr id="2" name="Folienbildplatzhalter 1">
+            <a:extLst>
+              <a:ext uri="{FF2B5EF4-FFF2-40B4-BE49-F238E27FC236}">
+                <a16:creationId xmlns:a16="http://schemas.microsoft.com/office/drawing/2014/main" id="{529499F4-C569-4871-B59C-750229A96602}"/>
+              </a:ext>
+            </a:extLst>
+          </p:cNvPr>
+          <p:cNvSpPr>
+            <a:spLocks noGrp="1" noRot="1" noChangeAspect="1" noResize="1"/>
+          </p:cNvSpPr>
+          <p:nvPr>
+            <p:ph type="sldImg"/>
+          </p:nvPr>
+        </p:nvSpPr>
+        <p:spPr>
+          <a:xfrm>
+            <a:off x="1106488" y="812800"/>
+            <a:ext cx="5345112" cy="4008438"/>
+          </a:xfrm>
+          <a:solidFill>
+            <a:srgbClr val="729FCF"/>
+          </a:solidFill>
+          <a:ln w="25400">
+            <a:solidFill>
+              <a:srgbClr val="3465A4"/>
+            </a:solidFill>
+            <a:prstDash val="solid"/>
+          </a:ln>
+        </p:spPr>
+      </p:sp>
+      <p:sp>
+        <p:nvSpPr>
+          <p:cNvPr id="3" name="Notizenplatzhalter 2">
+            <a:extLst>
+              <a:ext uri="{FF2B5EF4-FFF2-40B4-BE49-F238E27FC236}">
+                <a16:creationId xmlns:a16="http://schemas.microsoft.com/office/drawing/2014/main" id="{81E7C8BE-B1CF-48F2-9BC3-AC9AA709A482}"/>
+              </a:ext>
+            </a:extLst>
+          </p:cNvPr>
+          <p:cNvSpPr txBox="1">
+            <a:spLocks noGrp="1"/>
+          </p:cNvSpPr>
+          <p:nvPr>
+            <p:ph type="body" sz="quarter" idx="1"/>
+          </p:nvPr>
+        </p:nvSpPr>
+        <p:spPr/>
+        <p:txBody>
+          <a:bodyPr/>
+          <a:lstStyle/>
+          <a:p>
+            <a:endParaRPr lang="en-US"/>
+          </a:p>
+        </p:txBody>
+      </p:sp>
+    </p:spTree>
+    <p:extLst>
+      <p:ext uri="{BB962C8B-B14F-4D97-AF65-F5344CB8AC3E}">
+        <p14:creationId xmlns:p14="http://schemas.microsoft.com/office/powerpoint/2010/main" val="2370177172"/>
+      </p:ext>
+    </p:extLst>
+  </p:cSld>
+  <p:clrMapOvr>
+    <a:masterClrMapping/>
+  </p:clrMapOvr>
+</p:notes>
+</file>
+
+<file path=ppt/notesSlides/notesSlide14.xml><?xml version="1.0" encoding="utf-8"?>
+<p:notes xmlns:a="http://schemas.openxmlformats.org/drawingml/2006/main" xmlns:r="http://schemas.openxmlformats.org/officeDocument/2006/relationships" xmlns:p="http://schemas.openxmlformats.org/presentationml/2006/main">
+  <p:cSld>
+    <p:spTree>
+      <p:nvGrpSpPr>
+        <p:cNvPr id="1" name=""/>
+        <p:cNvGrpSpPr/>
+        <p:nvPr/>
+      </p:nvGrpSpPr>
+      <p:grpSpPr>
+        <a:xfrm>
+          <a:off x="0" y="0"/>
+          <a:ext cx="0" cy="0"/>
+          <a:chOff x="0" y="0"/>
+          <a:chExt cx="0" cy="0"/>
+        </a:xfrm>
+      </p:grpSpPr>
+      <p:sp>
+        <p:nvSpPr>
+          <p:cNvPr id="7" name="Foliennummernplatzhalter 6">
+            <a:extLst>
+              <a:ext uri="{FF2B5EF4-FFF2-40B4-BE49-F238E27FC236}">
+                <a16:creationId xmlns:a16="http://schemas.microsoft.com/office/drawing/2014/main" id="{44EC89B4-CA93-4D45-839B-2A01018E3B97}"/>
+              </a:ext>
+            </a:extLst>
+          </p:cNvPr>
+          <p:cNvSpPr txBox="1">
+            <a:spLocks noGrp="1"/>
+          </p:cNvSpPr>
+          <p:nvPr>
+            <p:ph type="sldNum" sz="quarter" idx="5"/>
+          </p:nvPr>
+        </p:nvSpPr>
+        <p:spPr>
+          <a:ln/>
+        </p:spPr>
+        <p:txBody>
+          <a:bodyPr lIns="0" tIns="0" rIns="0" bIns="0" anchor="b" anchorCtr="0">
+            <a:noAutofit/>
+          </a:bodyPr>
+          <a:lstStyle/>
+          <a:p>
+            <a:pPr lvl="0"/>
+            <a:fld id="{3C8E01BB-7E90-4F3B-A1BE-2874FDDB04D8}" type="slidenum">
+              <a:t>14</a:t>
             </a:fld>
             <a:endParaRPr lang="en-US"/>
           </a:p>
@@ -2233,7 +2475,7 @@
     </p:spTree>
     <p:extLst>
       <p:ext uri="{BB962C8B-B14F-4D97-AF65-F5344CB8AC3E}">
-        <p14:creationId xmlns:p14="http://schemas.microsoft.com/office/powerpoint/2010/main" val="3063718476"/>
+        <p14:creationId xmlns:p14="http://schemas.microsoft.com/office/powerpoint/2010/main" val="1227185661"/>
       </p:ext>
     </p:extLst>
   </p:cSld>
@@ -5593,6 +5835,364 @@
 
 <file path=ppt/slides/slide10.xml><?xml version="1.0" encoding="utf-8"?>
 <p:sld xmlns:a="http://schemas.openxmlformats.org/drawingml/2006/main" xmlns:r="http://schemas.openxmlformats.org/officeDocument/2006/relationships" xmlns:p="http://schemas.openxmlformats.org/presentationml/2006/main">
+  <p:cSld>
+    <p:spTree>
+      <p:nvGrpSpPr>
+        <p:cNvPr id="1" name=""/>
+        <p:cNvGrpSpPr/>
+        <p:nvPr/>
+      </p:nvGrpSpPr>
+      <p:grpSpPr>
+        <a:xfrm>
+          <a:off x="0" y="0"/>
+          <a:ext cx="0" cy="0"/>
+          <a:chOff x="0" y="0"/>
+          <a:chExt cx="0" cy="0"/>
+        </a:xfrm>
+      </p:grpSpPr>
+      <p:sp>
+        <p:nvSpPr>
+          <p:cNvPr id="3" name="Textplatzhalter 2">
+            <a:extLst>
+              <a:ext uri="{FF2B5EF4-FFF2-40B4-BE49-F238E27FC236}">
+                <a16:creationId xmlns:a16="http://schemas.microsoft.com/office/drawing/2014/main" id="{B46C215E-DCC1-4BE4-A754-094902847F75}"/>
+              </a:ext>
+            </a:extLst>
+          </p:cNvPr>
+          <p:cNvSpPr txBox="1">
+            <a:spLocks noGrp="1"/>
+          </p:cNvSpPr>
+          <p:nvPr>
+            <p:ph type="body" idx="4294967295"/>
+          </p:nvPr>
+        </p:nvSpPr>
+        <p:spPr/>
+        <p:txBody>
+          <a:bodyPr/>
+          <a:lstStyle/>
+          <a:p>
+            <a:pPr marL="457200" indent="-457200">
+              <a:buFontTx/>
+              <a:buChar char="-"/>
+            </a:pPr>
+            <a:r>
+              <a:rPr lang="en-US" dirty="0"/>
+              <a:t>Results grid search #3:</a:t>
+            </a:r>
+          </a:p>
+          <a:p>
+            <a:pPr marL="1028700" lvl="1" indent="-342900">
+              <a:buFont typeface="Wingdings" panose="05000000000000000000" pitchFamily="2" charset="2"/>
+              <a:buChar char="à"/>
+            </a:pPr>
+            <a:r>
+              <a:rPr lang="en-US" dirty="0"/>
+              <a:t>E.g. hyperparameters: k = 7, </a:t>
+            </a:r>
+            <a:r>
+              <a:rPr lang="en-US" dirty="0" err="1"/>
+              <a:t>c_n</a:t>
+            </a:r>
+            <a:r>
+              <a:rPr lang="en-US" dirty="0"/>
+              <a:t> = 3, </a:t>
+            </a:r>
+            <a:r>
+              <a:rPr lang="en-US" dirty="0" err="1"/>
+              <a:t>c_e</a:t>
+            </a:r>
+            <a:r>
+              <a:rPr lang="en-US" dirty="0"/>
+              <a:t> = 2</a:t>
+            </a:r>
+          </a:p>
+          <a:p>
+            <a:pPr marL="1028700" lvl="1" indent="-342900">
+              <a:buFont typeface="Wingdings" panose="05000000000000000000" pitchFamily="2" charset="2"/>
+              <a:buChar char="à"/>
+            </a:pPr>
+            <a:r>
+              <a:rPr lang="en-US" dirty="0"/>
+              <a:t>99.6% </a:t>
+            </a:r>
+            <a:r>
+              <a:rPr lang="de-CH" dirty="0"/>
+              <a:t>a</a:t>
+            </a:r>
+            <a:r>
+              <a:rPr lang="en-US" dirty="0" err="1"/>
+              <a:t>ccuracy</a:t>
+            </a:r>
+            <a:r>
+              <a:rPr lang="en-US" dirty="0"/>
+              <a:t> on valid.txt:</a:t>
+            </a:r>
+          </a:p>
+          <a:p>
+            <a:pPr marL="457200" indent="-457200">
+              <a:buFontTx/>
+              <a:buChar char="-"/>
+            </a:pPr>
+            <a:endParaRPr lang="en-US" dirty="0"/>
+          </a:p>
+          <a:p>
+            <a:endParaRPr lang="en-US" dirty="0"/>
+          </a:p>
+        </p:txBody>
+      </p:sp>
+      <p:sp>
+        <p:nvSpPr>
+          <p:cNvPr id="7" name="Titel 1">
+            <a:extLst>
+              <a:ext uri="{FF2B5EF4-FFF2-40B4-BE49-F238E27FC236}">
+                <a16:creationId xmlns:a16="http://schemas.microsoft.com/office/drawing/2014/main" id="{751113A9-2E3E-4730-BB84-8AA40760EB63}"/>
+              </a:ext>
+            </a:extLst>
+          </p:cNvPr>
+          <p:cNvSpPr txBox="1">
+            <a:spLocks/>
+          </p:cNvSpPr>
+          <p:nvPr/>
+        </p:nvSpPr>
+        <p:spPr>
+          <a:xfrm>
+            <a:off x="503999" y="301320"/>
+            <a:ext cx="9240076" cy="1262160"/>
+          </a:xfrm>
+          <a:prstGeom prst="rect">
+            <a:avLst/>
+          </a:prstGeom>
+          <a:noFill/>
+          <a:ln>
+            <a:noFill/>
+          </a:ln>
+        </p:spPr>
+        <p:txBody>
+          <a:bodyPr lIns="0" tIns="0" rIns="0" bIns="0" anchor="ctr"/>
+          <a:lstStyle>
+            <a:lvl1pPr algn="ctr" rtl="0" hangingPunct="0">
+              <a:tabLst/>
+              <a:defRPr lang="en-US" sz="4400" b="0" i="0" u="none" strike="noStrike" kern="1200" cap="none">
+                <a:ln>
+                  <a:noFill/>
+                </a:ln>
+                <a:highlight>
+                  <a:scrgbClr r="0" g="0" b="0">
+                    <a:alpha val="0"/>
+                  </a:scrgbClr>
+                </a:highlight>
+                <a:latin typeface="Liberation Sans" pitchFamily="18"/>
+              </a:defRPr>
+            </a:lvl1pPr>
+          </a:lstStyle>
+          <a:p>
+            <a:endParaRPr lang="en-US" dirty="0">
+              <a:solidFill>
+                <a:sysClr val="windowText" lastClr="000000"/>
+              </a:solidFill>
+            </a:endParaRPr>
+          </a:p>
+        </p:txBody>
+      </p:sp>
+      <p:pic>
+        <p:nvPicPr>
+          <p:cNvPr id="4" name="Grafik 3">
+            <a:extLst>
+              <a:ext uri="{FF2B5EF4-FFF2-40B4-BE49-F238E27FC236}">
+                <a16:creationId xmlns:a16="http://schemas.microsoft.com/office/drawing/2014/main" id="{A9385369-AC63-44FF-BEAD-6883BEC94279}"/>
+              </a:ext>
+            </a:extLst>
+          </p:cNvPr>
+          <p:cNvPicPr>
+            <a:picLocks noChangeAspect="1"/>
+          </p:cNvPicPr>
+          <p:nvPr/>
+        </p:nvPicPr>
+        <p:blipFill>
+          <a:blip r:embed="rId3">
+            <a:extLst>
+              <a:ext uri="{28A0092B-C50C-407E-A947-70E740481C1C}">
+                <a14:useLocalDpi xmlns:a14="http://schemas.microsoft.com/office/drawing/2010/main" val="0"/>
+              </a:ext>
+            </a:extLst>
+          </a:blip>
+          <a:stretch>
+            <a:fillRect/>
+          </a:stretch>
+        </p:blipFill>
+        <p:spPr>
+          <a:xfrm>
+            <a:off x="5357092" y="3390654"/>
+            <a:ext cx="4620270" cy="3924848"/>
+          </a:xfrm>
+          <a:prstGeom prst="rect">
+            <a:avLst/>
+          </a:prstGeom>
+        </p:spPr>
+      </p:pic>
+      <p:sp>
+        <p:nvSpPr>
+          <p:cNvPr id="6" name="Textfeld 5">
+            <a:extLst>
+              <a:ext uri="{FF2B5EF4-FFF2-40B4-BE49-F238E27FC236}">
+                <a16:creationId xmlns:a16="http://schemas.microsoft.com/office/drawing/2014/main" id="{2DEF6A6B-9E60-4528-9C00-C2C5FA8F4B7D}"/>
+              </a:ext>
+            </a:extLst>
+          </p:cNvPr>
+          <p:cNvSpPr txBox="1"/>
+          <p:nvPr/>
+        </p:nvSpPr>
+        <p:spPr>
+          <a:xfrm>
+            <a:off x="171451" y="3382259"/>
+            <a:ext cx="5129212" cy="3416320"/>
+          </a:xfrm>
+          <a:prstGeom prst="rect">
+            <a:avLst/>
+          </a:prstGeom>
+          <a:solidFill>
+            <a:srgbClr val="FFC000"/>
+          </a:solidFill>
+        </p:spPr>
+        <p:txBody>
+          <a:bodyPr wrap="square" rtlCol="0">
+            <a:spAutoFit/>
+          </a:bodyPr>
+          <a:lstStyle/>
+          <a:p>
+            <a:r>
+              <a:rPr lang="pt-BR" b="1" dirty="0">
+                <a:latin typeface="Courier New" panose="02070309020205020404" pitchFamily="49" charset="0"/>
+                <a:cs typeface="Courier New" panose="02070309020205020404" pitchFamily="49" charset="0"/>
+              </a:rPr>
+              <a:t>&gt; confusionMatrix(t, dnn=c("Prediction", "Ground truth"))</a:t>
+            </a:r>
+          </a:p>
+          <a:p>
+            <a:r>
+              <a:rPr lang="pt-BR" b="1" dirty="0">
+                <a:latin typeface="Courier New" panose="02070309020205020404" pitchFamily="49" charset="0"/>
+                <a:cs typeface="Courier New" panose="02070309020205020404" pitchFamily="49" charset="0"/>
+              </a:rPr>
+              <a:t>Confusion Matrix and Statistics</a:t>
+            </a:r>
+          </a:p>
+          <a:p>
+            <a:r>
+              <a:rPr lang="pt-BR" b="1" dirty="0">
+                <a:latin typeface="Courier New" panose="02070309020205020404" pitchFamily="49" charset="0"/>
+                <a:cs typeface="Courier New" panose="02070309020205020404" pitchFamily="49" charset="0"/>
+              </a:rPr>
+              <a:t>                                </a:t>
+            </a:r>
+          </a:p>
+          <a:p>
+            <a:r>
+              <a:rPr lang="pt-BR" b="1" dirty="0">
+                <a:latin typeface="Courier New" panose="02070309020205020404" pitchFamily="49" charset="0"/>
+                <a:cs typeface="Courier New" panose="02070309020205020404" pitchFamily="49" charset="0"/>
+              </a:rPr>
+              <a:t>                classIdActual</a:t>
+            </a:r>
+          </a:p>
+          <a:p>
+            <a:r>
+              <a:rPr lang="pt-BR" b="1" dirty="0">
+                <a:latin typeface="Courier New" panose="02070309020205020404" pitchFamily="49" charset="0"/>
+                <a:cs typeface="Courier New" panose="02070309020205020404" pitchFamily="49" charset="0"/>
+              </a:rPr>
+              <a:t>classIdPredicted   a   i</a:t>
+            </a:r>
+          </a:p>
+          <a:p>
+            <a:r>
+              <a:rPr lang="pt-BR" b="1" dirty="0">
+                <a:latin typeface="Courier New" panose="02070309020205020404" pitchFamily="49" charset="0"/>
+                <a:cs typeface="Courier New" panose="02070309020205020404" pitchFamily="49" charset="0"/>
+              </a:rPr>
+              <a:t>               a  49   0</a:t>
+            </a:r>
+          </a:p>
+          <a:p>
+            <a:r>
+              <a:rPr lang="pt-BR" b="1" dirty="0">
+                <a:latin typeface="Courier New" panose="02070309020205020404" pitchFamily="49" charset="0"/>
+                <a:cs typeface="Courier New" panose="02070309020205020404" pitchFamily="49" charset="0"/>
+              </a:rPr>
+              <a:t>               i   1 200</a:t>
+            </a:r>
+          </a:p>
+          <a:p>
+            <a:endParaRPr lang="pt-BR" b="1" dirty="0">
+              <a:latin typeface="Courier New" panose="02070309020205020404" pitchFamily="49" charset="0"/>
+              <a:cs typeface="Courier New" panose="02070309020205020404" pitchFamily="49" charset="0"/>
+            </a:endParaRPr>
+          </a:p>
+          <a:p>
+            <a:r>
+              <a:rPr lang="pt-BR" b="1" dirty="0">
+                <a:latin typeface="Courier New" panose="02070309020205020404" pitchFamily="49" charset="0"/>
+                <a:cs typeface="Courier New" panose="02070309020205020404" pitchFamily="49" charset="0"/>
+              </a:rPr>
+              <a:t>		  Accuracy : 0.996 </a:t>
+            </a:r>
+          </a:p>
+          <a:p>
+            <a:r>
+              <a:rPr lang="pt-BR" b="1" dirty="0">
+                <a:latin typeface="Courier New" panose="02070309020205020404" pitchFamily="49" charset="0"/>
+                <a:cs typeface="Courier New" panose="02070309020205020404" pitchFamily="49" charset="0"/>
+              </a:rPr>
+              <a:t>               ....</a:t>
+            </a:r>
+          </a:p>
+          <a:p>
+            <a:r>
+              <a:rPr lang="en-US" b="1" dirty="0" err="1">
+                <a:latin typeface="Courier New" panose="02070309020205020404" pitchFamily="49" charset="0"/>
+                <a:cs typeface="Courier New" panose="02070309020205020404" pitchFamily="49" charset="0"/>
+              </a:rPr>
+              <a:t>fourfoldplot</a:t>
+            </a:r>
+            <a:r>
+              <a:rPr lang="en-US" b="1" dirty="0">
+                <a:latin typeface="Courier New" panose="02070309020205020404" pitchFamily="49" charset="0"/>
+                <a:cs typeface="Courier New" panose="02070309020205020404" pitchFamily="49" charset="0"/>
+              </a:rPr>
+              <a:t>(</a:t>
+            </a:r>
+            <a:r>
+              <a:rPr lang="en-US" b="1" dirty="0" err="1">
+                <a:latin typeface="Courier New" panose="02070309020205020404" pitchFamily="49" charset="0"/>
+                <a:cs typeface="Courier New" panose="02070309020205020404" pitchFamily="49" charset="0"/>
+              </a:rPr>
+              <a:t>confM$table</a:t>
+            </a:r>
+            <a:r>
+              <a:rPr lang="en-US" b="1" dirty="0">
+                <a:latin typeface="Courier New" panose="02070309020205020404" pitchFamily="49" charset="0"/>
+                <a:cs typeface="Courier New" panose="02070309020205020404" pitchFamily="49" charset="0"/>
+              </a:rPr>
+              <a:t>)</a:t>
+            </a:r>
+          </a:p>
+        </p:txBody>
+      </p:sp>
+    </p:spTree>
+    <p:extLst>
+      <p:ext uri="{BB962C8B-B14F-4D97-AF65-F5344CB8AC3E}">
+        <p14:creationId xmlns:p14="http://schemas.microsoft.com/office/powerpoint/2010/main" val="2227334823"/>
+      </p:ext>
+    </p:extLst>
+  </p:cSld>
+  <p:clrMapOvr>
+    <a:masterClrMapping/>
+  </p:clrMapOvr>
+</p:sld>
+</file>
+
+<file path=ppt/slides/slide11.xml><?xml version="1.0" encoding="utf-8"?>
+<p:sld xmlns:a="http://schemas.openxmlformats.org/drawingml/2006/main" xmlns:r="http://schemas.openxmlformats.org/officeDocument/2006/relationships" xmlns:p="http://schemas.openxmlformats.org/presentationml/2006/main">
   <p:cSld name="page3">
     <p:spTree>
       <p:nvGrpSpPr>
@@ -5685,7 +6285,88 @@
 </p:sld>
 </file>
 
-<file path=ppt/slides/slide11.xml><?xml version="1.0" encoding="utf-8"?>
+<file path=ppt/slides/slide12.xml><?xml version="1.0" encoding="utf-8"?>
+<p:sld xmlns:a="http://schemas.openxmlformats.org/drawingml/2006/main" xmlns:r="http://schemas.openxmlformats.org/officeDocument/2006/relationships" xmlns:p="http://schemas.openxmlformats.org/presentationml/2006/main">
+  <p:cSld>
+    <p:spTree>
+      <p:nvGrpSpPr>
+        <p:cNvPr id="1" name=""/>
+        <p:cNvGrpSpPr/>
+        <p:nvPr/>
+      </p:nvGrpSpPr>
+      <p:grpSpPr>
+        <a:xfrm>
+          <a:off x="0" y="0"/>
+          <a:ext cx="0" cy="0"/>
+          <a:chOff x="0" y="0"/>
+          <a:chExt cx="0" cy="0"/>
+        </a:xfrm>
+      </p:grpSpPr>
+      <p:sp>
+        <p:nvSpPr>
+          <p:cNvPr id="2" name="Titel 1">
+            <a:extLst>
+              <a:ext uri="{FF2B5EF4-FFF2-40B4-BE49-F238E27FC236}">
+                <a16:creationId xmlns:a16="http://schemas.microsoft.com/office/drawing/2014/main" id="{CC44A84B-A8EE-4808-84E4-0ABB51E2D5AB}"/>
+              </a:ext>
+            </a:extLst>
+          </p:cNvPr>
+          <p:cNvSpPr txBox="1">
+            <a:spLocks noGrp="1"/>
+          </p:cNvSpPr>
+          <p:nvPr>
+            <p:ph type="title" idx="4294967295"/>
+          </p:nvPr>
+        </p:nvSpPr>
+        <p:spPr/>
+        <p:txBody>
+          <a:bodyPr/>
+          <a:lstStyle/>
+          <a:p>
+            <a:pPr lvl="0"/>
+            <a:endParaRPr lang="en-US" dirty="0"/>
+          </a:p>
+        </p:txBody>
+      </p:sp>
+      <p:sp>
+        <p:nvSpPr>
+          <p:cNvPr id="3" name="Textplatzhalter 2">
+            <a:extLst>
+              <a:ext uri="{FF2B5EF4-FFF2-40B4-BE49-F238E27FC236}">
+                <a16:creationId xmlns:a16="http://schemas.microsoft.com/office/drawing/2014/main" id="{53DEC8A0-C278-4ECC-AC9D-29E8286C2B63}"/>
+              </a:ext>
+            </a:extLst>
+          </p:cNvPr>
+          <p:cNvSpPr txBox="1">
+            <a:spLocks noGrp="1"/>
+          </p:cNvSpPr>
+          <p:nvPr>
+            <p:ph type="body" idx="4294967295"/>
+          </p:nvPr>
+        </p:nvSpPr>
+        <p:spPr/>
+        <p:txBody>
+          <a:bodyPr/>
+          <a:lstStyle/>
+          <a:p>
+            <a:endParaRPr lang="en-US" dirty="0"/>
+          </a:p>
+        </p:txBody>
+      </p:sp>
+    </p:spTree>
+    <p:extLst>
+      <p:ext uri="{BB962C8B-B14F-4D97-AF65-F5344CB8AC3E}">
+        <p14:creationId xmlns:p14="http://schemas.microsoft.com/office/powerpoint/2010/main" val="2310051511"/>
+      </p:ext>
+    </p:extLst>
+  </p:cSld>
+  <p:clrMapOvr>
+    <a:masterClrMapping/>
+  </p:clrMapOvr>
+</p:sld>
+</file>
+
+<file path=ppt/slides/slide13.xml><?xml version="1.0" encoding="utf-8"?>
 <p:sld xmlns:a="http://schemas.openxmlformats.org/drawingml/2006/main" xmlns:r="http://schemas.openxmlformats.org/officeDocument/2006/relationships" xmlns:p="http://schemas.openxmlformats.org/presentationml/2006/main">
   <p:cSld>
     <p:spTree>
@@ -5854,7 +6535,7 @@
 </p:sld>
 </file>
 
-<file path=ppt/slides/slide12.xml><?xml version="1.0" encoding="utf-8"?>
+<file path=ppt/slides/slide14.xml><?xml version="1.0" encoding="utf-8"?>
 <p:sld xmlns:a="http://schemas.openxmlformats.org/drawingml/2006/main" xmlns:r="http://schemas.openxmlformats.org/officeDocument/2006/relationships" xmlns:p="http://schemas.openxmlformats.org/presentationml/2006/main">
   <p:cSld>
     <p:spTree>
@@ -7049,7 +7730,7 @@
             </a:pPr>
             <a:r>
               <a:rPr lang="en-US" dirty="0"/>
-              <a:t>BP algorithm straightforward:</a:t>
+              <a:t>BP algorithm, straightforward:</a:t>
             </a:r>
             <a:endParaRPr lang="de-CH" dirty="0"/>
           </a:p>
@@ -7145,7 +7826,7 @@
             </a:pPr>
             <a:r>
               <a:rPr lang="en-US" dirty="0"/>
-              <a:t>cost matrix straightforward:</a:t>
+              <a:t>cost matrix, straightforward:</a:t>
             </a:r>
             <a:endParaRPr lang="de-CH" dirty="0"/>
           </a:p>
@@ -7295,7 +7976,7 @@
             </a:pPr>
             <a:r>
               <a:rPr lang="en-US" dirty="0"/>
-              <a:t>Results:</a:t>
+              <a:t>Results grid search #1:</a:t>
             </a:r>
           </a:p>
           <a:p>
@@ -7593,7 +8274,7 @@
             </a:pPr>
             <a:r>
               <a:rPr lang="en-US" dirty="0"/>
-              <a:t>Results cont’d:</a:t>
+              <a:t>Results grid search #2:</a:t>
             </a:r>
           </a:p>
           <a:p>
@@ -7602,24 +8283,22 @@
               <a:buChar char="à"/>
             </a:pPr>
             <a:r>
-              <a:rPr lang="en-US" dirty="0"/>
-              <a:t>hyperparameters: k = 7, </a:t>
-            </a:r>
-            <a:r>
-              <a:rPr lang="en-US" dirty="0" err="1"/>
-              <a:t>c_n</a:t>
-            </a:r>
-            <a:r>
-              <a:rPr lang="en-US" dirty="0"/>
-              <a:t> = 3, </a:t>
-            </a:r>
-            <a:r>
-              <a:rPr lang="en-US" dirty="0" err="1"/>
-              <a:t>c_e</a:t>
-            </a:r>
-            <a:r>
-              <a:rPr lang="en-US" dirty="0"/>
-              <a:t> = 2</a:t>
+              <a:rPr lang="de-CH" dirty="0">
+                <a:sym typeface="Wingdings" panose="05000000000000000000" pitchFamily="2" charset="2"/>
+              </a:rPr>
+              <a:t>Best </a:t>
+            </a:r>
+            <a:r>
+              <a:rPr lang="de-CH" dirty="0" err="1">
+                <a:sym typeface="Wingdings" panose="05000000000000000000" pitchFamily="2" charset="2"/>
+              </a:rPr>
+              <a:t>parameters</a:t>
+            </a:r>
+            <a:r>
+              <a:rPr lang="de-CH" dirty="0">
+                <a:sym typeface="Wingdings" panose="05000000000000000000" pitchFamily="2" charset="2"/>
+              </a:rPr>
+              <a:t>:</a:t>
             </a:r>
           </a:p>
           <a:p>
@@ -7628,27 +8307,86 @@
               <a:buChar char="à"/>
             </a:pPr>
             <a:r>
-              <a:rPr lang="de-CH" dirty="0"/>
-              <a:t>a</a:t>
-            </a:r>
-            <a:r>
-              <a:rPr lang="en-US" dirty="0" err="1"/>
-              <a:t>ccuracy</a:t>
-            </a:r>
-            <a:r>
-              <a:rPr lang="en-US" dirty="0"/>
-              <a:t> on valid.txt: 99.6%</a:t>
-            </a:r>
-          </a:p>
-          <a:p>
-            <a:pPr marL="457200" indent="-457200">
-              <a:buFontTx/>
-              <a:buChar char="-"/>
+              <a:rPr lang="de-CH" dirty="0">
+                <a:sym typeface="Wingdings" panose="05000000000000000000" pitchFamily="2" charset="2"/>
+              </a:rPr>
+              <a:t>175 </a:t>
+            </a:r>
+            <a:r>
+              <a:rPr lang="de-CH" dirty="0" err="1">
+                <a:sym typeface="Wingdings" panose="05000000000000000000" pitchFamily="2" charset="2"/>
+              </a:rPr>
+              <a:t>combinations</a:t>
+            </a:r>
+            <a:r>
+              <a:rPr lang="de-CH" dirty="0">
+                <a:sym typeface="Wingdings" panose="05000000000000000000" pitchFamily="2" charset="2"/>
+              </a:rPr>
+              <a:t> </a:t>
+            </a:r>
+            <a:r>
+              <a:rPr lang="de-CH" dirty="0" err="1">
+                <a:sym typeface="Wingdings" panose="05000000000000000000" pitchFamily="2" charset="2"/>
+              </a:rPr>
+              <a:t>of</a:t>
+            </a:r>
+            <a:r>
+              <a:rPr lang="de-CH" dirty="0">
+                <a:sym typeface="Wingdings" panose="05000000000000000000" pitchFamily="2" charset="2"/>
+              </a:rPr>
+              <a:t> k, </a:t>
+            </a:r>
+            <a:r>
+              <a:rPr lang="de-CH" dirty="0" err="1">
+                <a:sym typeface="Wingdings" panose="05000000000000000000" pitchFamily="2" charset="2"/>
+              </a:rPr>
+              <a:t>c_n</a:t>
+            </a:r>
+            <a:r>
+              <a:rPr lang="de-CH" dirty="0">
+                <a:sym typeface="Wingdings" panose="05000000000000000000" pitchFamily="2" charset="2"/>
+              </a:rPr>
+              <a:t>, </a:t>
+            </a:r>
+            <a:r>
+              <a:rPr lang="de-CH" dirty="0" err="1">
+                <a:sym typeface="Wingdings" panose="05000000000000000000" pitchFamily="2" charset="2"/>
+              </a:rPr>
+              <a:t>c_e</a:t>
+            </a:r>
+            <a:r>
+              <a:rPr lang="de-CH" dirty="0">
+                <a:sym typeface="Wingdings" panose="05000000000000000000" pitchFamily="2" charset="2"/>
+              </a:rPr>
+              <a:t> </a:t>
+            </a:r>
+            <a:r>
+              <a:rPr lang="de-CH" dirty="0" err="1">
+                <a:sym typeface="Wingdings" panose="05000000000000000000" pitchFamily="2" charset="2"/>
+              </a:rPr>
+              <a:t>yield</a:t>
+            </a:r>
+            <a:r>
+              <a:rPr lang="de-CH" dirty="0">
+                <a:sym typeface="Wingdings" panose="05000000000000000000" pitchFamily="2" charset="2"/>
+              </a:rPr>
+              <a:t> 99.6% </a:t>
+            </a:r>
+            <a:r>
+              <a:rPr lang="de-CH" dirty="0" err="1">
+                <a:sym typeface="Wingdings" panose="05000000000000000000" pitchFamily="2" charset="2"/>
+              </a:rPr>
+              <a:t>accuracy</a:t>
+            </a:r>
+            <a:endParaRPr lang="de-CH" dirty="0">
+              <a:sym typeface="Wingdings" panose="05000000000000000000" pitchFamily="2" charset="2"/>
+            </a:endParaRPr>
+          </a:p>
+          <a:p>
+            <a:pPr lvl="1" indent="0">
+              <a:buNone/>
             </a:pPr>
-            <a:endParaRPr lang="en-US" dirty="0"/>
-          </a:p>
-          <a:p>
-            <a:endParaRPr lang="en-US" dirty="0"/>
+            <a:endParaRPr lang="de-CH" dirty="0"/>
           </a:p>
         </p:txBody>
       </p:sp>
@@ -7708,10 +8446,10 @@
       </p:sp>
       <p:pic>
         <p:nvPicPr>
-          <p:cNvPr id="4" name="Grafik 3">
-            <a:extLst>
-              <a:ext uri="{FF2B5EF4-FFF2-40B4-BE49-F238E27FC236}">
-                <a16:creationId xmlns:a16="http://schemas.microsoft.com/office/drawing/2014/main" id="{A9385369-AC63-44FF-BEAD-6883BEC94279}"/>
+          <p:cNvPr id="2" name="Grafik 1">
+            <a:extLst>
+              <a:ext uri="{FF2B5EF4-FFF2-40B4-BE49-F238E27FC236}">
+                <a16:creationId xmlns:a16="http://schemas.microsoft.com/office/drawing/2014/main" id="{2EC24A9E-B176-42A9-9CD7-9FB74EE01E5C}"/>
               </a:ext>
             </a:extLst>
           </p:cNvPr>
@@ -7721,179 +8459,25 @@
           <p:nvPr/>
         </p:nvPicPr>
         <p:blipFill>
-          <a:blip r:embed="rId3">
-            <a:extLst>
-              <a:ext uri="{28A0092B-C50C-407E-A947-70E740481C1C}">
-                <a14:useLocalDpi xmlns:a14="http://schemas.microsoft.com/office/drawing/2010/main" val="0"/>
-              </a:ext>
-            </a:extLst>
-          </a:blip>
+          <a:blip r:embed="rId3"/>
           <a:stretch>
             <a:fillRect/>
           </a:stretch>
         </p:blipFill>
         <p:spPr>
           <a:xfrm>
-            <a:off x="5357092" y="3390654"/>
-            <a:ext cx="4620270" cy="3924848"/>
+            <a:off x="2952628" y="3095955"/>
+            <a:ext cx="4175367" cy="4162400"/>
           </a:xfrm>
           <a:prstGeom prst="rect">
             <a:avLst/>
           </a:prstGeom>
         </p:spPr>
       </p:pic>
-      <p:sp>
-        <p:nvSpPr>
-          <p:cNvPr id="6" name="Textfeld 5">
-            <a:extLst>
-              <a:ext uri="{FF2B5EF4-FFF2-40B4-BE49-F238E27FC236}">
-                <a16:creationId xmlns:a16="http://schemas.microsoft.com/office/drawing/2014/main" id="{2DEF6A6B-9E60-4528-9C00-C2C5FA8F4B7D}"/>
-              </a:ext>
-            </a:extLst>
-          </p:cNvPr>
-          <p:cNvSpPr txBox="1"/>
-          <p:nvPr/>
-        </p:nvSpPr>
-        <p:spPr>
-          <a:xfrm>
-            <a:off x="171451" y="3382259"/>
-            <a:ext cx="5129212" cy="3416320"/>
-          </a:xfrm>
-          <a:prstGeom prst="rect">
-            <a:avLst/>
-          </a:prstGeom>
-          <a:solidFill>
-            <a:srgbClr val="FFC000"/>
-          </a:solidFill>
-        </p:spPr>
-        <p:txBody>
-          <a:bodyPr wrap="square" rtlCol="0">
-            <a:spAutoFit/>
-          </a:bodyPr>
-          <a:lstStyle/>
-          <a:p>
-            <a:r>
-              <a:rPr lang="pt-BR" b="1" dirty="0">
-                <a:latin typeface="Courier New" panose="02070309020205020404" pitchFamily="49" charset="0"/>
-                <a:cs typeface="Courier New" panose="02070309020205020404" pitchFamily="49" charset="0"/>
-              </a:rPr>
-              <a:t>&gt; confusionMatrix(t, dnn=c("Prediction", "Ground truth"))</a:t>
-            </a:r>
-          </a:p>
-          <a:p>
-            <a:r>
-              <a:rPr lang="pt-BR" b="1" dirty="0">
-                <a:latin typeface="Courier New" panose="02070309020205020404" pitchFamily="49" charset="0"/>
-                <a:cs typeface="Courier New" panose="02070309020205020404" pitchFamily="49" charset="0"/>
-              </a:rPr>
-              <a:t>Confusion Matrix and Statistics</a:t>
-            </a:r>
-          </a:p>
-          <a:p>
-            <a:r>
-              <a:rPr lang="pt-BR" b="1" dirty="0">
-                <a:latin typeface="Courier New" panose="02070309020205020404" pitchFamily="49" charset="0"/>
-                <a:cs typeface="Courier New" panose="02070309020205020404" pitchFamily="49" charset="0"/>
-              </a:rPr>
-              <a:t>                                </a:t>
-            </a:r>
-          </a:p>
-          <a:p>
-            <a:r>
-              <a:rPr lang="pt-BR" b="1" dirty="0">
-                <a:latin typeface="Courier New" panose="02070309020205020404" pitchFamily="49" charset="0"/>
-                <a:cs typeface="Courier New" panose="02070309020205020404" pitchFamily="49" charset="0"/>
-              </a:rPr>
-              <a:t>                classIdActual</a:t>
-            </a:r>
-          </a:p>
-          <a:p>
-            <a:r>
-              <a:rPr lang="pt-BR" b="1" dirty="0">
-                <a:latin typeface="Courier New" panose="02070309020205020404" pitchFamily="49" charset="0"/>
-                <a:cs typeface="Courier New" panose="02070309020205020404" pitchFamily="49" charset="0"/>
-              </a:rPr>
-              <a:t>classIdPredicted   a   i</a:t>
-            </a:r>
-          </a:p>
-          <a:p>
-            <a:r>
-              <a:rPr lang="pt-BR" b="1" dirty="0">
-                <a:latin typeface="Courier New" panose="02070309020205020404" pitchFamily="49" charset="0"/>
-                <a:cs typeface="Courier New" panose="02070309020205020404" pitchFamily="49" charset="0"/>
-              </a:rPr>
-              <a:t>               a  49   0</a:t>
-            </a:r>
-          </a:p>
-          <a:p>
-            <a:r>
-              <a:rPr lang="pt-BR" b="1" dirty="0">
-                <a:latin typeface="Courier New" panose="02070309020205020404" pitchFamily="49" charset="0"/>
-                <a:cs typeface="Courier New" panose="02070309020205020404" pitchFamily="49" charset="0"/>
-              </a:rPr>
-              <a:t>               i   1 200</a:t>
-            </a:r>
-          </a:p>
-          <a:p>
-            <a:endParaRPr lang="pt-BR" b="1" dirty="0">
-              <a:latin typeface="Courier New" panose="02070309020205020404" pitchFamily="49" charset="0"/>
-              <a:cs typeface="Courier New" panose="02070309020205020404" pitchFamily="49" charset="0"/>
-            </a:endParaRPr>
-          </a:p>
-          <a:p>
-            <a:r>
-              <a:rPr lang="pt-BR" b="1" dirty="0">
-                <a:latin typeface="Courier New" panose="02070309020205020404" pitchFamily="49" charset="0"/>
-                <a:cs typeface="Courier New" panose="02070309020205020404" pitchFamily="49" charset="0"/>
-              </a:rPr>
-              <a:t>		  Accuracy : 0.996 </a:t>
-            </a:r>
-          </a:p>
-          <a:p>
-            <a:r>
-              <a:rPr lang="pt-BR" b="1" dirty="0">
-                <a:latin typeface="Courier New" panose="02070309020205020404" pitchFamily="49" charset="0"/>
-                <a:cs typeface="Courier New" panose="02070309020205020404" pitchFamily="49" charset="0"/>
-              </a:rPr>
-              <a:t>               ....</a:t>
-            </a:r>
-          </a:p>
-          <a:p>
-            <a:r>
-              <a:rPr lang="en-US" b="1" dirty="0" err="1">
-                <a:latin typeface="Courier New" panose="02070309020205020404" pitchFamily="49" charset="0"/>
-                <a:cs typeface="Courier New" panose="02070309020205020404" pitchFamily="49" charset="0"/>
-              </a:rPr>
-              <a:t>fourfoldplot</a:t>
-            </a:r>
-            <a:r>
-              <a:rPr lang="en-US" b="1" dirty="0">
-                <a:latin typeface="Courier New" panose="02070309020205020404" pitchFamily="49" charset="0"/>
-                <a:cs typeface="Courier New" panose="02070309020205020404" pitchFamily="49" charset="0"/>
-              </a:rPr>
-              <a:t>(</a:t>
-            </a:r>
-            <a:r>
-              <a:rPr lang="en-US" b="1" dirty="0" err="1">
-                <a:latin typeface="Courier New" panose="02070309020205020404" pitchFamily="49" charset="0"/>
-                <a:cs typeface="Courier New" panose="02070309020205020404" pitchFamily="49" charset="0"/>
-              </a:rPr>
-              <a:t>confM$table</a:t>
-            </a:r>
-            <a:r>
-              <a:rPr lang="en-US" b="1" dirty="0">
-                <a:latin typeface="Courier New" panose="02070309020205020404" pitchFamily="49" charset="0"/>
-                <a:cs typeface="Courier New" panose="02070309020205020404" pitchFamily="49" charset="0"/>
-              </a:rPr>
-              <a:t>)</a:t>
-            </a:r>
-          </a:p>
-        </p:txBody>
-      </p:sp>
     </p:spTree>
     <p:extLst>
       <p:ext uri="{BB962C8B-B14F-4D97-AF65-F5344CB8AC3E}">
-        <p14:creationId xmlns:p14="http://schemas.microsoft.com/office/powerpoint/2010/main" val="2227334823"/>
+        <p14:creationId xmlns:p14="http://schemas.microsoft.com/office/powerpoint/2010/main" val="121370370"/>
       </p:ext>
     </p:extLst>
   </p:cSld>

--- a/Exercise_4/presentation.pptx
+++ b/Exercise_4/presentation.pptx
@@ -5,26 +5,28 @@
     <p:sldMasterId id="2147483648" r:id="rId1"/>
   </p:sldMasterIdLst>
   <p:notesMasterIdLst>
-    <p:notesMasterId r:id="rId16"/>
+    <p:notesMasterId r:id="rId18"/>
   </p:notesMasterIdLst>
   <p:handoutMasterIdLst>
-    <p:handoutMasterId r:id="rId17"/>
+    <p:handoutMasterId r:id="rId19"/>
   </p:handoutMasterIdLst>
   <p:sldIdLst>
-    <p:sldId id="256" r:id="rId2"/>
-    <p:sldId id="257" r:id="rId3"/>
-    <p:sldId id="265" r:id="rId4"/>
-    <p:sldId id="266" r:id="rId5"/>
-    <p:sldId id="268" r:id="rId6"/>
-    <p:sldId id="264" r:id="rId7"/>
-    <p:sldId id="269" r:id="rId8"/>
-    <p:sldId id="272" r:id="rId9"/>
-    <p:sldId id="274" r:id="rId10"/>
-    <p:sldId id="273" r:id="rId11"/>
-    <p:sldId id="258" r:id="rId12"/>
-    <p:sldId id="275" r:id="rId13"/>
-    <p:sldId id="270" r:id="rId14"/>
-    <p:sldId id="271" r:id="rId15"/>
+    <p:sldId id="277" r:id="rId2"/>
+    <p:sldId id="258" r:id="rId3"/>
+    <p:sldId id="276" r:id="rId4"/>
+    <p:sldId id="256" r:id="rId5"/>
+    <p:sldId id="257" r:id="rId6"/>
+    <p:sldId id="265" r:id="rId7"/>
+    <p:sldId id="266" r:id="rId8"/>
+    <p:sldId id="268" r:id="rId9"/>
+    <p:sldId id="264" r:id="rId10"/>
+    <p:sldId id="269" r:id="rId11"/>
+    <p:sldId id="272" r:id="rId12"/>
+    <p:sldId id="274" r:id="rId13"/>
+    <p:sldId id="273" r:id="rId14"/>
+    <p:sldId id="275" r:id="rId15"/>
+    <p:sldId id="270" r:id="rId16"/>
+    <p:sldId id="271" r:id="rId17"/>
   </p:sldIdLst>
   <p:sldSz cx="10080625" cy="7559675"/>
   <p:notesSz cx="7559675" cy="10691813"/>
@@ -842,7 +844,7 @@
           <p:cNvPr id="7" name="Foliennummernplatzhalter 6">
             <a:extLst>
               <a:ext uri="{FF2B5EF4-FFF2-40B4-BE49-F238E27FC236}">
-                <a16:creationId xmlns:a16="http://schemas.microsoft.com/office/drawing/2014/main" id="{955D9F2A-D089-4892-9546-76A5C8AC023E}"/>
+                <a16:creationId xmlns:a16="http://schemas.microsoft.com/office/drawing/2014/main" id="{5EDE0806-B982-4A0A-8483-9FA68FB5C98C}"/>
               </a:ext>
             </a:extLst>
           </p:cNvPr>
@@ -863,8 +865,8 @@
           <a:lstStyle/>
           <a:p>
             <a:pPr lvl="0"/>
-            <a:fld id="{CBC8B46A-F278-4AFE-A0CC-154491AB96B2}" type="slidenum">
-              <a:t>1</a:t>
+            <a:fld id="{6482543A-D1F8-4E28-A13F-13EE632CBE0A}" type="slidenum">
+              <a:t>2</a:t>
             </a:fld>
             <a:endParaRPr lang="en-US"/>
           </a:p>
@@ -875,7 +877,7 @@
           <p:cNvPr id="2" name="Folienbildplatzhalter 1">
             <a:extLst>
               <a:ext uri="{FF2B5EF4-FFF2-40B4-BE49-F238E27FC236}">
-                <a16:creationId xmlns:a16="http://schemas.microsoft.com/office/drawing/2014/main" id="{5A3DE4B5-F2E9-4BDD-A6D4-1C4FB6D10698}"/>
+                <a16:creationId xmlns:a16="http://schemas.microsoft.com/office/drawing/2014/main" id="{C3EEF3BB-8F0B-4451-8F83-8E5D748B7DEF}"/>
               </a:ext>
             </a:extLst>
           </p:cNvPr>
@@ -907,7 +909,7 @@
           <p:cNvPr id="3" name="Notizenplatzhalter 2">
             <a:extLst>
               <a:ext uri="{FF2B5EF4-FFF2-40B4-BE49-F238E27FC236}">
-                <a16:creationId xmlns:a16="http://schemas.microsoft.com/office/drawing/2014/main" id="{9FF227A3-DFD9-437F-9D64-403854E26B62}"/>
+                <a16:creationId xmlns:a16="http://schemas.microsoft.com/office/drawing/2014/main" id="{AB5FD366-3B59-4A65-92B3-6573459D13D0}"/>
               </a:ext>
             </a:extLst>
           </p:cNvPr>
@@ -928,6 +930,11 @@
         </p:txBody>
       </p:sp>
     </p:spTree>
+    <p:extLst>
+      <p:ext uri="{BB962C8B-B14F-4D97-AF65-F5344CB8AC3E}">
+        <p14:creationId xmlns:p14="http://schemas.microsoft.com/office/powerpoint/2010/main" val="781008373"/>
+      </p:ext>
+    </p:extLst>
   </p:cSld>
   <p:clrMapOvr>
     <a:masterClrMapping/>
@@ -979,7 +986,7 @@
           <a:p>
             <a:pPr lvl="0"/>
             <a:fld id="{3C8E01BB-7E90-4F3B-A1BE-2874FDDB04D8}" type="slidenum">
-              <a:t>10</a:t>
+              <a:t>11</a:t>
             </a:fld>
             <a:endParaRPr lang="en-US"/>
           </a:p>
@@ -1045,7 +1052,7 @@
     </p:spTree>
     <p:extLst>
       <p:ext uri="{BB962C8B-B14F-4D97-AF65-F5344CB8AC3E}">
-        <p14:creationId xmlns:p14="http://schemas.microsoft.com/office/powerpoint/2010/main" val="3063718476"/>
+        <p14:creationId xmlns:p14="http://schemas.microsoft.com/office/powerpoint/2010/main" val="4131737230"/>
       </p:ext>
     </p:extLst>
   </p:cSld>
@@ -1077,7 +1084,7 @@
           <p:cNvPr id="7" name="Foliennummernplatzhalter 6">
             <a:extLst>
               <a:ext uri="{FF2B5EF4-FFF2-40B4-BE49-F238E27FC236}">
-                <a16:creationId xmlns:a16="http://schemas.microsoft.com/office/drawing/2014/main" id="{5EDE0806-B982-4A0A-8483-9FA68FB5C98C}"/>
+                <a16:creationId xmlns:a16="http://schemas.microsoft.com/office/drawing/2014/main" id="{44EC89B4-CA93-4D45-839B-2A01018E3B97}"/>
               </a:ext>
             </a:extLst>
           </p:cNvPr>
@@ -1098,8 +1105,8 @@
           <a:lstStyle/>
           <a:p>
             <a:pPr lvl="0"/>
-            <a:fld id="{6482543A-D1F8-4E28-A13F-13EE632CBE0A}" type="slidenum">
-              <a:t>11</a:t>
+            <a:fld id="{3C8E01BB-7E90-4F3B-A1BE-2874FDDB04D8}" type="slidenum">
+              <a:t>12</a:t>
             </a:fld>
             <a:endParaRPr lang="en-US"/>
           </a:p>
@@ -1110,7 +1117,7 @@
           <p:cNvPr id="2" name="Folienbildplatzhalter 1">
             <a:extLst>
               <a:ext uri="{FF2B5EF4-FFF2-40B4-BE49-F238E27FC236}">
-                <a16:creationId xmlns:a16="http://schemas.microsoft.com/office/drawing/2014/main" id="{C3EEF3BB-8F0B-4451-8F83-8E5D748B7DEF}"/>
+                <a16:creationId xmlns:a16="http://schemas.microsoft.com/office/drawing/2014/main" id="{529499F4-C569-4871-B59C-750229A96602}"/>
               </a:ext>
             </a:extLst>
           </p:cNvPr>
@@ -1142,7 +1149,7 @@
           <p:cNvPr id="3" name="Notizenplatzhalter 2">
             <a:extLst>
               <a:ext uri="{FF2B5EF4-FFF2-40B4-BE49-F238E27FC236}">
-                <a16:creationId xmlns:a16="http://schemas.microsoft.com/office/drawing/2014/main" id="{AB5FD366-3B59-4A65-92B3-6573459D13D0}"/>
+                <a16:creationId xmlns:a16="http://schemas.microsoft.com/office/drawing/2014/main" id="{81E7C8BE-B1CF-48F2-9BC3-AC9AA709A482}"/>
               </a:ext>
             </a:extLst>
           </p:cNvPr>
@@ -1163,6 +1170,11 @@
         </p:txBody>
       </p:sp>
     </p:spTree>
+    <p:extLst>
+      <p:ext uri="{BB962C8B-B14F-4D97-AF65-F5344CB8AC3E}">
+        <p14:creationId xmlns:p14="http://schemas.microsoft.com/office/powerpoint/2010/main" val="1227185661"/>
+      </p:ext>
+    </p:extLst>
   </p:cSld>
   <p:clrMapOvr>
     <a:masterClrMapping/>
@@ -1192,7 +1204,7 @@
           <p:cNvPr id="7" name="Foliennummernplatzhalter 6">
             <a:extLst>
               <a:ext uri="{FF2B5EF4-FFF2-40B4-BE49-F238E27FC236}">
-                <a16:creationId xmlns:a16="http://schemas.microsoft.com/office/drawing/2014/main" id="{5EDE0806-B982-4A0A-8483-9FA68FB5C98C}"/>
+                <a16:creationId xmlns:a16="http://schemas.microsoft.com/office/drawing/2014/main" id="{44EC89B4-CA93-4D45-839B-2A01018E3B97}"/>
               </a:ext>
             </a:extLst>
           </p:cNvPr>
@@ -1213,8 +1225,8 @@
           <a:lstStyle/>
           <a:p>
             <a:pPr lvl="0"/>
-            <a:fld id="{6482543A-D1F8-4E28-A13F-13EE632CBE0A}" type="slidenum">
-              <a:t>12</a:t>
+            <a:fld id="{3C8E01BB-7E90-4F3B-A1BE-2874FDDB04D8}" type="slidenum">
+              <a:t>13</a:t>
             </a:fld>
             <a:endParaRPr lang="en-US"/>
           </a:p>
@@ -1225,7 +1237,7 @@
           <p:cNvPr id="2" name="Folienbildplatzhalter 1">
             <a:extLst>
               <a:ext uri="{FF2B5EF4-FFF2-40B4-BE49-F238E27FC236}">
-                <a16:creationId xmlns:a16="http://schemas.microsoft.com/office/drawing/2014/main" id="{C3EEF3BB-8F0B-4451-8F83-8E5D748B7DEF}"/>
+                <a16:creationId xmlns:a16="http://schemas.microsoft.com/office/drawing/2014/main" id="{529499F4-C569-4871-B59C-750229A96602}"/>
               </a:ext>
             </a:extLst>
           </p:cNvPr>
@@ -1257,7 +1269,7 @@
           <p:cNvPr id="3" name="Notizenplatzhalter 2">
             <a:extLst>
               <a:ext uri="{FF2B5EF4-FFF2-40B4-BE49-F238E27FC236}">
-                <a16:creationId xmlns:a16="http://schemas.microsoft.com/office/drawing/2014/main" id="{AB5FD366-3B59-4A65-92B3-6573459D13D0}"/>
+                <a16:creationId xmlns:a16="http://schemas.microsoft.com/office/drawing/2014/main" id="{81E7C8BE-B1CF-48F2-9BC3-AC9AA709A482}"/>
               </a:ext>
             </a:extLst>
           </p:cNvPr>
@@ -1280,7 +1292,7 @@
     </p:spTree>
     <p:extLst>
       <p:ext uri="{BB962C8B-B14F-4D97-AF65-F5344CB8AC3E}">
-        <p14:creationId xmlns:p14="http://schemas.microsoft.com/office/powerpoint/2010/main" val="1984932483"/>
+        <p14:creationId xmlns:p14="http://schemas.microsoft.com/office/powerpoint/2010/main" val="3063718476"/>
       </p:ext>
     </p:extLst>
   </p:cSld>
@@ -1312,7 +1324,7 @@
           <p:cNvPr id="7" name="Foliennummernplatzhalter 6">
             <a:extLst>
               <a:ext uri="{FF2B5EF4-FFF2-40B4-BE49-F238E27FC236}">
-                <a16:creationId xmlns:a16="http://schemas.microsoft.com/office/drawing/2014/main" id="{44EC89B4-CA93-4D45-839B-2A01018E3B97}"/>
+                <a16:creationId xmlns:a16="http://schemas.microsoft.com/office/drawing/2014/main" id="{5EDE0806-B982-4A0A-8483-9FA68FB5C98C}"/>
               </a:ext>
             </a:extLst>
           </p:cNvPr>
@@ -1333,8 +1345,8 @@
           <a:lstStyle/>
           <a:p>
             <a:pPr lvl="0"/>
-            <a:fld id="{3C8E01BB-7E90-4F3B-A1BE-2874FDDB04D8}" type="slidenum">
-              <a:t>13</a:t>
+            <a:fld id="{6482543A-D1F8-4E28-A13F-13EE632CBE0A}" type="slidenum">
+              <a:t>14</a:t>
             </a:fld>
             <a:endParaRPr lang="en-US"/>
           </a:p>
@@ -1345,7 +1357,7 @@
           <p:cNvPr id="2" name="Folienbildplatzhalter 1">
             <a:extLst>
               <a:ext uri="{FF2B5EF4-FFF2-40B4-BE49-F238E27FC236}">
-                <a16:creationId xmlns:a16="http://schemas.microsoft.com/office/drawing/2014/main" id="{529499F4-C569-4871-B59C-750229A96602}"/>
+                <a16:creationId xmlns:a16="http://schemas.microsoft.com/office/drawing/2014/main" id="{C3EEF3BB-8F0B-4451-8F83-8E5D748B7DEF}"/>
               </a:ext>
             </a:extLst>
           </p:cNvPr>
@@ -1377,7 +1389,7 @@
           <p:cNvPr id="3" name="Notizenplatzhalter 2">
             <a:extLst>
               <a:ext uri="{FF2B5EF4-FFF2-40B4-BE49-F238E27FC236}">
-                <a16:creationId xmlns:a16="http://schemas.microsoft.com/office/drawing/2014/main" id="{81E7C8BE-B1CF-48F2-9BC3-AC9AA709A482}"/>
+                <a16:creationId xmlns:a16="http://schemas.microsoft.com/office/drawing/2014/main" id="{AB5FD366-3B59-4A65-92B3-6573459D13D0}"/>
               </a:ext>
             </a:extLst>
           </p:cNvPr>
@@ -1400,7 +1412,7 @@
     </p:spTree>
     <p:extLst>
       <p:ext uri="{BB962C8B-B14F-4D97-AF65-F5344CB8AC3E}">
-        <p14:creationId xmlns:p14="http://schemas.microsoft.com/office/powerpoint/2010/main" val="2370177172"/>
+        <p14:creationId xmlns:p14="http://schemas.microsoft.com/office/powerpoint/2010/main" val="1984932483"/>
       </p:ext>
     </p:extLst>
   </p:cSld>
@@ -1454,7 +1466,127 @@
           <a:p>
             <a:pPr lvl="0"/>
             <a:fld id="{3C8E01BB-7E90-4F3B-A1BE-2874FDDB04D8}" type="slidenum">
-              <a:t>14</a:t>
+              <a:t>15</a:t>
+            </a:fld>
+            <a:endParaRPr lang="en-US"/>
+          </a:p>
+        </p:txBody>
+      </p:sp>
+      <p:sp>
+        <p:nvSpPr>
+          <p:cNvPr id="2" name="Folienbildplatzhalter 1">
+            <a:extLst>
+              <a:ext uri="{FF2B5EF4-FFF2-40B4-BE49-F238E27FC236}">
+                <a16:creationId xmlns:a16="http://schemas.microsoft.com/office/drawing/2014/main" id="{529499F4-C569-4871-B59C-750229A96602}"/>
+              </a:ext>
+            </a:extLst>
+          </p:cNvPr>
+          <p:cNvSpPr>
+            <a:spLocks noGrp="1" noRot="1" noChangeAspect="1" noResize="1"/>
+          </p:cNvSpPr>
+          <p:nvPr>
+            <p:ph type="sldImg"/>
+          </p:nvPr>
+        </p:nvSpPr>
+        <p:spPr>
+          <a:xfrm>
+            <a:off x="1106488" y="812800"/>
+            <a:ext cx="5345112" cy="4008438"/>
+          </a:xfrm>
+          <a:solidFill>
+            <a:srgbClr val="729FCF"/>
+          </a:solidFill>
+          <a:ln w="25400">
+            <a:solidFill>
+              <a:srgbClr val="3465A4"/>
+            </a:solidFill>
+            <a:prstDash val="solid"/>
+          </a:ln>
+        </p:spPr>
+      </p:sp>
+      <p:sp>
+        <p:nvSpPr>
+          <p:cNvPr id="3" name="Notizenplatzhalter 2">
+            <a:extLst>
+              <a:ext uri="{FF2B5EF4-FFF2-40B4-BE49-F238E27FC236}">
+                <a16:creationId xmlns:a16="http://schemas.microsoft.com/office/drawing/2014/main" id="{81E7C8BE-B1CF-48F2-9BC3-AC9AA709A482}"/>
+              </a:ext>
+            </a:extLst>
+          </p:cNvPr>
+          <p:cNvSpPr txBox="1">
+            <a:spLocks noGrp="1"/>
+          </p:cNvSpPr>
+          <p:nvPr>
+            <p:ph type="body" sz="quarter" idx="1"/>
+          </p:nvPr>
+        </p:nvSpPr>
+        <p:spPr/>
+        <p:txBody>
+          <a:bodyPr/>
+          <a:lstStyle/>
+          <a:p>
+            <a:endParaRPr lang="en-US"/>
+          </a:p>
+        </p:txBody>
+      </p:sp>
+    </p:spTree>
+    <p:extLst>
+      <p:ext uri="{BB962C8B-B14F-4D97-AF65-F5344CB8AC3E}">
+        <p14:creationId xmlns:p14="http://schemas.microsoft.com/office/powerpoint/2010/main" val="2370177172"/>
+      </p:ext>
+    </p:extLst>
+  </p:cSld>
+  <p:clrMapOvr>
+    <a:masterClrMapping/>
+  </p:clrMapOvr>
+</p:notes>
+</file>
+
+<file path=ppt/notesSlides/notesSlide15.xml><?xml version="1.0" encoding="utf-8"?>
+<p:notes xmlns:a="http://schemas.openxmlformats.org/drawingml/2006/main" xmlns:r="http://schemas.openxmlformats.org/officeDocument/2006/relationships" xmlns:p="http://schemas.openxmlformats.org/presentationml/2006/main">
+  <p:cSld>
+    <p:spTree>
+      <p:nvGrpSpPr>
+        <p:cNvPr id="1" name=""/>
+        <p:cNvGrpSpPr/>
+        <p:nvPr/>
+      </p:nvGrpSpPr>
+      <p:grpSpPr>
+        <a:xfrm>
+          <a:off x="0" y="0"/>
+          <a:ext cx="0" cy="0"/>
+          <a:chOff x="0" y="0"/>
+          <a:chExt cx="0" cy="0"/>
+        </a:xfrm>
+      </p:grpSpPr>
+      <p:sp>
+        <p:nvSpPr>
+          <p:cNvPr id="7" name="Foliennummernplatzhalter 6">
+            <a:extLst>
+              <a:ext uri="{FF2B5EF4-FFF2-40B4-BE49-F238E27FC236}">
+                <a16:creationId xmlns:a16="http://schemas.microsoft.com/office/drawing/2014/main" id="{44EC89B4-CA93-4D45-839B-2A01018E3B97}"/>
+              </a:ext>
+            </a:extLst>
+          </p:cNvPr>
+          <p:cNvSpPr txBox="1">
+            <a:spLocks noGrp="1"/>
+          </p:cNvSpPr>
+          <p:nvPr>
+            <p:ph type="sldNum" sz="quarter" idx="5"/>
+          </p:nvPr>
+        </p:nvSpPr>
+        <p:spPr>
+          <a:ln/>
+        </p:spPr>
+        <p:txBody>
+          <a:bodyPr lIns="0" tIns="0" rIns="0" bIns="0" anchor="b" anchorCtr="0">
+            <a:noAutofit/>
+          </a:bodyPr>
+          <a:lstStyle/>
+          <a:p>
+            <a:pPr lvl="0"/>
+            <a:fld id="{3C8E01BB-7E90-4F3B-A1BE-2874FDDB04D8}" type="slidenum">
+              <a:t>16</a:t>
             </a:fld>
             <a:endParaRPr lang="en-US"/>
           </a:p>
@@ -1552,7 +1684,7 @@
           <p:cNvPr id="7" name="Foliennummernplatzhalter 6">
             <a:extLst>
               <a:ext uri="{FF2B5EF4-FFF2-40B4-BE49-F238E27FC236}">
-                <a16:creationId xmlns:a16="http://schemas.microsoft.com/office/drawing/2014/main" id="{44EC89B4-CA93-4D45-839B-2A01018E3B97}"/>
+                <a16:creationId xmlns:a16="http://schemas.microsoft.com/office/drawing/2014/main" id="{5EDE0806-B982-4A0A-8483-9FA68FB5C98C}"/>
               </a:ext>
             </a:extLst>
           </p:cNvPr>
@@ -1573,8 +1705,8 @@
           <a:lstStyle/>
           <a:p>
             <a:pPr lvl="0"/>
-            <a:fld id="{3C8E01BB-7E90-4F3B-A1BE-2874FDDB04D8}" type="slidenum">
-              <a:t>2</a:t>
+            <a:fld id="{6482543A-D1F8-4E28-A13F-13EE632CBE0A}" type="slidenum">
+              <a:t>3</a:t>
             </a:fld>
             <a:endParaRPr lang="en-US"/>
           </a:p>
@@ -1585,7 +1717,7 @@
           <p:cNvPr id="2" name="Folienbildplatzhalter 1">
             <a:extLst>
               <a:ext uri="{FF2B5EF4-FFF2-40B4-BE49-F238E27FC236}">
-                <a16:creationId xmlns:a16="http://schemas.microsoft.com/office/drawing/2014/main" id="{529499F4-C569-4871-B59C-750229A96602}"/>
+                <a16:creationId xmlns:a16="http://schemas.microsoft.com/office/drawing/2014/main" id="{C3EEF3BB-8F0B-4451-8F83-8E5D748B7DEF}"/>
               </a:ext>
             </a:extLst>
           </p:cNvPr>
@@ -1617,7 +1749,7 @@
           <p:cNvPr id="3" name="Notizenplatzhalter 2">
             <a:extLst>
               <a:ext uri="{FF2B5EF4-FFF2-40B4-BE49-F238E27FC236}">
-                <a16:creationId xmlns:a16="http://schemas.microsoft.com/office/drawing/2014/main" id="{81E7C8BE-B1CF-48F2-9BC3-AC9AA709A482}"/>
+                <a16:creationId xmlns:a16="http://schemas.microsoft.com/office/drawing/2014/main" id="{AB5FD366-3B59-4A65-92B3-6573459D13D0}"/>
               </a:ext>
             </a:extLst>
           </p:cNvPr>
@@ -1638,6 +1770,11 @@
         </p:txBody>
       </p:sp>
     </p:spTree>
+    <p:extLst>
+      <p:ext uri="{BB962C8B-B14F-4D97-AF65-F5344CB8AC3E}">
+        <p14:creationId xmlns:p14="http://schemas.microsoft.com/office/powerpoint/2010/main" val="2185202787"/>
+      </p:ext>
+    </p:extLst>
   </p:cSld>
   <p:clrMapOvr>
     <a:masterClrMapping/>
@@ -1667,7 +1804,7 @@
           <p:cNvPr id="7" name="Foliennummernplatzhalter 6">
             <a:extLst>
               <a:ext uri="{FF2B5EF4-FFF2-40B4-BE49-F238E27FC236}">
-                <a16:creationId xmlns:a16="http://schemas.microsoft.com/office/drawing/2014/main" id="{44EC89B4-CA93-4D45-839B-2A01018E3B97}"/>
+                <a16:creationId xmlns:a16="http://schemas.microsoft.com/office/drawing/2014/main" id="{955D9F2A-D089-4892-9546-76A5C8AC023E}"/>
               </a:ext>
             </a:extLst>
           </p:cNvPr>
@@ -1688,8 +1825,8 @@
           <a:lstStyle/>
           <a:p>
             <a:pPr lvl="0"/>
-            <a:fld id="{3C8E01BB-7E90-4F3B-A1BE-2874FDDB04D8}" type="slidenum">
-              <a:t>3</a:t>
+            <a:fld id="{CBC8B46A-F278-4AFE-A0CC-154491AB96B2}" type="slidenum">
+              <a:t>4</a:t>
             </a:fld>
             <a:endParaRPr lang="en-US"/>
           </a:p>
@@ -1700,7 +1837,7 @@
           <p:cNvPr id="2" name="Folienbildplatzhalter 1">
             <a:extLst>
               <a:ext uri="{FF2B5EF4-FFF2-40B4-BE49-F238E27FC236}">
-                <a16:creationId xmlns:a16="http://schemas.microsoft.com/office/drawing/2014/main" id="{529499F4-C569-4871-B59C-750229A96602}"/>
+                <a16:creationId xmlns:a16="http://schemas.microsoft.com/office/drawing/2014/main" id="{5A3DE4B5-F2E9-4BDD-A6D4-1C4FB6D10698}"/>
               </a:ext>
             </a:extLst>
           </p:cNvPr>
@@ -1732,7 +1869,7 @@
           <p:cNvPr id="3" name="Notizenplatzhalter 2">
             <a:extLst>
               <a:ext uri="{FF2B5EF4-FFF2-40B4-BE49-F238E27FC236}">
-                <a16:creationId xmlns:a16="http://schemas.microsoft.com/office/drawing/2014/main" id="{81E7C8BE-B1CF-48F2-9BC3-AC9AA709A482}"/>
+                <a16:creationId xmlns:a16="http://schemas.microsoft.com/office/drawing/2014/main" id="{9FF227A3-DFD9-437F-9D64-403854E26B62}"/>
               </a:ext>
             </a:extLst>
           </p:cNvPr>
@@ -1753,11 +1890,6 @@
         </p:txBody>
       </p:sp>
     </p:spTree>
-    <p:extLst>
-      <p:ext uri="{BB962C8B-B14F-4D97-AF65-F5344CB8AC3E}">
-        <p14:creationId xmlns:p14="http://schemas.microsoft.com/office/powerpoint/2010/main" val="137674507"/>
-      </p:ext>
-    </p:extLst>
   </p:cSld>
   <p:clrMapOvr>
     <a:masterClrMapping/>
@@ -1809,7 +1941,7 @@
           <a:p>
             <a:pPr lvl="0"/>
             <a:fld id="{3C8E01BB-7E90-4F3B-A1BE-2874FDDB04D8}" type="slidenum">
-              <a:t>4</a:t>
+              <a:t>5</a:t>
             </a:fld>
             <a:endParaRPr lang="en-US"/>
           </a:p>
@@ -1873,11 +2005,6 @@
         </p:txBody>
       </p:sp>
     </p:spTree>
-    <p:extLst>
-      <p:ext uri="{BB962C8B-B14F-4D97-AF65-F5344CB8AC3E}">
-        <p14:creationId xmlns:p14="http://schemas.microsoft.com/office/powerpoint/2010/main" val="1927967598"/>
-      </p:ext>
-    </p:extLst>
   </p:cSld>
   <p:clrMapOvr>
     <a:masterClrMapping/>
@@ -1929,7 +2056,7 @@
           <a:p>
             <a:pPr lvl="0"/>
             <a:fld id="{3C8E01BB-7E90-4F3B-A1BE-2874FDDB04D8}" type="slidenum">
-              <a:t>5</a:t>
+              <a:t>6</a:t>
             </a:fld>
             <a:endParaRPr lang="en-US"/>
           </a:p>
@@ -1995,7 +2122,7 @@
     </p:spTree>
     <p:extLst>
       <p:ext uri="{BB962C8B-B14F-4D97-AF65-F5344CB8AC3E}">
-        <p14:creationId xmlns:p14="http://schemas.microsoft.com/office/powerpoint/2010/main" val="2805259849"/>
+        <p14:creationId xmlns:p14="http://schemas.microsoft.com/office/powerpoint/2010/main" val="137674507"/>
       </p:ext>
     </p:extLst>
   </p:cSld>
@@ -2049,7 +2176,7 @@
           <a:p>
             <a:pPr lvl="0"/>
             <a:fld id="{3C8E01BB-7E90-4F3B-A1BE-2874FDDB04D8}" type="slidenum">
-              <a:t>6</a:t>
+              <a:t>7</a:t>
             </a:fld>
             <a:endParaRPr lang="en-US"/>
           </a:p>
@@ -2115,7 +2242,7 @@
     </p:spTree>
     <p:extLst>
       <p:ext uri="{BB962C8B-B14F-4D97-AF65-F5344CB8AC3E}">
-        <p14:creationId xmlns:p14="http://schemas.microsoft.com/office/powerpoint/2010/main" val="1582550774"/>
+        <p14:creationId xmlns:p14="http://schemas.microsoft.com/office/powerpoint/2010/main" val="1927967598"/>
       </p:ext>
     </p:extLst>
   </p:cSld>
@@ -2169,7 +2296,7 @@
           <a:p>
             <a:pPr lvl="0"/>
             <a:fld id="{3C8E01BB-7E90-4F3B-A1BE-2874FDDB04D8}" type="slidenum">
-              <a:t>7</a:t>
+              <a:t>8</a:t>
             </a:fld>
             <a:endParaRPr lang="en-US"/>
           </a:p>
@@ -2235,7 +2362,7 @@
     </p:spTree>
     <p:extLst>
       <p:ext uri="{BB962C8B-B14F-4D97-AF65-F5344CB8AC3E}">
-        <p14:creationId xmlns:p14="http://schemas.microsoft.com/office/powerpoint/2010/main" val="2625080373"/>
+        <p14:creationId xmlns:p14="http://schemas.microsoft.com/office/powerpoint/2010/main" val="2805259849"/>
       </p:ext>
     </p:extLst>
   </p:cSld>
@@ -2289,7 +2416,7 @@
           <a:p>
             <a:pPr lvl="0"/>
             <a:fld id="{3C8E01BB-7E90-4F3B-A1BE-2874FDDB04D8}" type="slidenum">
-              <a:t>8</a:t>
+              <a:t>9</a:t>
             </a:fld>
             <a:endParaRPr lang="en-US"/>
           </a:p>
@@ -2355,7 +2482,7 @@
     </p:spTree>
     <p:extLst>
       <p:ext uri="{BB962C8B-B14F-4D97-AF65-F5344CB8AC3E}">
-        <p14:creationId xmlns:p14="http://schemas.microsoft.com/office/powerpoint/2010/main" val="4131737230"/>
+        <p14:creationId xmlns:p14="http://schemas.microsoft.com/office/powerpoint/2010/main" val="1582550774"/>
       </p:ext>
     </p:extLst>
   </p:cSld>
@@ -2409,7 +2536,7 @@
           <a:p>
             <a:pPr lvl="0"/>
             <a:fld id="{3C8E01BB-7E90-4F3B-A1BE-2874FDDB04D8}" type="slidenum">
-              <a:t>9</a:t>
+              <a:t>10</a:t>
             </a:fld>
             <a:endParaRPr lang="en-US"/>
           </a:p>
@@ -2475,7 +2602,7 @@
     </p:spTree>
     <p:extLst>
       <p:ext uri="{BB962C8B-B14F-4D97-AF65-F5344CB8AC3E}">
-        <p14:creationId xmlns:p14="http://schemas.microsoft.com/office/powerpoint/2010/main" val="1227185661"/>
+        <p14:creationId xmlns:p14="http://schemas.microsoft.com/office/powerpoint/2010/main" val="2625080373"/>
       </p:ext>
     </p:extLst>
   </p:cSld>
@@ -5697,7 +5824,7 @@
 
 <file path=ppt/slides/slide1.xml><?xml version="1.0" encoding="utf-8"?>
 <p:sld xmlns:a="http://schemas.openxmlformats.org/drawingml/2006/main" xmlns:r="http://schemas.openxmlformats.org/officeDocument/2006/relationships" xmlns:p="http://schemas.openxmlformats.org/presentationml/2006/main">
-  <p:cSld name="page1">
+  <p:cSld>
     <p:spTree>
       <p:nvGrpSpPr>
         <p:cNvPr id="1" name=""/>
@@ -5717,15 +5844,15 @@
           <p:cNvPr id="2" name="Titel 1">
             <a:extLst>
               <a:ext uri="{FF2B5EF4-FFF2-40B4-BE49-F238E27FC236}">
-                <a16:creationId xmlns:a16="http://schemas.microsoft.com/office/drawing/2014/main" id="{8D7B2864-D7EB-4CD9-8300-C8935D3ED95A}"/>
-              </a:ext>
-            </a:extLst>
-          </p:cNvPr>
-          <p:cNvSpPr txBox="1">
-            <a:spLocks noGrp="1"/>
-          </p:cNvSpPr>
-          <p:nvPr>
-            <p:ph type="title" idx="4294967295"/>
+                <a16:creationId xmlns:a16="http://schemas.microsoft.com/office/drawing/2014/main" id="{D835D3A8-DD88-4AD5-AF5B-DF3DBD356469}"/>
+              </a:ext>
+            </a:extLst>
+          </p:cNvPr>
+          <p:cNvSpPr>
+            <a:spLocks noGrp="1"/>
+          </p:cNvSpPr>
+          <p:nvPr>
+            <p:ph type="ctrTitle"/>
           </p:nvPr>
         </p:nvSpPr>
         <p:spPr/>
@@ -5733,99 +5860,87 @@
           <a:bodyPr/>
           <a:lstStyle/>
           <a:p>
-            <a:pPr lvl="0"/>
+            <a:r>
+              <a:rPr lang="en-US" dirty="0"/>
+              <a:t>Welcome to</a:t>
+            </a:r>
+            <a:br>
+              <a:rPr lang="en-US" dirty="0"/>
+            </a:br>
+            <a:r>
+              <a:rPr lang="en-US" dirty="0"/>
+              <a:t>group ?</a:t>
+            </a:r>
+          </a:p>
+        </p:txBody>
+      </p:sp>
+      <p:sp>
+        <p:nvSpPr>
+          <p:cNvPr id="3" name="Untertitel 2">
+            <a:extLst>
+              <a:ext uri="{FF2B5EF4-FFF2-40B4-BE49-F238E27FC236}">
+                <a16:creationId xmlns:a16="http://schemas.microsoft.com/office/drawing/2014/main" id="{B4F078E3-F223-439E-BC4A-F4A657BB7837}"/>
+              </a:ext>
+            </a:extLst>
+          </p:cNvPr>
+          <p:cNvSpPr>
+            <a:spLocks noGrp="1"/>
+          </p:cNvSpPr>
+          <p:nvPr>
+            <p:ph type="subTitle" idx="1"/>
+          </p:nvPr>
+        </p:nvSpPr>
+        <p:spPr/>
+        <p:txBody>
+          <a:bodyPr/>
+          <a:lstStyle/>
+          <a:p>
             <a:r>
               <a:rPr lang="de-CH" dirty="0"/>
-              <a:t>Part 1: </a:t>
+              <a:t>Ollie </a:t>
             </a:r>
             <a:r>
               <a:rPr lang="de-CH" dirty="0" err="1"/>
-              <a:t>Molecules</a:t>
-            </a:r>
-            <a:r>
-              <a:rPr lang="en-US" dirty="0"/>
-              <a:t> (Group ?)</a:t>
-            </a:r>
-          </a:p>
-        </p:txBody>
-      </p:sp>
-      <p:sp>
-        <p:nvSpPr>
-          <p:cNvPr id="8" name="Textfeld 7">
-            <a:extLst>
-              <a:ext uri="{FF2B5EF4-FFF2-40B4-BE49-F238E27FC236}">
-                <a16:creationId xmlns:a16="http://schemas.microsoft.com/office/drawing/2014/main" id="{788A512D-AA8C-465A-AF2D-9B11685BBE55}"/>
-              </a:ext>
-            </a:extLst>
-          </p:cNvPr>
-          <p:cNvSpPr txBox="1"/>
-          <p:nvPr/>
-        </p:nvSpPr>
-        <p:spPr>
-          <a:xfrm>
-            <a:off x="3800479" y="6372215"/>
-            <a:ext cx="3918060" cy="246221"/>
-          </a:xfrm>
-          <a:prstGeom prst="rect">
-            <a:avLst/>
-          </a:prstGeom>
-          <a:noFill/>
-        </p:spPr>
-        <p:txBody>
-          <a:bodyPr wrap="none" rtlCol="0">
-            <a:spAutoFit/>
-          </a:bodyPr>
-          <a:lstStyle/>
-          <a:p>
-            <a:r>
-              <a:rPr lang="de-CH" sz="1000" dirty="0" err="1"/>
-              <a:t>Src</a:t>
-            </a:r>
-            <a:r>
-              <a:rPr lang="de-CH" sz="1000" dirty="0"/>
-              <a:t>: https://courses.lumenlearning.com/introchem/chapter/molecules/</a:t>
-            </a:r>
-            <a:endParaRPr lang="en-US" sz="1000" dirty="0"/>
-          </a:p>
-        </p:txBody>
-      </p:sp>
-      <p:pic>
-        <p:nvPicPr>
-          <p:cNvPr id="4" name="Grafik 3">
-            <a:extLst>
-              <a:ext uri="{FF2B5EF4-FFF2-40B4-BE49-F238E27FC236}">
-                <a16:creationId xmlns:a16="http://schemas.microsoft.com/office/drawing/2014/main" id="{D134D2A4-5161-43EB-8CF7-C1D2E0658F9F}"/>
-              </a:ext>
-            </a:extLst>
-          </p:cNvPr>
-          <p:cNvPicPr>
-            <a:picLocks noChangeAspect="1"/>
-          </p:cNvPicPr>
-          <p:nvPr/>
-        </p:nvPicPr>
-        <p:blipFill>
-          <a:blip r:embed="rId3">
-            <a:extLst>
-              <a:ext uri="{28A0092B-C50C-407E-A947-70E740481C1C}">
-                <a14:useLocalDpi xmlns:a14="http://schemas.microsoft.com/office/drawing/2010/main" val="0"/>
-              </a:ext>
-            </a:extLst>
-          </a:blip>
-          <a:stretch>
-            <a:fillRect/>
-          </a:stretch>
-        </p:blipFill>
-        <p:spPr>
-          <a:xfrm>
-            <a:off x="2800350" y="2277856"/>
-            <a:ext cx="4792662" cy="4094907"/>
-          </a:xfrm>
-          <a:prstGeom prst="rect">
-            <a:avLst/>
-          </a:prstGeom>
-        </p:spPr>
-      </p:pic>
+              <a:t>Tricot</a:t>
+            </a:r>
+            <a:r>
+              <a:rPr lang="de-CH" dirty="0"/>
+              <a:t>, Fabio </a:t>
+            </a:r>
+            <a:r>
+              <a:rPr lang="de-CH" dirty="0" err="1"/>
+              <a:t>Degiacomi</a:t>
+            </a:r>
+            <a:r>
+              <a:rPr lang="de-CH" dirty="0"/>
+              <a:t>, David Berger, Stephano Berta, </a:t>
+            </a:r>
+            <a:r>
+              <a:rPr lang="de-CH" dirty="0" err="1"/>
+              <a:t>Gwenael</a:t>
+            </a:r>
+            <a:r>
+              <a:rPr lang="de-CH" dirty="0"/>
+              <a:t> </a:t>
+            </a:r>
+            <a:r>
+              <a:rPr lang="de-CH" dirty="0" err="1"/>
+              <a:t>Gendre</a:t>
+            </a:r>
+            <a:r>
+              <a:rPr lang="de-CH" dirty="0"/>
+              <a:t>, Lukas Zbinden</a:t>
+            </a:r>
+            <a:endParaRPr lang="en-US" dirty="0"/>
+          </a:p>
+        </p:txBody>
+      </p:sp>
     </p:spTree>
+    <p:extLst>
+      <p:ext uri="{BB962C8B-B14F-4D97-AF65-F5344CB8AC3E}">
+        <p14:creationId xmlns:p14="http://schemas.microsoft.com/office/powerpoint/2010/main" val="2414369672"/>
+      </p:ext>
+    </p:extLst>
   </p:cSld>
   <p:clrMapOvr>
     <a:masterClrMapping/>
@@ -5877,75 +5992,51 @@
             </a:pPr>
             <a:r>
               <a:rPr lang="en-US" dirty="0"/>
-              <a:t>Results grid search #3:</a:t>
-            </a:r>
-          </a:p>
-          <a:p>
-            <a:pPr marL="1028700" lvl="1" indent="-342900">
-              <a:buFont typeface="Wingdings" panose="05000000000000000000" pitchFamily="2" charset="2"/>
-              <a:buChar char="à"/>
-            </a:pPr>
-            <a:r>
-              <a:rPr lang="en-US" dirty="0"/>
-              <a:t>E.g. hyperparameters: k = 7, </a:t>
-            </a:r>
-            <a:r>
-              <a:rPr lang="en-US" dirty="0" err="1"/>
-              <a:t>c_n</a:t>
-            </a:r>
-            <a:r>
-              <a:rPr lang="en-US" dirty="0"/>
-              <a:t> = 3, </a:t>
-            </a:r>
-            <a:r>
-              <a:rPr lang="en-US" dirty="0" err="1"/>
-              <a:t>c_e</a:t>
-            </a:r>
-            <a:r>
-              <a:rPr lang="en-US" dirty="0"/>
-              <a:t> = 2</a:t>
-            </a:r>
-          </a:p>
-          <a:p>
-            <a:pPr marL="1028700" lvl="1" indent="-342900">
-              <a:buFont typeface="Wingdings" panose="05000000000000000000" pitchFamily="2" charset="2"/>
-              <a:buChar char="à"/>
-            </a:pPr>
-            <a:r>
-              <a:rPr lang="en-US" dirty="0"/>
-              <a:t>99.6% </a:t>
-            </a:r>
-            <a:r>
-              <a:rPr lang="de-CH" dirty="0"/>
-              <a:t>a</a:t>
-            </a:r>
-            <a:r>
-              <a:rPr lang="en-US" dirty="0" err="1"/>
-              <a:t>ccuracy</a:t>
-            </a:r>
-            <a:r>
-              <a:rPr lang="en-US" dirty="0"/>
-              <a:t> on valid.txt:</a:t>
-            </a:r>
-          </a:p>
-          <a:p>
-            <a:pPr marL="457200" indent="-457200">
-              <a:buFontTx/>
-              <a:buChar char="-"/>
-            </a:pPr>
+              <a:t>cost matrix, straightforward:</a:t>
+            </a:r>
+            <a:endParaRPr lang="de-CH" dirty="0"/>
+          </a:p>
+          <a:p>
             <a:endParaRPr lang="en-US" dirty="0"/>
           </a:p>
-          <a:p>
-            <a:endParaRPr lang="en-US" dirty="0"/>
-          </a:p>
-        </p:txBody>
-      </p:sp>
-      <p:sp>
-        <p:nvSpPr>
-          <p:cNvPr id="7" name="Titel 1">
-            <a:extLst>
-              <a:ext uri="{FF2B5EF4-FFF2-40B4-BE49-F238E27FC236}">
-                <a16:creationId xmlns:a16="http://schemas.microsoft.com/office/drawing/2014/main" id="{751113A9-2E3E-4730-BB84-8AA40760EB63}"/>
+        </p:txBody>
+      </p:sp>
+      <p:pic>
+        <p:nvPicPr>
+          <p:cNvPr id="4" name="Grafik 3">
+            <a:extLst>
+              <a:ext uri="{FF2B5EF4-FFF2-40B4-BE49-F238E27FC236}">
+                <a16:creationId xmlns:a16="http://schemas.microsoft.com/office/drawing/2014/main" id="{3879D022-DEB0-4463-AD41-282C9CA666B8}"/>
+              </a:ext>
+            </a:extLst>
+          </p:cNvPr>
+          <p:cNvPicPr>
+            <a:picLocks noChangeAspect="1"/>
+          </p:cNvPicPr>
+          <p:nvPr/>
+        </p:nvPicPr>
+        <p:blipFill>
+          <a:blip r:embed="rId3"/>
+          <a:stretch>
+            <a:fillRect/>
+          </a:stretch>
+        </p:blipFill>
+        <p:spPr>
+          <a:xfrm>
+            <a:off x="1644103" y="2377970"/>
+            <a:ext cx="6792418" cy="5014810"/>
+          </a:xfrm>
+          <a:prstGeom prst="rect">
+            <a:avLst/>
+          </a:prstGeom>
+        </p:spPr>
+      </p:pic>
+      <p:sp>
+        <p:nvSpPr>
+          <p:cNvPr id="6" name="Titel 1">
+            <a:extLst>
+              <a:ext uri="{FF2B5EF4-FFF2-40B4-BE49-F238E27FC236}">
+                <a16:creationId xmlns:a16="http://schemas.microsoft.com/office/drawing/2014/main" id="{AB65CC32-F8BA-498A-8502-FCFCB05BDD7B}"/>
               </a:ext>
             </a:extLst>
           </p:cNvPr>
@@ -5994,194 +6085,10 @@
           </a:p>
         </p:txBody>
       </p:sp>
-      <p:pic>
-        <p:nvPicPr>
-          <p:cNvPr id="4" name="Grafik 3">
-            <a:extLst>
-              <a:ext uri="{FF2B5EF4-FFF2-40B4-BE49-F238E27FC236}">
-                <a16:creationId xmlns:a16="http://schemas.microsoft.com/office/drawing/2014/main" id="{A9385369-AC63-44FF-BEAD-6883BEC94279}"/>
-              </a:ext>
-            </a:extLst>
-          </p:cNvPr>
-          <p:cNvPicPr>
-            <a:picLocks noChangeAspect="1"/>
-          </p:cNvPicPr>
-          <p:nvPr/>
-        </p:nvPicPr>
-        <p:blipFill>
-          <a:blip r:embed="rId3">
-            <a:extLst>
-              <a:ext uri="{28A0092B-C50C-407E-A947-70E740481C1C}">
-                <a14:useLocalDpi xmlns:a14="http://schemas.microsoft.com/office/drawing/2010/main" val="0"/>
-              </a:ext>
-            </a:extLst>
-          </a:blip>
-          <a:stretch>
-            <a:fillRect/>
-          </a:stretch>
-        </p:blipFill>
-        <p:spPr>
-          <a:xfrm>
-            <a:off x="5357092" y="3390654"/>
-            <a:ext cx="4620270" cy="3924848"/>
-          </a:xfrm>
-          <a:prstGeom prst="rect">
-            <a:avLst/>
-          </a:prstGeom>
-        </p:spPr>
-      </p:pic>
-      <p:sp>
-        <p:nvSpPr>
-          <p:cNvPr id="6" name="Textfeld 5">
-            <a:extLst>
-              <a:ext uri="{FF2B5EF4-FFF2-40B4-BE49-F238E27FC236}">
-                <a16:creationId xmlns:a16="http://schemas.microsoft.com/office/drawing/2014/main" id="{2DEF6A6B-9E60-4528-9C00-C2C5FA8F4B7D}"/>
-              </a:ext>
-            </a:extLst>
-          </p:cNvPr>
-          <p:cNvSpPr txBox="1"/>
-          <p:nvPr/>
-        </p:nvSpPr>
-        <p:spPr>
-          <a:xfrm>
-            <a:off x="171451" y="3382259"/>
-            <a:ext cx="5129212" cy="3416320"/>
-          </a:xfrm>
-          <a:prstGeom prst="rect">
-            <a:avLst/>
-          </a:prstGeom>
-          <a:solidFill>
-            <a:srgbClr val="FFC000"/>
-          </a:solidFill>
-        </p:spPr>
-        <p:txBody>
-          <a:bodyPr wrap="square" rtlCol="0">
-            <a:spAutoFit/>
-          </a:bodyPr>
-          <a:lstStyle/>
-          <a:p>
-            <a:r>
-              <a:rPr lang="pt-BR" b="1" dirty="0">
-                <a:latin typeface="Courier New" panose="02070309020205020404" pitchFamily="49" charset="0"/>
-                <a:cs typeface="Courier New" panose="02070309020205020404" pitchFamily="49" charset="0"/>
-              </a:rPr>
-              <a:t>&gt; confusionMatrix(t, dnn=c("Prediction", "Ground truth"))</a:t>
-            </a:r>
-          </a:p>
-          <a:p>
-            <a:r>
-              <a:rPr lang="pt-BR" b="1" dirty="0">
-                <a:latin typeface="Courier New" panose="02070309020205020404" pitchFamily="49" charset="0"/>
-                <a:cs typeface="Courier New" panose="02070309020205020404" pitchFamily="49" charset="0"/>
-              </a:rPr>
-              <a:t>Confusion Matrix and Statistics</a:t>
-            </a:r>
-          </a:p>
-          <a:p>
-            <a:r>
-              <a:rPr lang="pt-BR" b="1" dirty="0">
-                <a:latin typeface="Courier New" panose="02070309020205020404" pitchFamily="49" charset="0"/>
-                <a:cs typeface="Courier New" panose="02070309020205020404" pitchFamily="49" charset="0"/>
-              </a:rPr>
-              <a:t>                                </a:t>
-            </a:r>
-          </a:p>
-          <a:p>
-            <a:r>
-              <a:rPr lang="pt-BR" b="1" dirty="0">
-                <a:latin typeface="Courier New" panose="02070309020205020404" pitchFamily="49" charset="0"/>
-                <a:cs typeface="Courier New" panose="02070309020205020404" pitchFamily="49" charset="0"/>
-              </a:rPr>
-              <a:t>                classIdActual</a:t>
-            </a:r>
-          </a:p>
-          <a:p>
-            <a:r>
-              <a:rPr lang="pt-BR" b="1" dirty="0">
-                <a:latin typeface="Courier New" panose="02070309020205020404" pitchFamily="49" charset="0"/>
-                <a:cs typeface="Courier New" panose="02070309020205020404" pitchFamily="49" charset="0"/>
-              </a:rPr>
-              <a:t>classIdPredicted   a   i</a:t>
-            </a:r>
-          </a:p>
-          <a:p>
-            <a:r>
-              <a:rPr lang="pt-BR" b="1" dirty="0">
-                <a:latin typeface="Courier New" panose="02070309020205020404" pitchFamily="49" charset="0"/>
-                <a:cs typeface="Courier New" panose="02070309020205020404" pitchFamily="49" charset="0"/>
-              </a:rPr>
-              <a:t>               a  49   0</a:t>
-            </a:r>
-          </a:p>
-          <a:p>
-            <a:r>
-              <a:rPr lang="pt-BR" b="1" dirty="0">
-                <a:latin typeface="Courier New" panose="02070309020205020404" pitchFamily="49" charset="0"/>
-                <a:cs typeface="Courier New" panose="02070309020205020404" pitchFamily="49" charset="0"/>
-              </a:rPr>
-              <a:t>               i   1 200</a:t>
-            </a:r>
-          </a:p>
-          <a:p>
-            <a:endParaRPr lang="pt-BR" b="1" dirty="0">
-              <a:latin typeface="Courier New" panose="02070309020205020404" pitchFamily="49" charset="0"/>
-              <a:cs typeface="Courier New" panose="02070309020205020404" pitchFamily="49" charset="0"/>
-            </a:endParaRPr>
-          </a:p>
-          <a:p>
-            <a:r>
-              <a:rPr lang="pt-BR" b="1" dirty="0">
-                <a:latin typeface="Courier New" panose="02070309020205020404" pitchFamily="49" charset="0"/>
-                <a:cs typeface="Courier New" panose="02070309020205020404" pitchFamily="49" charset="0"/>
-              </a:rPr>
-              <a:t>		  Accuracy : 0.996 </a:t>
-            </a:r>
-          </a:p>
-          <a:p>
-            <a:r>
-              <a:rPr lang="pt-BR" b="1" dirty="0">
-                <a:latin typeface="Courier New" panose="02070309020205020404" pitchFamily="49" charset="0"/>
-                <a:cs typeface="Courier New" panose="02070309020205020404" pitchFamily="49" charset="0"/>
-              </a:rPr>
-              <a:t>               ....</a:t>
-            </a:r>
-          </a:p>
-          <a:p>
-            <a:r>
-              <a:rPr lang="en-US" b="1" dirty="0" err="1">
-                <a:latin typeface="Courier New" panose="02070309020205020404" pitchFamily="49" charset="0"/>
-                <a:cs typeface="Courier New" panose="02070309020205020404" pitchFamily="49" charset="0"/>
-              </a:rPr>
-              <a:t>fourfoldplot</a:t>
-            </a:r>
-            <a:r>
-              <a:rPr lang="en-US" b="1" dirty="0">
-                <a:latin typeface="Courier New" panose="02070309020205020404" pitchFamily="49" charset="0"/>
-                <a:cs typeface="Courier New" panose="02070309020205020404" pitchFamily="49" charset="0"/>
-              </a:rPr>
-              <a:t>(</a:t>
-            </a:r>
-            <a:r>
-              <a:rPr lang="en-US" b="1" dirty="0" err="1">
-                <a:latin typeface="Courier New" panose="02070309020205020404" pitchFamily="49" charset="0"/>
-                <a:cs typeface="Courier New" panose="02070309020205020404" pitchFamily="49" charset="0"/>
-              </a:rPr>
-              <a:t>confM$table</a:t>
-            </a:r>
-            <a:r>
-              <a:rPr lang="en-US" b="1" dirty="0">
-                <a:latin typeface="Courier New" panose="02070309020205020404" pitchFamily="49" charset="0"/>
-                <a:cs typeface="Courier New" panose="02070309020205020404" pitchFamily="49" charset="0"/>
-              </a:rPr>
-              <a:t>)</a:t>
-            </a:r>
-          </a:p>
-        </p:txBody>
-      </p:sp>
     </p:spTree>
     <p:extLst>
       <p:ext uri="{BB962C8B-B14F-4D97-AF65-F5344CB8AC3E}">
-        <p14:creationId xmlns:p14="http://schemas.microsoft.com/office/powerpoint/2010/main" val="2227334823"/>
+        <p14:creationId xmlns:p14="http://schemas.microsoft.com/office/powerpoint/2010/main" val="647521154"/>
       </p:ext>
     </p:extLst>
   </p:cSld>
@@ -6193,7 +6100,7 @@
 
 <file path=ppt/slides/slide11.xml><?xml version="1.0" encoding="utf-8"?>
 <p:sld xmlns:a="http://schemas.openxmlformats.org/drawingml/2006/main" xmlns:r="http://schemas.openxmlformats.org/officeDocument/2006/relationships" xmlns:p="http://schemas.openxmlformats.org/presentationml/2006/main">
-  <p:cSld name="page3">
+  <p:cSld>
     <p:spTree>
       <p:nvGrpSpPr>
         <p:cNvPr id="1" name=""/>
@@ -6210,10 +6117,10 @@
       </p:grpSpPr>
       <p:sp>
         <p:nvSpPr>
-          <p:cNvPr id="2" name="Titel 1">
-            <a:extLst>
-              <a:ext uri="{FF2B5EF4-FFF2-40B4-BE49-F238E27FC236}">
-                <a16:creationId xmlns:a16="http://schemas.microsoft.com/office/drawing/2014/main" id="{CC44A84B-A8EE-4808-84E4-0ABB51E2D5AB}"/>
+          <p:cNvPr id="3" name="Textplatzhalter 2">
+            <a:extLst>
+              <a:ext uri="{FF2B5EF4-FFF2-40B4-BE49-F238E27FC236}">
+                <a16:creationId xmlns:a16="http://schemas.microsoft.com/office/drawing/2014/main" id="{B46C215E-DCC1-4BE4-A754-094902847F75}"/>
               </a:ext>
             </a:extLst>
           </p:cNvPr>
@@ -6221,7 +6128,7 @@
             <a:spLocks noGrp="1"/>
           </p:cNvSpPr>
           <p:nvPr>
-            <p:ph type="title" idx="4294967295"/>
+            <p:ph type="body" idx="4294967295"/>
           </p:nvPr>
         </p:nvSpPr>
         <p:spPr/>
@@ -6229,55 +6136,259 @@
           <a:bodyPr/>
           <a:lstStyle/>
           <a:p>
-            <a:pPr lvl="0"/>
+            <a:pPr marL="457200" indent="-457200">
+              <a:buFontTx/>
+              <a:buChar char="-"/>
+            </a:pPr>
             <a:r>
               <a:rPr lang="en-US" dirty="0"/>
-              <a:t>Part 2: </a:t>
-            </a:r>
-          </a:p>
-        </p:txBody>
-      </p:sp>
-      <p:sp>
-        <p:nvSpPr>
-          <p:cNvPr id="3" name="Textplatzhalter 2">
-            <a:extLst>
-              <a:ext uri="{FF2B5EF4-FFF2-40B4-BE49-F238E27FC236}">
-                <a16:creationId xmlns:a16="http://schemas.microsoft.com/office/drawing/2014/main" id="{53DEC8A0-C278-4ECC-AC9D-29E8286C2B63}"/>
+              <a:t>Results grid search #1:</a:t>
+            </a:r>
+          </a:p>
+          <a:p>
+            <a:pPr marL="1028700" lvl="1" indent="-342900">
+              <a:buFont typeface="Wingdings" panose="05000000000000000000" pitchFamily="2" charset="2"/>
+              <a:buChar char="à"/>
+            </a:pPr>
+            <a:r>
+              <a:rPr lang="de-CH" dirty="0" err="1">
+                <a:sym typeface="Wingdings" panose="05000000000000000000" pitchFamily="2" charset="2"/>
+              </a:rPr>
+              <a:t>Elapsed</a:t>
+            </a:r>
+            <a:r>
+              <a:rPr lang="de-CH" dirty="0">
+                <a:sym typeface="Wingdings" panose="05000000000000000000" pitchFamily="2" charset="2"/>
+              </a:rPr>
+              <a:t> time: </a:t>
+            </a:r>
+            <a:r>
+              <a:rPr lang="de-CH" dirty="0"/>
+              <a:t>62.3 </a:t>
+            </a:r>
+            <a:r>
+              <a:rPr lang="de-CH" dirty="0" err="1"/>
+              <a:t>minutes</a:t>
+            </a:r>
+            <a:endParaRPr lang="de-CH" dirty="0"/>
+          </a:p>
+          <a:p>
+            <a:pPr marL="1028700" lvl="1" indent="-342900">
+              <a:buFont typeface="Wingdings" panose="05000000000000000000" pitchFamily="2" charset="2"/>
+              <a:buChar char="à"/>
+            </a:pPr>
+            <a:r>
+              <a:rPr lang="de-CH" dirty="0" err="1"/>
+              <a:t>grid</a:t>
+            </a:r>
+            <a:r>
+              <a:rPr lang="de-CH" dirty="0"/>
+              <a:t> </a:t>
+            </a:r>
+            <a:r>
+              <a:rPr lang="de-CH" dirty="0" err="1"/>
+              <a:t>search</a:t>
+            </a:r>
+            <a:r>
+              <a:rPr lang="de-CH" dirty="0"/>
+              <a:t> </a:t>
+            </a:r>
+            <a:r>
+              <a:rPr lang="de-CH" dirty="0" err="1"/>
+              <a:t>output</a:t>
+            </a:r>
+            <a:r>
+              <a:rPr lang="de-CH" dirty="0"/>
+              <a:t>:</a:t>
+            </a:r>
+          </a:p>
+          <a:p>
+            <a:endParaRPr lang="en-US" dirty="0"/>
+          </a:p>
+        </p:txBody>
+      </p:sp>
+      <p:sp>
+        <p:nvSpPr>
+          <p:cNvPr id="7" name="Titel 1">
+            <a:extLst>
+              <a:ext uri="{FF2B5EF4-FFF2-40B4-BE49-F238E27FC236}">
+                <a16:creationId xmlns:a16="http://schemas.microsoft.com/office/drawing/2014/main" id="{751113A9-2E3E-4730-BB84-8AA40760EB63}"/>
               </a:ext>
             </a:extLst>
           </p:cNvPr>
           <p:cNvSpPr txBox="1">
-            <a:spLocks noGrp="1"/>
-          </p:cNvSpPr>
-          <p:nvPr>
-            <p:ph type="body" idx="4294967295"/>
-          </p:nvPr>
-        </p:nvSpPr>
-        <p:spPr/>
-        <p:txBody>
-          <a:bodyPr/>
-          <a:lstStyle/>
-          <a:p>
-            <a:r>
-              <a:rPr lang="en-US" dirty="0"/>
-              <a:t>- Team and Software organization</a:t>
-            </a:r>
-          </a:p>
-          <a:p>
-            <a:r>
-              <a:rPr lang="en-US" dirty="0"/>
-              <a:t>- What makes your solutions special</a:t>
-            </a:r>
-          </a:p>
-          <a:p>
-            <a:r>
-              <a:rPr lang="en-US" dirty="0"/>
-              <a:t>- Lessons learned</a:t>
-            </a:r>
-          </a:p>
-        </p:txBody>
-      </p:sp>
+            <a:spLocks/>
+          </p:cNvSpPr>
+          <p:nvPr/>
+        </p:nvSpPr>
+        <p:spPr>
+          <a:xfrm>
+            <a:off x="503999" y="301320"/>
+            <a:ext cx="9240076" cy="1262160"/>
+          </a:xfrm>
+          <a:prstGeom prst="rect">
+            <a:avLst/>
+          </a:prstGeom>
+          <a:noFill/>
+          <a:ln>
+            <a:noFill/>
+          </a:ln>
+        </p:spPr>
+        <p:txBody>
+          <a:bodyPr lIns="0" tIns="0" rIns="0" bIns="0" anchor="ctr"/>
+          <a:lstStyle>
+            <a:lvl1pPr algn="ctr" rtl="0" hangingPunct="0">
+              <a:tabLst/>
+              <a:defRPr lang="en-US" sz="4400" b="0" i="0" u="none" strike="noStrike" kern="1200" cap="none">
+                <a:ln>
+                  <a:noFill/>
+                </a:ln>
+                <a:highlight>
+                  <a:scrgbClr r="0" g="0" b="0">
+                    <a:alpha val="0"/>
+                  </a:scrgbClr>
+                </a:highlight>
+                <a:latin typeface="Liberation Sans" pitchFamily="18"/>
+              </a:defRPr>
+            </a:lvl1pPr>
+          </a:lstStyle>
+          <a:p>
+            <a:endParaRPr lang="en-US" dirty="0">
+              <a:solidFill>
+                <a:sysClr val="windowText" lastClr="000000"/>
+              </a:solidFill>
+            </a:endParaRPr>
+          </a:p>
+        </p:txBody>
+      </p:sp>
+      <p:sp>
+        <p:nvSpPr>
+          <p:cNvPr id="8" name="Textfeld 7">
+            <a:extLst>
+              <a:ext uri="{FF2B5EF4-FFF2-40B4-BE49-F238E27FC236}">
+                <a16:creationId xmlns:a16="http://schemas.microsoft.com/office/drawing/2014/main" id="{7587F8B6-4D17-4BB3-9C81-AE9432D245CB}"/>
+              </a:ext>
+            </a:extLst>
+          </p:cNvPr>
+          <p:cNvSpPr txBox="1"/>
+          <p:nvPr/>
+        </p:nvSpPr>
+        <p:spPr>
+          <a:xfrm>
+            <a:off x="2318050" y="3271836"/>
+            <a:ext cx="5443537" cy="3170099"/>
+          </a:xfrm>
+          <a:prstGeom prst="rect">
+            <a:avLst/>
+          </a:prstGeom>
+          <a:solidFill>
+            <a:srgbClr val="FFC000"/>
+          </a:solidFill>
+        </p:spPr>
+        <p:txBody>
+          <a:bodyPr wrap="square" rtlCol="0">
+            <a:spAutoFit/>
+          </a:bodyPr>
+          <a:lstStyle/>
+          <a:p>
+            <a:r>
+              <a:rPr lang="pt-BR" sz="2000" b="1" dirty="0"/>
+              <a:t>k,c_n,c_e,acc</a:t>
+            </a:r>
+          </a:p>
+          <a:p>
+            <a:r>
+              <a:rPr lang="pt-BR" sz="2000" b="1" dirty="0"/>
+              <a:t>9,3.0,2.0,99.6</a:t>
+            </a:r>
+          </a:p>
+          <a:p>
+            <a:r>
+              <a:rPr lang="pt-BR" sz="2000" b="1" dirty="0"/>
+              <a:t>5,3.0,2.0,99.6</a:t>
+            </a:r>
+          </a:p>
+          <a:p>
+            <a:r>
+              <a:rPr lang="pt-BR" sz="2000" b="1" dirty="0"/>
+              <a:t>7,3.0,2.0,99.6</a:t>
+            </a:r>
+          </a:p>
+          <a:p>
+            <a:r>
+              <a:rPr lang="pt-BR" sz="2000" b="1" dirty="0"/>
+              <a:t>11,3.0,2.0,99.2</a:t>
+            </a:r>
+          </a:p>
+          <a:p>
+            <a:r>
+              <a:rPr lang="pt-BR" sz="2000" b="1" dirty="0"/>
+              <a:t>1,3.0,2.0,99.6</a:t>
+            </a:r>
+          </a:p>
+          <a:p>
+            <a:r>
+              <a:rPr lang="pt-BR" sz="2000" b="1" dirty="0"/>
+              <a:t>63,3.0,2.0,91.60000000000001</a:t>
+            </a:r>
+          </a:p>
+          <a:p>
+            <a:r>
+              <a:rPr lang="pt-BR" sz="2000" b="1" dirty="0"/>
+              <a:t>3,3.0,2.0,99.6</a:t>
+            </a:r>
+          </a:p>
+          <a:p>
+            <a:r>
+              <a:rPr lang="pt-BR" sz="2000" b="1" dirty="0"/>
+              <a:t>11,3.0,3.0,99.2</a:t>
+            </a:r>
+          </a:p>
+          <a:p>
+            <a:r>
+              <a:rPr lang="pt-BR" sz="2000" b="1" dirty="0"/>
+              <a:t>......</a:t>
+            </a:r>
+            <a:endParaRPr lang="en-US" sz="2000" b="1" dirty="0"/>
+          </a:p>
+        </p:txBody>
+      </p:sp>
+      <p:pic>
+        <p:nvPicPr>
+          <p:cNvPr id="5" name="Grafik 4">
+            <a:extLst>
+              <a:ext uri="{FF2B5EF4-FFF2-40B4-BE49-F238E27FC236}">
+                <a16:creationId xmlns:a16="http://schemas.microsoft.com/office/drawing/2014/main" id="{4A19BB53-DD67-4B2C-BB81-C74FB4D686DB}"/>
+              </a:ext>
+            </a:extLst>
+          </p:cNvPr>
+          <p:cNvPicPr>
+            <a:picLocks noChangeAspect="1"/>
+          </p:cNvPicPr>
+          <p:nvPr/>
+        </p:nvPicPr>
+        <p:blipFill>
+          <a:blip r:embed="rId3"/>
+          <a:stretch>
+            <a:fillRect/>
+          </a:stretch>
+        </p:blipFill>
+        <p:spPr>
+          <a:xfrm>
+            <a:off x="3109499" y="6717180"/>
+            <a:ext cx="4029075" cy="390525"/>
+          </a:xfrm>
+          <a:prstGeom prst="rect">
+            <a:avLst/>
+          </a:prstGeom>
+        </p:spPr>
+      </p:pic>
     </p:spTree>
+    <p:extLst>
+      <p:ext uri="{BB962C8B-B14F-4D97-AF65-F5344CB8AC3E}">
+        <p14:creationId xmlns:p14="http://schemas.microsoft.com/office/powerpoint/2010/main" val="2960438446"/>
+      </p:ext>
+    </p:extLst>
   </p:cSld>
   <p:clrMapOvr>
     <a:masterClrMapping/>
@@ -6304,10 +6415,10 @@
       </p:grpSpPr>
       <p:sp>
         <p:nvSpPr>
-          <p:cNvPr id="2" name="Titel 1">
-            <a:extLst>
-              <a:ext uri="{FF2B5EF4-FFF2-40B4-BE49-F238E27FC236}">
-                <a16:creationId xmlns:a16="http://schemas.microsoft.com/office/drawing/2014/main" id="{CC44A84B-A8EE-4808-84E4-0ABB51E2D5AB}"/>
+          <p:cNvPr id="3" name="Textplatzhalter 2">
+            <a:extLst>
+              <a:ext uri="{FF2B5EF4-FFF2-40B4-BE49-F238E27FC236}">
+                <a16:creationId xmlns:a16="http://schemas.microsoft.com/office/drawing/2014/main" id="{B46C215E-DCC1-4BE4-A754-094902847F75}"/>
               </a:ext>
             </a:extLst>
           </p:cNvPr>
@@ -6315,7 +6426,7 @@
             <a:spLocks noGrp="1"/>
           </p:cNvSpPr>
           <p:nvPr>
-            <p:ph type="title" idx="4294967295"/>
+            <p:ph type="body" idx="4294967295"/>
           </p:nvPr>
         </p:nvSpPr>
         <p:spPr/>
@@ -6323,40 +6434,216 @@
           <a:bodyPr/>
           <a:lstStyle/>
           <a:p>
-            <a:pPr lvl="0"/>
-            <a:endParaRPr lang="en-US" dirty="0"/>
-          </a:p>
-        </p:txBody>
-      </p:sp>
-      <p:sp>
-        <p:nvSpPr>
-          <p:cNvPr id="3" name="Textplatzhalter 2">
-            <a:extLst>
-              <a:ext uri="{FF2B5EF4-FFF2-40B4-BE49-F238E27FC236}">
-                <a16:creationId xmlns:a16="http://schemas.microsoft.com/office/drawing/2014/main" id="{53DEC8A0-C278-4ECC-AC9D-29E8286C2B63}"/>
+            <a:pPr marL="457200" indent="-457200">
+              <a:buFontTx/>
+              <a:buChar char="-"/>
+            </a:pPr>
+            <a:r>
+              <a:rPr lang="en-US" dirty="0"/>
+              <a:t>Results grid search #2:</a:t>
+            </a:r>
+          </a:p>
+          <a:p>
+            <a:pPr marL="1028700" lvl="1" indent="-342900">
+              <a:buFont typeface="Wingdings" panose="05000000000000000000" pitchFamily="2" charset="2"/>
+              <a:buChar char="à"/>
+            </a:pPr>
+            <a:r>
+              <a:rPr lang="de-CH" dirty="0">
+                <a:sym typeface="Wingdings" panose="05000000000000000000" pitchFamily="2" charset="2"/>
+              </a:rPr>
+              <a:t>Best </a:t>
+            </a:r>
+            <a:r>
+              <a:rPr lang="de-CH" dirty="0" err="1">
+                <a:sym typeface="Wingdings" panose="05000000000000000000" pitchFamily="2" charset="2"/>
+              </a:rPr>
+              <a:t>parameters</a:t>
+            </a:r>
+            <a:r>
+              <a:rPr lang="de-CH" dirty="0">
+                <a:sym typeface="Wingdings" panose="05000000000000000000" pitchFamily="2" charset="2"/>
+              </a:rPr>
+              <a:t>:</a:t>
+            </a:r>
+          </a:p>
+          <a:p>
+            <a:pPr marL="1028700" lvl="1" indent="-342900">
+              <a:buFont typeface="Wingdings" panose="05000000000000000000" pitchFamily="2" charset="2"/>
+              <a:buChar char="à"/>
+            </a:pPr>
+            <a:r>
+              <a:rPr lang="de-CH" dirty="0">
+                <a:sym typeface="Wingdings" panose="05000000000000000000" pitchFamily="2" charset="2"/>
+              </a:rPr>
+              <a:t>175 </a:t>
+            </a:r>
+            <a:r>
+              <a:rPr lang="de-CH" dirty="0" err="1">
+                <a:sym typeface="Wingdings" panose="05000000000000000000" pitchFamily="2" charset="2"/>
+              </a:rPr>
+              <a:t>combinations</a:t>
+            </a:r>
+            <a:r>
+              <a:rPr lang="de-CH" dirty="0">
+                <a:sym typeface="Wingdings" panose="05000000000000000000" pitchFamily="2" charset="2"/>
+              </a:rPr>
+              <a:t> </a:t>
+            </a:r>
+            <a:r>
+              <a:rPr lang="de-CH" dirty="0" err="1">
+                <a:sym typeface="Wingdings" panose="05000000000000000000" pitchFamily="2" charset="2"/>
+              </a:rPr>
+              <a:t>of</a:t>
+            </a:r>
+            <a:r>
+              <a:rPr lang="de-CH" dirty="0">
+                <a:sym typeface="Wingdings" panose="05000000000000000000" pitchFamily="2" charset="2"/>
+              </a:rPr>
+              <a:t> k, </a:t>
+            </a:r>
+            <a:r>
+              <a:rPr lang="de-CH" dirty="0" err="1">
+                <a:sym typeface="Wingdings" panose="05000000000000000000" pitchFamily="2" charset="2"/>
+              </a:rPr>
+              <a:t>c_n</a:t>
+            </a:r>
+            <a:r>
+              <a:rPr lang="de-CH" dirty="0">
+                <a:sym typeface="Wingdings" panose="05000000000000000000" pitchFamily="2" charset="2"/>
+              </a:rPr>
+              <a:t>, </a:t>
+            </a:r>
+            <a:r>
+              <a:rPr lang="de-CH" dirty="0" err="1">
+                <a:sym typeface="Wingdings" panose="05000000000000000000" pitchFamily="2" charset="2"/>
+              </a:rPr>
+              <a:t>c_e</a:t>
+            </a:r>
+            <a:r>
+              <a:rPr lang="de-CH" dirty="0">
+                <a:sym typeface="Wingdings" panose="05000000000000000000" pitchFamily="2" charset="2"/>
+              </a:rPr>
+              <a:t> </a:t>
+            </a:r>
+            <a:r>
+              <a:rPr lang="de-CH" dirty="0" err="1">
+                <a:sym typeface="Wingdings" panose="05000000000000000000" pitchFamily="2" charset="2"/>
+              </a:rPr>
+              <a:t>yield</a:t>
+            </a:r>
+            <a:r>
+              <a:rPr lang="de-CH" dirty="0">
+                <a:sym typeface="Wingdings" panose="05000000000000000000" pitchFamily="2" charset="2"/>
+              </a:rPr>
+              <a:t> 99.6% </a:t>
+            </a:r>
+            <a:r>
+              <a:rPr lang="de-CH" dirty="0" err="1">
+                <a:sym typeface="Wingdings" panose="05000000000000000000" pitchFamily="2" charset="2"/>
+              </a:rPr>
+              <a:t>accuracy</a:t>
+            </a:r>
+            <a:endParaRPr lang="de-CH" dirty="0">
+              <a:sym typeface="Wingdings" panose="05000000000000000000" pitchFamily="2" charset="2"/>
+            </a:endParaRPr>
+          </a:p>
+          <a:p>
+            <a:pPr lvl="1" indent="0">
+              <a:buNone/>
+            </a:pPr>
+            <a:endParaRPr lang="de-CH" dirty="0"/>
+          </a:p>
+        </p:txBody>
+      </p:sp>
+      <p:sp>
+        <p:nvSpPr>
+          <p:cNvPr id="7" name="Titel 1">
+            <a:extLst>
+              <a:ext uri="{FF2B5EF4-FFF2-40B4-BE49-F238E27FC236}">
+                <a16:creationId xmlns:a16="http://schemas.microsoft.com/office/drawing/2014/main" id="{751113A9-2E3E-4730-BB84-8AA40760EB63}"/>
               </a:ext>
             </a:extLst>
           </p:cNvPr>
           <p:cNvSpPr txBox="1">
-            <a:spLocks noGrp="1"/>
-          </p:cNvSpPr>
-          <p:nvPr>
-            <p:ph type="body" idx="4294967295"/>
-          </p:nvPr>
-        </p:nvSpPr>
-        <p:spPr/>
-        <p:txBody>
-          <a:bodyPr/>
-          <a:lstStyle/>
-          <a:p>
-            <a:endParaRPr lang="en-US" dirty="0"/>
-          </a:p>
-        </p:txBody>
-      </p:sp>
+            <a:spLocks/>
+          </p:cNvSpPr>
+          <p:nvPr/>
+        </p:nvSpPr>
+        <p:spPr>
+          <a:xfrm>
+            <a:off x="503999" y="301320"/>
+            <a:ext cx="9240076" cy="1262160"/>
+          </a:xfrm>
+          <a:prstGeom prst="rect">
+            <a:avLst/>
+          </a:prstGeom>
+          <a:noFill/>
+          <a:ln>
+            <a:noFill/>
+          </a:ln>
+        </p:spPr>
+        <p:txBody>
+          <a:bodyPr lIns="0" tIns="0" rIns="0" bIns="0" anchor="ctr"/>
+          <a:lstStyle>
+            <a:lvl1pPr algn="ctr" rtl="0" hangingPunct="0">
+              <a:tabLst/>
+              <a:defRPr lang="en-US" sz="4400" b="0" i="0" u="none" strike="noStrike" kern="1200" cap="none">
+                <a:ln>
+                  <a:noFill/>
+                </a:ln>
+                <a:highlight>
+                  <a:scrgbClr r="0" g="0" b="0">
+                    <a:alpha val="0"/>
+                  </a:scrgbClr>
+                </a:highlight>
+                <a:latin typeface="Liberation Sans" pitchFamily="18"/>
+              </a:defRPr>
+            </a:lvl1pPr>
+          </a:lstStyle>
+          <a:p>
+            <a:endParaRPr lang="en-US" dirty="0">
+              <a:solidFill>
+                <a:sysClr val="windowText" lastClr="000000"/>
+              </a:solidFill>
+            </a:endParaRPr>
+          </a:p>
+        </p:txBody>
+      </p:sp>
+      <p:pic>
+        <p:nvPicPr>
+          <p:cNvPr id="2" name="Grafik 1">
+            <a:extLst>
+              <a:ext uri="{FF2B5EF4-FFF2-40B4-BE49-F238E27FC236}">
+                <a16:creationId xmlns:a16="http://schemas.microsoft.com/office/drawing/2014/main" id="{2EC24A9E-B176-42A9-9CD7-9FB74EE01E5C}"/>
+              </a:ext>
+            </a:extLst>
+          </p:cNvPr>
+          <p:cNvPicPr>
+            <a:picLocks noChangeAspect="1"/>
+          </p:cNvPicPr>
+          <p:nvPr/>
+        </p:nvPicPr>
+        <p:blipFill>
+          <a:blip r:embed="rId3"/>
+          <a:stretch>
+            <a:fillRect/>
+          </a:stretch>
+        </p:blipFill>
+        <p:spPr>
+          <a:xfrm>
+            <a:off x="2952628" y="3095955"/>
+            <a:ext cx="4175367" cy="4162400"/>
+          </a:xfrm>
+          <a:prstGeom prst="rect">
+            <a:avLst/>
+          </a:prstGeom>
+        </p:spPr>
+      </p:pic>
     </p:spTree>
     <p:extLst>
       <p:ext uri="{BB962C8B-B14F-4D97-AF65-F5344CB8AC3E}">
-        <p14:creationId xmlns:p14="http://schemas.microsoft.com/office/powerpoint/2010/main" val="2310051511"/>
+        <p14:creationId xmlns:p14="http://schemas.microsoft.com/office/powerpoint/2010/main" val="121370370"/>
       </p:ext>
     </p:extLst>
   </p:cSld>
@@ -6410,56 +6697,69 @@
             </a:pPr>
             <a:r>
               <a:rPr lang="en-US" dirty="0"/>
-              <a:t>Molecule as “strong type”:</a:t>
-            </a:r>
-          </a:p>
-          <a:p>
-            <a:pPr lvl="1" indent="0">
-              <a:buNone/>
+              <a:t>Results grid search #3:</a:t>
+            </a:r>
+          </a:p>
+          <a:p>
+            <a:pPr marL="1028700" lvl="1" indent="-342900">
+              <a:buFont typeface="Wingdings" panose="05000000000000000000" pitchFamily="2" charset="2"/>
+              <a:buChar char="à"/>
             </a:pPr>
             <a:r>
-              <a:rPr lang="en-US" dirty="0">
-                <a:sym typeface="Wingdings" panose="05000000000000000000" pitchFamily="2" charset="2"/>
-              </a:rPr>
-              <a:t> hides (GXL) implementation details of a molecule</a:t>
-            </a:r>
-            <a:endParaRPr lang="de-CH" dirty="0"/>
-          </a:p>
-          <a:p>
+              <a:rPr lang="en-US" dirty="0"/>
+              <a:t>E.g. hyperparameters: k = 7, </a:t>
+            </a:r>
+            <a:r>
+              <a:rPr lang="en-US" dirty="0" err="1"/>
+              <a:t>c_n</a:t>
+            </a:r>
+            <a:r>
+              <a:rPr lang="en-US" dirty="0"/>
+              <a:t> = 3, </a:t>
+            </a:r>
+            <a:r>
+              <a:rPr lang="en-US" dirty="0" err="1"/>
+              <a:t>c_e</a:t>
+            </a:r>
+            <a:r>
+              <a:rPr lang="en-US" dirty="0"/>
+              <a:t> = 2</a:t>
+            </a:r>
+          </a:p>
+          <a:p>
+            <a:pPr marL="1028700" lvl="1" indent="-342900">
+              <a:buFont typeface="Wingdings" panose="05000000000000000000" pitchFamily="2" charset="2"/>
+              <a:buChar char="à"/>
+            </a:pPr>
+            <a:r>
+              <a:rPr lang="en-US" dirty="0"/>
+              <a:t>99.6% </a:t>
+            </a:r>
+            <a:r>
+              <a:rPr lang="de-CH" dirty="0"/>
+              <a:t>a</a:t>
+            </a:r>
+            <a:r>
+              <a:rPr lang="en-US" dirty="0" err="1"/>
+              <a:t>ccuracy</a:t>
+            </a:r>
+            <a:r>
+              <a:rPr lang="en-US" dirty="0"/>
+              <a:t> on valid.txt:</a:t>
+            </a:r>
+          </a:p>
+          <a:p>
+            <a:pPr marL="457200" indent="-457200">
+              <a:buFontTx/>
+              <a:buChar char="-"/>
+            </a:pPr>
             <a:endParaRPr lang="en-US" dirty="0"/>
           </a:p>
-        </p:txBody>
-      </p:sp>
-      <p:pic>
-        <p:nvPicPr>
-          <p:cNvPr id="5" name="Grafik 4">
-            <a:extLst>
-              <a:ext uri="{FF2B5EF4-FFF2-40B4-BE49-F238E27FC236}">
-                <a16:creationId xmlns:a16="http://schemas.microsoft.com/office/drawing/2014/main" id="{16D48C66-22AC-46D8-AABE-F5D425EB88EC}"/>
-              </a:ext>
-            </a:extLst>
-          </p:cNvPr>
-          <p:cNvPicPr>
-            <a:picLocks noChangeAspect="1"/>
-          </p:cNvPicPr>
-          <p:nvPr/>
-        </p:nvPicPr>
-        <p:blipFill>
-          <a:blip r:embed="rId3"/>
-          <a:stretch>
-            <a:fillRect/>
-          </a:stretch>
-        </p:blipFill>
-        <p:spPr>
-          <a:xfrm>
-            <a:off x="535007" y="2978481"/>
-            <a:ext cx="9178060" cy="3174999"/>
-          </a:xfrm>
-          <a:prstGeom prst="rect">
-            <a:avLst/>
-          </a:prstGeom>
-        </p:spPr>
-      </p:pic>
+          <a:p>
+            <a:endParaRPr lang="en-US" dirty="0"/>
+          </a:p>
+        </p:txBody>
+      </p:sp>
       <p:sp>
         <p:nvSpPr>
           <p:cNvPr id="7" name="Titel 1">
@@ -6506,14 +6806,6 @@
             </a:lvl1pPr>
           </a:lstStyle>
           <a:p>
-            <a:r>
-              <a:rPr lang="en-US">
-                <a:solidFill>
-                  <a:sysClr val="windowText" lastClr="000000"/>
-                </a:solidFill>
-              </a:rPr>
-              <a:t>Our Molecules implementation cont’d</a:t>
-            </a:r>
             <a:endParaRPr lang="en-US" dirty="0">
               <a:solidFill>
                 <a:sysClr val="windowText" lastClr="000000"/>
@@ -6522,10 +6814,194 @@
           </a:p>
         </p:txBody>
       </p:sp>
+      <p:pic>
+        <p:nvPicPr>
+          <p:cNvPr id="4" name="Grafik 3">
+            <a:extLst>
+              <a:ext uri="{FF2B5EF4-FFF2-40B4-BE49-F238E27FC236}">
+                <a16:creationId xmlns:a16="http://schemas.microsoft.com/office/drawing/2014/main" id="{A9385369-AC63-44FF-BEAD-6883BEC94279}"/>
+              </a:ext>
+            </a:extLst>
+          </p:cNvPr>
+          <p:cNvPicPr>
+            <a:picLocks noChangeAspect="1"/>
+          </p:cNvPicPr>
+          <p:nvPr/>
+        </p:nvPicPr>
+        <p:blipFill>
+          <a:blip r:embed="rId3">
+            <a:extLst>
+              <a:ext uri="{28A0092B-C50C-407E-A947-70E740481C1C}">
+                <a14:useLocalDpi xmlns:a14="http://schemas.microsoft.com/office/drawing/2010/main" val="0"/>
+              </a:ext>
+            </a:extLst>
+          </a:blip>
+          <a:stretch>
+            <a:fillRect/>
+          </a:stretch>
+        </p:blipFill>
+        <p:spPr>
+          <a:xfrm>
+            <a:off x="5357092" y="3390654"/>
+            <a:ext cx="4620270" cy="3924848"/>
+          </a:xfrm>
+          <a:prstGeom prst="rect">
+            <a:avLst/>
+          </a:prstGeom>
+        </p:spPr>
+      </p:pic>
+      <p:sp>
+        <p:nvSpPr>
+          <p:cNvPr id="6" name="Textfeld 5">
+            <a:extLst>
+              <a:ext uri="{FF2B5EF4-FFF2-40B4-BE49-F238E27FC236}">
+                <a16:creationId xmlns:a16="http://schemas.microsoft.com/office/drawing/2014/main" id="{2DEF6A6B-9E60-4528-9C00-C2C5FA8F4B7D}"/>
+              </a:ext>
+            </a:extLst>
+          </p:cNvPr>
+          <p:cNvSpPr txBox="1"/>
+          <p:nvPr/>
+        </p:nvSpPr>
+        <p:spPr>
+          <a:xfrm>
+            <a:off x="171451" y="3382259"/>
+            <a:ext cx="5129212" cy="3416320"/>
+          </a:xfrm>
+          <a:prstGeom prst="rect">
+            <a:avLst/>
+          </a:prstGeom>
+          <a:solidFill>
+            <a:srgbClr val="FFC000"/>
+          </a:solidFill>
+        </p:spPr>
+        <p:txBody>
+          <a:bodyPr wrap="square" rtlCol="0">
+            <a:spAutoFit/>
+          </a:bodyPr>
+          <a:lstStyle/>
+          <a:p>
+            <a:r>
+              <a:rPr lang="pt-BR" b="1" dirty="0">
+                <a:latin typeface="Courier New" panose="02070309020205020404" pitchFamily="49" charset="0"/>
+                <a:cs typeface="Courier New" panose="02070309020205020404" pitchFamily="49" charset="0"/>
+              </a:rPr>
+              <a:t>&gt; confusionMatrix(t, dnn=c("Prediction", "Ground truth"))</a:t>
+            </a:r>
+          </a:p>
+          <a:p>
+            <a:r>
+              <a:rPr lang="pt-BR" b="1" dirty="0">
+                <a:latin typeface="Courier New" panose="02070309020205020404" pitchFamily="49" charset="0"/>
+                <a:cs typeface="Courier New" panose="02070309020205020404" pitchFamily="49" charset="0"/>
+              </a:rPr>
+              <a:t>Confusion Matrix and Statistics</a:t>
+            </a:r>
+          </a:p>
+          <a:p>
+            <a:r>
+              <a:rPr lang="pt-BR" b="1" dirty="0">
+                <a:latin typeface="Courier New" panose="02070309020205020404" pitchFamily="49" charset="0"/>
+                <a:cs typeface="Courier New" panose="02070309020205020404" pitchFamily="49" charset="0"/>
+              </a:rPr>
+              <a:t>                                </a:t>
+            </a:r>
+          </a:p>
+          <a:p>
+            <a:r>
+              <a:rPr lang="pt-BR" b="1" dirty="0">
+                <a:latin typeface="Courier New" panose="02070309020205020404" pitchFamily="49" charset="0"/>
+                <a:cs typeface="Courier New" panose="02070309020205020404" pitchFamily="49" charset="0"/>
+              </a:rPr>
+              <a:t>                classIdActual</a:t>
+            </a:r>
+          </a:p>
+          <a:p>
+            <a:r>
+              <a:rPr lang="pt-BR" b="1" dirty="0">
+                <a:latin typeface="Courier New" panose="02070309020205020404" pitchFamily="49" charset="0"/>
+                <a:cs typeface="Courier New" panose="02070309020205020404" pitchFamily="49" charset="0"/>
+              </a:rPr>
+              <a:t>classIdPredicted   a   i</a:t>
+            </a:r>
+          </a:p>
+          <a:p>
+            <a:r>
+              <a:rPr lang="pt-BR" b="1" dirty="0">
+                <a:latin typeface="Courier New" panose="02070309020205020404" pitchFamily="49" charset="0"/>
+                <a:cs typeface="Courier New" panose="02070309020205020404" pitchFamily="49" charset="0"/>
+              </a:rPr>
+              <a:t>               a  49   0</a:t>
+            </a:r>
+          </a:p>
+          <a:p>
+            <a:r>
+              <a:rPr lang="pt-BR" b="1" dirty="0">
+                <a:latin typeface="Courier New" panose="02070309020205020404" pitchFamily="49" charset="0"/>
+                <a:cs typeface="Courier New" panose="02070309020205020404" pitchFamily="49" charset="0"/>
+              </a:rPr>
+              <a:t>               i   1 200</a:t>
+            </a:r>
+          </a:p>
+          <a:p>
+            <a:endParaRPr lang="pt-BR" b="1" dirty="0">
+              <a:latin typeface="Courier New" panose="02070309020205020404" pitchFamily="49" charset="0"/>
+              <a:cs typeface="Courier New" panose="02070309020205020404" pitchFamily="49" charset="0"/>
+            </a:endParaRPr>
+          </a:p>
+          <a:p>
+            <a:r>
+              <a:rPr lang="pt-BR" b="1" dirty="0">
+                <a:latin typeface="Courier New" panose="02070309020205020404" pitchFamily="49" charset="0"/>
+                <a:cs typeface="Courier New" panose="02070309020205020404" pitchFamily="49" charset="0"/>
+              </a:rPr>
+              <a:t>		  Accuracy : 0.996 </a:t>
+            </a:r>
+          </a:p>
+          <a:p>
+            <a:r>
+              <a:rPr lang="pt-BR" b="1" dirty="0">
+                <a:latin typeface="Courier New" panose="02070309020205020404" pitchFamily="49" charset="0"/>
+                <a:cs typeface="Courier New" panose="02070309020205020404" pitchFamily="49" charset="0"/>
+              </a:rPr>
+              <a:t>               ....</a:t>
+            </a:r>
+          </a:p>
+          <a:p>
+            <a:r>
+              <a:rPr lang="en-US" b="1" dirty="0" err="1">
+                <a:latin typeface="Courier New" panose="02070309020205020404" pitchFamily="49" charset="0"/>
+                <a:cs typeface="Courier New" panose="02070309020205020404" pitchFamily="49" charset="0"/>
+              </a:rPr>
+              <a:t>fourfoldplot</a:t>
+            </a:r>
+            <a:r>
+              <a:rPr lang="en-US" b="1" dirty="0">
+                <a:latin typeface="Courier New" panose="02070309020205020404" pitchFamily="49" charset="0"/>
+                <a:cs typeface="Courier New" panose="02070309020205020404" pitchFamily="49" charset="0"/>
+              </a:rPr>
+              <a:t>(</a:t>
+            </a:r>
+            <a:r>
+              <a:rPr lang="en-US" b="1" dirty="0" err="1">
+                <a:latin typeface="Courier New" panose="02070309020205020404" pitchFamily="49" charset="0"/>
+                <a:cs typeface="Courier New" panose="02070309020205020404" pitchFamily="49" charset="0"/>
+              </a:rPr>
+              <a:t>confM$table</a:t>
+            </a:r>
+            <a:r>
+              <a:rPr lang="en-US" b="1" dirty="0">
+                <a:latin typeface="Courier New" panose="02070309020205020404" pitchFamily="49" charset="0"/>
+                <a:cs typeface="Courier New" panose="02070309020205020404" pitchFamily="49" charset="0"/>
+              </a:rPr>
+              <a:t>)</a:t>
+            </a:r>
+          </a:p>
+        </p:txBody>
+      </p:sp>
     </p:spTree>
     <p:extLst>
       <p:ext uri="{BB962C8B-B14F-4D97-AF65-F5344CB8AC3E}">
-        <p14:creationId xmlns:p14="http://schemas.microsoft.com/office/powerpoint/2010/main" val="2874890176"/>
+        <p14:creationId xmlns:p14="http://schemas.microsoft.com/office/powerpoint/2010/main" val="2227334823"/>
       </p:ext>
     </p:extLst>
   </p:cSld>
@@ -6554,6 +7030,256 @@
       </p:grpSpPr>
       <p:sp>
         <p:nvSpPr>
+          <p:cNvPr id="2" name="Titel 1">
+            <a:extLst>
+              <a:ext uri="{FF2B5EF4-FFF2-40B4-BE49-F238E27FC236}">
+                <a16:creationId xmlns:a16="http://schemas.microsoft.com/office/drawing/2014/main" id="{CC44A84B-A8EE-4808-84E4-0ABB51E2D5AB}"/>
+              </a:ext>
+            </a:extLst>
+          </p:cNvPr>
+          <p:cNvSpPr txBox="1">
+            <a:spLocks noGrp="1"/>
+          </p:cNvSpPr>
+          <p:nvPr>
+            <p:ph type="title" idx="4294967295"/>
+          </p:nvPr>
+        </p:nvSpPr>
+        <p:spPr/>
+        <p:txBody>
+          <a:bodyPr/>
+          <a:lstStyle/>
+          <a:p>
+            <a:pPr lvl="0"/>
+            <a:endParaRPr lang="en-US" dirty="0"/>
+          </a:p>
+        </p:txBody>
+      </p:sp>
+      <p:sp>
+        <p:nvSpPr>
+          <p:cNvPr id="3" name="Textplatzhalter 2">
+            <a:extLst>
+              <a:ext uri="{FF2B5EF4-FFF2-40B4-BE49-F238E27FC236}">
+                <a16:creationId xmlns:a16="http://schemas.microsoft.com/office/drawing/2014/main" id="{53DEC8A0-C278-4ECC-AC9D-29E8286C2B63}"/>
+              </a:ext>
+            </a:extLst>
+          </p:cNvPr>
+          <p:cNvSpPr txBox="1">
+            <a:spLocks noGrp="1"/>
+          </p:cNvSpPr>
+          <p:nvPr>
+            <p:ph type="body" idx="4294967295"/>
+          </p:nvPr>
+        </p:nvSpPr>
+        <p:spPr/>
+        <p:txBody>
+          <a:bodyPr/>
+          <a:lstStyle/>
+          <a:p>
+            <a:endParaRPr lang="en-US" dirty="0"/>
+          </a:p>
+        </p:txBody>
+      </p:sp>
+    </p:spTree>
+    <p:extLst>
+      <p:ext uri="{BB962C8B-B14F-4D97-AF65-F5344CB8AC3E}">
+        <p14:creationId xmlns:p14="http://schemas.microsoft.com/office/powerpoint/2010/main" val="2310051511"/>
+      </p:ext>
+    </p:extLst>
+  </p:cSld>
+  <p:clrMapOvr>
+    <a:masterClrMapping/>
+  </p:clrMapOvr>
+</p:sld>
+</file>
+
+<file path=ppt/slides/slide15.xml><?xml version="1.0" encoding="utf-8"?>
+<p:sld xmlns:a="http://schemas.openxmlformats.org/drawingml/2006/main" xmlns:r="http://schemas.openxmlformats.org/officeDocument/2006/relationships" xmlns:p="http://schemas.openxmlformats.org/presentationml/2006/main">
+  <p:cSld>
+    <p:spTree>
+      <p:nvGrpSpPr>
+        <p:cNvPr id="1" name=""/>
+        <p:cNvGrpSpPr/>
+        <p:nvPr/>
+      </p:nvGrpSpPr>
+      <p:grpSpPr>
+        <a:xfrm>
+          <a:off x="0" y="0"/>
+          <a:ext cx="0" cy="0"/>
+          <a:chOff x="0" y="0"/>
+          <a:chExt cx="0" cy="0"/>
+        </a:xfrm>
+      </p:grpSpPr>
+      <p:sp>
+        <p:nvSpPr>
+          <p:cNvPr id="3" name="Textplatzhalter 2">
+            <a:extLst>
+              <a:ext uri="{FF2B5EF4-FFF2-40B4-BE49-F238E27FC236}">
+                <a16:creationId xmlns:a16="http://schemas.microsoft.com/office/drawing/2014/main" id="{B46C215E-DCC1-4BE4-A754-094902847F75}"/>
+              </a:ext>
+            </a:extLst>
+          </p:cNvPr>
+          <p:cNvSpPr txBox="1">
+            <a:spLocks noGrp="1"/>
+          </p:cNvSpPr>
+          <p:nvPr>
+            <p:ph type="body" idx="4294967295"/>
+          </p:nvPr>
+        </p:nvSpPr>
+        <p:spPr/>
+        <p:txBody>
+          <a:bodyPr/>
+          <a:lstStyle/>
+          <a:p>
+            <a:pPr marL="457200" indent="-457200">
+              <a:buFontTx/>
+              <a:buChar char="-"/>
+            </a:pPr>
+            <a:r>
+              <a:rPr lang="en-US" dirty="0"/>
+              <a:t>Molecule as “strong type”:</a:t>
+            </a:r>
+          </a:p>
+          <a:p>
+            <a:pPr lvl="1" indent="0">
+              <a:buNone/>
+            </a:pPr>
+            <a:r>
+              <a:rPr lang="en-US" dirty="0">
+                <a:sym typeface="Wingdings" panose="05000000000000000000" pitchFamily="2" charset="2"/>
+              </a:rPr>
+              <a:t> hides (GXL) implementation details of a molecule</a:t>
+            </a:r>
+            <a:endParaRPr lang="de-CH" dirty="0"/>
+          </a:p>
+          <a:p>
+            <a:endParaRPr lang="en-US" dirty="0"/>
+          </a:p>
+        </p:txBody>
+      </p:sp>
+      <p:pic>
+        <p:nvPicPr>
+          <p:cNvPr id="5" name="Grafik 4">
+            <a:extLst>
+              <a:ext uri="{FF2B5EF4-FFF2-40B4-BE49-F238E27FC236}">
+                <a16:creationId xmlns:a16="http://schemas.microsoft.com/office/drawing/2014/main" id="{16D48C66-22AC-46D8-AABE-F5D425EB88EC}"/>
+              </a:ext>
+            </a:extLst>
+          </p:cNvPr>
+          <p:cNvPicPr>
+            <a:picLocks noChangeAspect="1"/>
+          </p:cNvPicPr>
+          <p:nvPr/>
+        </p:nvPicPr>
+        <p:blipFill>
+          <a:blip r:embed="rId3"/>
+          <a:stretch>
+            <a:fillRect/>
+          </a:stretch>
+        </p:blipFill>
+        <p:spPr>
+          <a:xfrm>
+            <a:off x="535007" y="2978481"/>
+            <a:ext cx="9178060" cy="3174999"/>
+          </a:xfrm>
+          <a:prstGeom prst="rect">
+            <a:avLst/>
+          </a:prstGeom>
+        </p:spPr>
+      </p:pic>
+      <p:sp>
+        <p:nvSpPr>
+          <p:cNvPr id="7" name="Titel 1">
+            <a:extLst>
+              <a:ext uri="{FF2B5EF4-FFF2-40B4-BE49-F238E27FC236}">
+                <a16:creationId xmlns:a16="http://schemas.microsoft.com/office/drawing/2014/main" id="{751113A9-2E3E-4730-BB84-8AA40760EB63}"/>
+              </a:ext>
+            </a:extLst>
+          </p:cNvPr>
+          <p:cNvSpPr txBox="1">
+            <a:spLocks/>
+          </p:cNvSpPr>
+          <p:nvPr/>
+        </p:nvSpPr>
+        <p:spPr>
+          <a:xfrm>
+            <a:off x="503999" y="301320"/>
+            <a:ext cx="9240076" cy="1262160"/>
+          </a:xfrm>
+          <a:prstGeom prst="rect">
+            <a:avLst/>
+          </a:prstGeom>
+          <a:noFill/>
+          <a:ln>
+            <a:noFill/>
+          </a:ln>
+        </p:spPr>
+        <p:txBody>
+          <a:bodyPr lIns="0" tIns="0" rIns="0" bIns="0" anchor="ctr"/>
+          <a:lstStyle>
+            <a:lvl1pPr algn="ctr" rtl="0" hangingPunct="0">
+              <a:tabLst/>
+              <a:defRPr lang="en-US" sz="4400" b="0" i="0" u="none" strike="noStrike" kern="1200" cap="none">
+                <a:ln>
+                  <a:noFill/>
+                </a:ln>
+                <a:highlight>
+                  <a:scrgbClr r="0" g="0" b="0">
+                    <a:alpha val="0"/>
+                  </a:scrgbClr>
+                </a:highlight>
+                <a:latin typeface="Liberation Sans" pitchFamily="18"/>
+              </a:defRPr>
+            </a:lvl1pPr>
+          </a:lstStyle>
+          <a:p>
+            <a:r>
+              <a:rPr lang="en-US">
+                <a:solidFill>
+                  <a:sysClr val="windowText" lastClr="000000"/>
+                </a:solidFill>
+              </a:rPr>
+              <a:t>Our Molecules implementation cont’d</a:t>
+            </a:r>
+            <a:endParaRPr lang="en-US" dirty="0">
+              <a:solidFill>
+                <a:sysClr val="windowText" lastClr="000000"/>
+              </a:solidFill>
+            </a:endParaRPr>
+          </a:p>
+        </p:txBody>
+      </p:sp>
+    </p:spTree>
+    <p:extLst>
+      <p:ext uri="{BB962C8B-B14F-4D97-AF65-F5344CB8AC3E}">
+        <p14:creationId xmlns:p14="http://schemas.microsoft.com/office/powerpoint/2010/main" val="2874890176"/>
+      </p:ext>
+    </p:extLst>
+  </p:cSld>
+  <p:clrMapOvr>
+    <a:masterClrMapping/>
+  </p:clrMapOvr>
+</p:sld>
+</file>
+
+<file path=ppt/slides/slide16.xml><?xml version="1.0" encoding="utf-8"?>
+<p:sld xmlns:a="http://schemas.openxmlformats.org/drawingml/2006/main" xmlns:r="http://schemas.openxmlformats.org/officeDocument/2006/relationships" xmlns:p="http://schemas.openxmlformats.org/presentationml/2006/main">
+  <p:cSld>
+    <p:spTree>
+      <p:nvGrpSpPr>
+        <p:cNvPr id="1" name=""/>
+        <p:cNvGrpSpPr/>
+        <p:nvPr/>
+      </p:nvGrpSpPr>
+      <p:grpSpPr>
+        <a:xfrm>
+          <a:off x="0" y="0"/>
+          <a:ext cx="0" cy="0"/>
+          <a:chOff x="0" y="0"/>
+          <a:chExt cx="0" cy="0"/>
+        </a:xfrm>
+      </p:grpSpPr>
+      <p:sp>
+        <p:nvSpPr>
           <p:cNvPr id="3" name="Textplatzhalter 2">
             <a:extLst>
               <a:ext uri="{FF2B5EF4-FFF2-40B4-BE49-F238E27FC236}">
@@ -6756,6 +7482,594 @@
 
 <file path=ppt/slides/slide2.xml><?xml version="1.0" encoding="utf-8"?>
 <p:sld xmlns:a="http://schemas.openxmlformats.org/drawingml/2006/main" xmlns:r="http://schemas.openxmlformats.org/officeDocument/2006/relationships" xmlns:p="http://schemas.openxmlformats.org/presentationml/2006/main">
+  <p:cSld>
+    <p:spTree>
+      <p:nvGrpSpPr>
+        <p:cNvPr id="1" name=""/>
+        <p:cNvGrpSpPr/>
+        <p:nvPr/>
+      </p:nvGrpSpPr>
+      <p:grpSpPr>
+        <a:xfrm>
+          <a:off x="0" y="0"/>
+          <a:ext cx="0" cy="0"/>
+          <a:chOff x="0" y="0"/>
+          <a:chExt cx="0" cy="0"/>
+        </a:xfrm>
+      </p:grpSpPr>
+      <p:sp>
+        <p:nvSpPr>
+          <p:cNvPr id="2" name="Titel 1">
+            <a:extLst>
+              <a:ext uri="{FF2B5EF4-FFF2-40B4-BE49-F238E27FC236}">
+                <a16:creationId xmlns:a16="http://schemas.microsoft.com/office/drawing/2014/main" id="{CC44A84B-A8EE-4808-84E4-0ABB51E2D5AB}"/>
+              </a:ext>
+            </a:extLst>
+          </p:cNvPr>
+          <p:cNvSpPr txBox="1">
+            <a:spLocks noGrp="1"/>
+          </p:cNvSpPr>
+          <p:nvPr>
+            <p:ph type="title" idx="4294967295"/>
+          </p:nvPr>
+        </p:nvSpPr>
+        <p:spPr/>
+        <p:txBody>
+          <a:bodyPr/>
+          <a:lstStyle/>
+          <a:p>
+            <a:pPr lvl="0"/>
+            <a:r>
+              <a:rPr lang="en-US" dirty="0"/>
+              <a:t>Part 1: Review</a:t>
+            </a:r>
+          </a:p>
+        </p:txBody>
+      </p:sp>
+      <p:sp>
+        <p:nvSpPr>
+          <p:cNvPr id="3" name="Textplatzhalter 2">
+            <a:extLst>
+              <a:ext uri="{FF2B5EF4-FFF2-40B4-BE49-F238E27FC236}">
+                <a16:creationId xmlns:a16="http://schemas.microsoft.com/office/drawing/2014/main" id="{53DEC8A0-C278-4ECC-AC9D-29E8286C2B63}"/>
+              </a:ext>
+            </a:extLst>
+          </p:cNvPr>
+          <p:cNvSpPr txBox="1">
+            <a:spLocks noGrp="1"/>
+          </p:cNvSpPr>
+          <p:nvPr>
+            <p:ph type="body" idx="4294967295"/>
+          </p:nvPr>
+        </p:nvSpPr>
+        <p:spPr/>
+        <p:txBody>
+          <a:bodyPr/>
+          <a:lstStyle/>
+          <a:p>
+            <a:pPr marL="457200" indent="-457200">
+              <a:buFontTx/>
+              <a:buChar char="-"/>
+            </a:pPr>
+            <a:r>
+              <a:rPr lang="en-US" dirty="0"/>
+              <a:t>Team organization</a:t>
+            </a:r>
+          </a:p>
+          <a:p>
+            <a:pPr marL="1143000" lvl="1" indent="-457200">
+              <a:buFontTx/>
+              <a:buChar char="-"/>
+            </a:pPr>
+            <a:r>
+              <a:rPr lang="de-CH" dirty="0"/>
+              <a:t>Large </a:t>
+            </a:r>
+            <a:r>
+              <a:rPr lang="de-CH" dirty="0" err="1"/>
+              <a:t>teams</a:t>
+            </a:r>
+            <a:r>
+              <a:rPr lang="de-CH" dirty="0"/>
+              <a:t> </a:t>
+            </a:r>
+            <a:r>
+              <a:rPr lang="de-CH" dirty="0" err="1"/>
+              <a:t>cause</a:t>
+            </a:r>
+            <a:r>
+              <a:rPr lang="de-CH" dirty="0"/>
+              <a:t> </a:t>
+            </a:r>
+            <a:r>
+              <a:rPr lang="de-CH" dirty="0" err="1"/>
+              <a:t>management</a:t>
+            </a:r>
+            <a:r>
+              <a:rPr lang="de-CH" dirty="0"/>
+              <a:t> </a:t>
+            </a:r>
+            <a:r>
+              <a:rPr lang="de-CH" dirty="0" err="1"/>
+              <a:t>overhead</a:t>
+            </a:r>
+            <a:r>
+              <a:rPr lang="de-CH" dirty="0"/>
+              <a:t> and </a:t>
+            </a:r>
+            <a:r>
+              <a:rPr lang="de-CH" dirty="0" err="1"/>
+              <a:t>issues</a:t>
+            </a:r>
+            <a:endParaRPr lang="de-CH" dirty="0"/>
+          </a:p>
+          <a:p>
+            <a:pPr marL="1143000" lvl="1" indent="-457200">
+              <a:buFontTx/>
+              <a:buChar char="-"/>
+            </a:pPr>
+            <a:r>
+              <a:rPr lang="de-CH" dirty="0"/>
+              <a:t>initiative </a:t>
+            </a:r>
+            <a:r>
+              <a:rPr lang="de-CH" dirty="0" err="1"/>
+              <a:t>of</a:t>
+            </a:r>
+            <a:r>
+              <a:rPr lang="de-CH" dirty="0"/>
+              <a:t> </a:t>
+            </a:r>
+            <a:r>
+              <a:rPr lang="de-CH" dirty="0" err="1"/>
+              <a:t>one</a:t>
+            </a:r>
+            <a:r>
+              <a:rPr lang="de-CH" dirty="0"/>
+              <a:t> </a:t>
+            </a:r>
+            <a:r>
+              <a:rPr lang="de-CH" dirty="0" err="1"/>
+              <a:t>makes</a:t>
+            </a:r>
+            <a:r>
+              <a:rPr lang="de-CH" dirty="0"/>
+              <a:t> </a:t>
+            </a:r>
+            <a:r>
+              <a:rPr lang="de-CH" dirty="0" err="1"/>
+              <a:t>it</a:t>
+            </a:r>
+            <a:r>
+              <a:rPr lang="de-CH" dirty="0"/>
+              <a:t> </a:t>
+            </a:r>
+            <a:r>
+              <a:rPr lang="de-CH" dirty="0" err="1"/>
+              <a:t>diffcult</a:t>
+            </a:r>
+            <a:r>
+              <a:rPr lang="de-CH" dirty="0"/>
+              <a:t> </a:t>
+            </a:r>
+            <a:r>
+              <a:rPr lang="de-CH" dirty="0" err="1"/>
+              <a:t>for</a:t>
+            </a:r>
+            <a:r>
+              <a:rPr lang="de-CH" dirty="0"/>
+              <a:t> </a:t>
+            </a:r>
+            <a:r>
+              <a:rPr lang="de-CH" dirty="0" err="1"/>
+              <a:t>rest</a:t>
+            </a:r>
+            <a:r>
+              <a:rPr lang="de-CH" dirty="0"/>
+              <a:t> </a:t>
+            </a:r>
+            <a:r>
+              <a:rPr lang="de-CH" dirty="0" err="1"/>
+              <a:t>to</a:t>
+            </a:r>
+            <a:r>
+              <a:rPr lang="de-CH" dirty="0"/>
+              <a:t> catch </a:t>
+            </a:r>
+            <a:r>
+              <a:rPr lang="de-CH" dirty="0" err="1"/>
+              <a:t>up</a:t>
+            </a:r>
+            <a:endParaRPr lang="de-CH" dirty="0"/>
+          </a:p>
+          <a:p>
+            <a:pPr lvl="1" indent="0">
+              <a:buNone/>
+            </a:pPr>
+            <a:endParaRPr lang="de-CH" dirty="0"/>
+          </a:p>
+          <a:p>
+            <a:pPr lvl="1" indent="0">
+              <a:buNone/>
+            </a:pPr>
+            <a:endParaRPr lang="de-CH" dirty="0"/>
+          </a:p>
+          <a:p>
+            <a:pPr marL="457200" indent="-457200">
+              <a:buFontTx/>
+              <a:buChar char="-"/>
+            </a:pPr>
+            <a:r>
+              <a:rPr lang="de-CH" dirty="0"/>
+              <a:t>Software </a:t>
+            </a:r>
+            <a:r>
+              <a:rPr lang="de-CH" dirty="0" err="1"/>
+              <a:t>organization</a:t>
+            </a:r>
+            <a:endParaRPr lang="de-CH" dirty="0"/>
+          </a:p>
+          <a:p>
+            <a:pPr marL="1143000" lvl="1" indent="-457200">
+              <a:buFontTx/>
+              <a:buChar char="-"/>
+            </a:pPr>
+            <a:r>
+              <a:rPr lang="de-CH" dirty="0" err="1"/>
+              <a:t>Git</a:t>
+            </a:r>
+            <a:endParaRPr lang="de-CH" dirty="0"/>
+          </a:p>
+        </p:txBody>
+      </p:sp>
+    </p:spTree>
+    <p:extLst>
+      <p:ext uri="{BB962C8B-B14F-4D97-AF65-F5344CB8AC3E}">
+        <p14:creationId xmlns:p14="http://schemas.microsoft.com/office/powerpoint/2010/main" val="418401996"/>
+      </p:ext>
+    </p:extLst>
+  </p:cSld>
+  <p:clrMapOvr>
+    <a:masterClrMapping/>
+  </p:clrMapOvr>
+</p:sld>
+</file>
+
+<file path=ppt/slides/slide3.xml><?xml version="1.0" encoding="utf-8"?>
+<p:sld xmlns:a="http://schemas.openxmlformats.org/drawingml/2006/main" xmlns:r="http://schemas.openxmlformats.org/officeDocument/2006/relationships" xmlns:p="http://schemas.openxmlformats.org/presentationml/2006/main">
+  <p:cSld>
+    <p:spTree>
+      <p:nvGrpSpPr>
+        <p:cNvPr id="1" name=""/>
+        <p:cNvGrpSpPr/>
+        <p:nvPr/>
+      </p:nvGrpSpPr>
+      <p:grpSpPr>
+        <a:xfrm>
+          <a:off x="0" y="0"/>
+          <a:ext cx="0" cy="0"/>
+          <a:chOff x="0" y="0"/>
+          <a:chExt cx="0" cy="0"/>
+        </a:xfrm>
+      </p:grpSpPr>
+      <p:sp>
+        <p:nvSpPr>
+          <p:cNvPr id="2" name="Titel 1">
+            <a:extLst>
+              <a:ext uri="{FF2B5EF4-FFF2-40B4-BE49-F238E27FC236}">
+                <a16:creationId xmlns:a16="http://schemas.microsoft.com/office/drawing/2014/main" id="{CC44A84B-A8EE-4808-84E4-0ABB51E2D5AB}"/>
+              </a:ext>
+            </a:extLst>
+          </p:cNvPr>
+          <p:cNvSpPr txBox="1">
+            <a:spLocks noGrp="1"/>
+          </p:cNvSpPr>
+          <p:nvPr>
+            <p:ph type="title" idx="4294967295"/>
+          </p:nvPr>
+        </p:nvSpPr>
+        <p:spPr/>
+        <p:txBody>
+          <a:bodyPr/>
+          <a:lstStyle/>
+          <a:p>
+            <a:pPr lvl="0"/>
+            <a:r>
+              <a:rPr lang="en-US" dirty="0"/>
+              <a:t>Part 1: Review </a:t>
+            </a:r>
+          </a:p>
+        </p:txBody>
+      </p:sp>
+      <p:sp>
+        <p:nvSpPr>
+          <p:cNvPr id="3" name="Textplatzhalter 2">
+            <a:extLst>
+              <a:ext uri="{FF2B5EF4-FFF2-40B4-BE49-F238E27FC236}">
+                <a16:creationId xmlns:a16="http://schemas.microsoft.com/office/drawing/2014/main" id="{53DEC8A0-C278-4ECC-AC9D-29E8286C2B63}"/>
+              </a:ext>
+            </a:extLst>
+          </p:cNvPr>
+          <p:cNvSpPr txBox="1">
+            <a:spLocks noGrp="1"/>
+          </p:cNvSpPr>
+          <p:nvPr>
+            <p:ph type="body" idx="4294967295"/>
+          </p:nvPr>
+        </p:nvSpPr>
+        <p:spPr>
+          <a:xfrm>
+            <a:off x="518287" y="1811902"/>
+            <a:ext cx="9071640" cy="4384440"/>
+          </a:xfrm>
+        </p:spPr>
+        <p:txBody>
+          <a:bodyPr/>
+          <a:lstStyle/>
+          <a:p>
+            <a:pPr marL="457200" indent="-457200">
+              <a:buFontTx/>
+              <a:buChar char="-"/>
+            </a:pPr>
+            <a:r>
+              <a:rPr lang="en-US" dirty="0"/>
+              <a:t>Lessons learned</a:t>
+            </a:r>
+          </a:p>
+          <a:p>
+            <a:pPr marL="1143000" lvl="1" indent="-457200">
+              <a:buFontTx/>
+              <a:buChar char="-"/>
+            </a:pPr>
+            <a:r>
+              <a:rPr lang="de-CH" dirty="0" err="1"/>
+              <a:t>Should</a:t>
+            </a:r>
+            <a:r>
+              <a:rPr lang="de-CH" dirty="0"/>
+              <a:t> do a </a:t>
+            </a:r>
+            <a:r>
+              <a:rPr lang="de-CH" dirty="0" err="1"/>
+              <a:t>session</a:t>
+            </a:r>
+            <a:r>
+              <a:rPr lang="de-CH" dirty="0"/>
+              <a:t> 0</a:t>
+            </a:r>
+          </a:p>
+          <a:p>
+            <a:pPr marL="1143000" lvl="1" indent="-457200">
+              <a:buFontTx/>
+              <a:buChar char="-"/>
+            </a:pPr>
+            <a:r>
+              <a:rPr lang="de-CH" dirty="0" err="1"/>
+              <a:t>make</a:t>
+            </a:r>
+            <a:r>
+              <a:rPr lang="de-CH" dirty="0"/>
+              <a:t> </a:t>
+            </a:r>
+            <a:r>
+              <a:rPr lang="de-CH" dirty="0" err="1"/>
+              <a:t>teams</a:t>
+            </a:r>
+            <a:r>
+              <a:rPr lang="de-CH" dirty="0"/>
+              <a:t> </a:t>
+            </a:r>
+            <a:r>
+              <a:rPr lang="de-CH" dirty="0" err="1"/>
+              <a:t>smaller</a:t>
+            </a:r>
+            <a:endParaRPr lang="de-CH" dirty="0"/>
+          </a:p>
+          <a:p>
+            <a:pPr marL="1143000" lvl="1" indent="-457200">
+              <a:buFontTx/>
+              <a:buChar char="-"/>
+            </a:pPr>
+            <a:r>
+              <a:rPr lang="de-CH" dirty="0" err="1"/>
+              <a:t>Using</a:t>
+            </a:r>
+            <a:r>
+              <a:rPr lang="de-CH" dirty="0"/>
+              <a:t> </a:t>
+            </a:r>
+            <a:r>
+              <a:rPr lang="de-CH" dirty="0" err="1"/>
+              <a:t>libraries</a:t>
+            </a:r>
+            <a:r>
+              <a:rPr lang="de-CH" dirty="0"/>
+              <a:t> </a:t>
+            </a:r>
+            <a:r>
+              <a:rPr lang="de-CH" dirty="0" err="1"/>
+              <a:t>makes</a:t>
+            </a:r>
+            <a:r>
+              <a:rPr lang="de-CH" dirty="0"/>
+              <a:t> </a:t>
+            </a:r>
+            <a:r>
+              <a:rPr lang="de-CH" dirty="0" err="1"/>
+              <a:t>things</a:t>
+            </a:r>
+            <a:r>
+              <a:rPr lang="de-CH" dirty="0"/>
+              <a:t> </a:t>
+            </a:r>
+            <a:r>
+              <a:rPr lang="de-CH" dirty="0" err="1"/>
+              <a:t>too</a:t>
+            </a:r>
+            <a:r>
+              <a:rPr lang="de-CH" dirty="0"/>
+              <a:t> easy</a:t>
+            </a:r>
+          </a:p>
+          <a:p>
+            <a:pPr marL="1143000" lvl="1" indent="-457200">
+              <a:buFontTx/>
+              <a:buChar char="-"/>
+            </a:pPr>
+            <a:endParaRPr lang="de-CH" dirty="0"/>
+          </a:p>
+        </p:txBody>
+      </p:sp>
+    </p:spTree>
+    <p:extLst>
+      <p:ext uri="{BB962C8B-B14F-4D97-AF65-F5344CB8AC3E}">
+        <p14:creationId xmlns:p14="http://schemas.microsoft.com/office/powerpoint/2010/main" val="3625749036"/>
+      </p:ext>
+    </p:extLst>
+  </p:cSld>
+  <p:clrMapOvr>
+    <a:masterClrMapping/>
+  </p:clrMapOvr>
+</p:sld>
+</file>
+
+<file path=ppt/slides/slide4.xml><?xml version="1.0" encoding="utf-8"?>
+<p:sld xmlns:a="http://schemas.openxmlformats.org/drawingml/2006/main" xmlns:r="http://schemas.openxmlformats.org/officeDocument/2006/relationships" xmlns:p="http://schemas.openxmlformats.org/presentationml/2006/main">
+  <p:cSld name="page1">
+    <p:spTree>
+      <p:nvGrpSpPr>
+        <p:cNvPr id="1" name=""/>
+        <p:cNvGrpSpPr/>
+        <p:nvPr/>
+      </p:nvGrpSpPr>
+      <p:grpSpPr>
+        <a:xfrm>
+          <a:off x="0" y="0"/>
+          <a:ext cx="0" cy="0"/>
+          <a:chOff x="0" y="0"/>
+          <a:chExt cx="0" cy="0"/>
+        </a:xfrm>
+      </p:grpSpPr>
+      <p:sp>
+        <p:nvSpPr>
+          <p:cNvPr id="2" name="Titel 1">
+            <a:extLst>
+              <a:ext uri="{FF2B5EF4-FFF2-40B4-BE49-F238E27FC236}">
+                <a16:creationId xmlns:a16="http://schemas.microsoft.com/office/drawing/2014/main" id="{8D7B2864-D7EB-4CD9-8300-C8935D3ED95A}"/>
+              </a:ext>
+            </a:extLst>
+          </p:cNvPr>
+          <p:cNvSpPr txBox="1">
+            <a:spLocks noGrp="1"/>
+          </p:cNvSpPr>
+          <p:nvPr>
+            <p:ph type="title" idx="4294967295"/>
+          </p:nvPr>
+        </p:nvSpPr>
+        <p:spPr/>
+        <p:txBody>
+          <a:bodyPr/>
+          <a:lstStyle/>
+          <a:p>
+            <a:pPr lvl="0"/>
+            <a:r>
+              <a:rPr lang="de-CH" dirty="0"/>
+              <a:t>Part 2: </a:t>
+            </a:r>
+            <a:r>
+              <a:rPr lang="de-CH" dirty="0" err="1"/>
+              <a:t>Molecules</a:t>
+            </a:r>
+            <a:endParaRPr lang="en-US" dirty="0"/>
+          </a:p>
+        </p:txBody>
+      </p:sp>
+      <p:sp>
+        <p:nvSpPr>
+          <p:cNvPr id="8" name="Textfeld 7">
+            <a:extLst>
+              <a:ext uri="{FF2B5EF4-FFF2-40B4-BE49-F238E27FC236}">
+                <a16:creationId xmlns:a16="http://schemas.microsoft.com/office/drawing/2014/main" id="{788A512D-AA8C-465A-AF2D-9B11685BBE55}"/>
+              </a:ext>
+            </a:extLst>
+          </p:cNvPr>
+          <p:cNvSpPr txBox="1"/>
+          <p:nvPr/>
+        </p:nvSpPr>
+        <p:spPr>
+          <a:xfrm>
+            <a:off x="3800479" y="6372215"/>
+            <a:ext cx="3918060" cy="246221"/>
+          </a:xfrm>
+          <a:prstGeom prst="rect">
+            <a:avLst/>
+          </a:prstGeom>
+          <a:noFill/>
+        </p:spPr>
+        <p:txBody>
+          <a:bodyPr wrap="none" rtlCol="0">
+            <a:spAutoFit/>
+          </a:bodyPr>
+          <a:lstStyle/>
+          <a:p>
+            <a:r>
+              <a:rPr lang="de-CH" sz="1000" dirty="0" err="1"/>
+              <a:t>Src</a:t>
+            </a:r>
+            <a:r>
+              <a:rPr lang="de-CH" sz="1000" dirty="0"/>
+              <a:t>: https://courses.lumenlearning.com/introchem/chapter/molecules/</a:t>
+            </a:r>
+            <a:endParaRPr lang="en-US" sz="1000" dirty="0"/>
+          </a:p>
+        </p:txBody>
+      </p:sp>
+      <p:pic>
+        <p:nvPicPr>
+          <p:cNvPr id="4" name="Grafik 3">
+            <a:extLst>
+              <a:ext uri="{FF2B5EF4-FFF2-40B4-BE49-F238E27FC236}">
+                <a16:creationId xmlns:a16="http://schemas.microsoft.com/office/drawing/2014/main" id="{D134D2A4-5161-43EB-8CF7-C1D2E0658F9F}"/>
+              </a:ext>
+            </a:extLst>
+          </p:cNvPr>
+          <p:cNvPicPr>
+            <a:picLocks noChangeAspect="1"/>
+          </p:cNvPicPr>
+          <p:nvPr/>
+        </p:nvPicPr>
+        <p:blipFill>
+          <a:blip r:embed="rId3">
+            <a:extLst>
+              <a:ext uri="{28A0092B-C50C-407E-A947-70E740481C1C}">
+                <a14:useLocalDpi xmlns:a14="http://schemas.microsoft.com/office/drawing/2010/main" val="0"/>
+              </a:ext>
+            </a:extLst>
+          </a:blip>
+          <a:stretch>
+            <a:fillRect/>
+          </a:stretch>
+        </p:blipFill>
+        <p:spPr>
+          <a:xfrm>
+            <a:off x="2800350" y="2277856"/>
+            <a:ext cx="4792662" cy="4094907"/>
+          </a:xfrm>
+          <a:prstGeom prst="rect">
+            <a:avLst/>
+          </a:prstGeom>
+        </p:spPr>
+      </p:pic>
+    </p:spTree>
+  </p:cSld>
+  <p:clrMapOvr>
+    <a:masterClrMapping/>
+  </p:clrMapOvr>
+</p:sld>
+</file>
+
+<file path=ppt/slides/slide5.xml><?xml version="1.0" encoding="utf-8"?>
+<p:sld xmlns:a="http://schemas.openxmlformats.org/drawingml/2006/main" xmlns:r="http://schemas.openxmlformats.org/officeDocument/2006/relationships" xmlns:p="http://schemas.openxmlformats.org/presentationml/2006/main">
   <p:cSld name="page2">
     <p:spTree>
       <p:nvGrpSpPr>
@@ -6907,7 +8221,7 @@
 </p:sld>
 </file>
 
-<file path=ppt/slides/slide3.xml><?xml version="1.0" encoding="utf-8"?>
+<file path=ppt/slides/slide6.xml><?xml version="1.0" encoding="utf-8"?>
 <p:sld xmlns:a="http://schemas.openxmlformats.org/drawingml/2006/main" xmlns:r="http://schemas.openxmlformats.org/officeDocument/2006/relationships" xmlns:p="http://schemas.openxmlformats.org/presentationml/2006/main">
   <p:cSld>
     <p:spTree>
@@ -7078,7 +8392,7 @@
 </p:sld>
 </file>
 
-<file path=ppt/slides/slide4.xml><?xml version="1.0" encoding="utf-8"?>
+<file path=ppt/slides/slide7.xml><?xml version="1.0" encoding="utf-8"?>
 <p:sld xmlns:a="http://schemas.openxmlformats.org/drawingml/2006/main" xmlns:r="http://schemas.openxmlformats.org/officeDocument/2006/relationships" xmlns:p="http://schemas.openxmlformats.org/presentationml/2006/main">
   <p:cSld>
     <p:spTree>
@@ -7377,7 +8691,7 @@
 </p:sld>
 </file>
 
-<file path=ppt/slides/slide5.xml><?xml version="1.0" encoding="utf-8"?>
+<file path=ppt/slides/slide8.xml><?xml version="1.0" encoding="utf-8"?>
 <p:sld xmlns:a="http://schemas.openxmlformats.org/drawingml/2006/main" xmlns:r="http://schemas.openxmlformats.org/officeDocument/2006/relationships" xmlns:p="http://schemas.openxmlformats.org/presentationml/2006/main">
   <p:cSld>
     <p:spTree>
@@ -7655,7 +8969,7 @@
 </p:sld>
 </file>
 
-<file path=ppt/slides/slide6.xml><?xml version="1.0" encoding="utf-8"?>
+<file path=ppt/slides/slide9.xml><?xml version="1.0" encoding="utf-8"?>
 <p:sld xmlns:a="http://schemas.openxmlformats.org/drawingml/2006/main" xmlns:r="http://schemas.openxmlformats.org/officeDocument/2006/relationships" xmlns:p="http://schemas.openxmlformats.org/presentationml/2006/main">
   <p:cSld>
     <p:spTree>
@@ -7773,711 +9087,6 @@
     <p:extLst>
       <p:ext uri="{BB962C8B-B14F-4D97-AF65-F5344CB8AC3E}">
         <p14:creationId xmlns:p14="http://schemas.microsoft.com/office/powerpoint/2010/main" val="4162890699"/>
-      </p:ext>
-    </p:extLst>
-  </p:cSld>
-  <p:clrMapOvr>
-    <a:masterClrMapping/>
-  </p:clrMapOvr>
-</p:sld>
-</file>
-
-<file path=ppt/slides/slide7.xml><?xml version="1.0" encoding="utf-8"?>
-<p:sld xmlns:a="http://schemas.openxmlformats.org/drawingml/2006/main" xmlns:r="http://schemas.openxmlformats.org/officeDocument/2006/relationships" xmlns:p="http://schemas.openxmlformats.org/presentationml/2006/main">
-  <p:cSld>
-    <p:spTree>
-      <p:nvGrpSpPr>
-        <p:cNvPr id="1" name=""/>
-        <p:cNvGrpSpPr/>
-        <p:nvPr/>
-      </p:nvGrpSpPr>
-      <p:grpSpPr>
-        <a:xfrm>
-          <a:off x="0" y="0"/>
-          <a:ext cx="0" cy="0"/>
-          <a:chOff x="0" y="0"/>
-          <a:chExt cx="0" cy="0"/>
-        </a:xfrm>
-      </p:grpSpPr>
-      <p:sp>
-        <p:nvSpPr>
-          <p:cNvPr id="3" name="Textplatzhalter 2">
-            <a:extLst>
-              <a:ext uri="{FF2B5EF4-FFF2-40B4-BE49-F238E27FC236}">
-                <a16:creationId xmlns:a16="http://schemas.microsoft.com/office/drawing/2014/main" id="{B46C215E-DCC1-4BE4-A754-094902847F75}"/>
-              </a:ext>
-            </a:extLst>
-          </p:cNvPr>
-          <p:cNvSpPr txBox="1">
-            <a:spLocks noGrp="1"/>
-          </p:cNvSpPr>
-          <p:nvPr>
-            <p:ph type="body" idx="4294967295"/>
-          </p:nvPr>
-        </p:nvSpPr>
-        <p:spPr/>
-        <p:txBody>
-          <a:bodyPr/>
-          <a:lstStyle/>
-          <a:p>
-            <a:pPr marL="457200" indent="-457200">
-              <a:buFontTx/>
-              <a:buChar char="-"/>
-            </a:pPr>
-            <a:r>
-              <a:rPr lang="en-US" dirty="0"/>
-              <a:t>cost matrix, straightforward:</a:t>
-            </a:r>
-            <a:endParaRPr lang="de-CH" dirty="0"/>
-          </a:p>
-          <a:p>
-            <a:endParaRPr lang="en-US" dirty="0"/>
-          </a:p>
-        </p:txBody>
-      </p:sp>
-      <p:pic>
-        <p:nvPicPr>
-          <p:cNvPr id="4" name="Grafik 3">
-            <a:extLst>
-              <a:ext uri="{FF2B5EF4-FFF2-40B4-BE49-F238E27FC236}">
-                <a16:creationId xmlns:a16="http://schemas.microsoft.com/office/drawing/2014/main" id="{3879D022-DEB0-4463-AD41-282C9CA666B8}"/>
-              </a:ext>
-            </a:extLst>
-          </p:cNvPr>
-          <p:cNvPicPr>
-            <a:picLocks noChangeAspect="1"/>
-          </p:cNvPicPr>
-          <p:nvPr/>
-        </p:nvPicPr>
-        <p:blipFill>
-          <a:blip r:embed="rId3"/>
-          <a:stretch>
-            <a:fillRect/>
-          </a:stretch>
-        </p:blipFill>
-        <p:spPr>
-          <a:xfrm>
-            <a:off x="1644103" y="2377970"/>
-            <a:ext cx="6792418" cy="5014810"/>
-          </a:xfrm>
-          <a:prstGeom prst="rect">
-            <a:avLst/>
-          </a:prstGeom>
-        </p:spPr>
-      </p:pic>
-      <p:sp>
-        <p:nvSpPr>
-          <p:cNvPr id="6" name="Titel 1">
-            <a:extLst>
-              <a:ext uri="{FF2B5EF4-FFF2-40B4-BE49-F238E27FC236}">
-                <a16:creationId xmlns:a16="http://schemas.microsoft.com/office/drawing/2014/main" id="{AB65CC32-F8BA-498A-8502-FCFCB05BDD7B}"/>
-              </a:ext>
-            </a:extLst>
-          </p:cNvPr>
-          <p:cNvSpPr txBox="1">
-            <a:spLocks/>
-          </p:cNvSpPr>
-          <p:nvPr/>
-        </p:nvSpPr>
-        <p:spPr>
-          <a:xfrm>
-            <a:off x="503999" y="301320"/>
-            <a:ext cx="9240076" cy="1262160"/>
-          </a:xfrm>
-          <a:prstGeom prst="rect">
-            <a:avLst/>
-          </a:prstGeom>
-          <a:noFill/>
-          <a:ln>
-            <a:noFill/>
-          </a:ln>
-        </p:spPr>
-        <p:txBody>
-          <a:bodyPr lIns="0" tIns="0" rIns="0" bIns="0" anchor="ctr"/>
-          <a:lstStyle>
-            <a:lvl1pPr algn="ctr" rtl="0" hangingPunct="0">
-              <a:tabLst/>
-              <a:defRPr lang="en-US" sz="4400" b="0" i="0" u="none" strike="noStrike" kern="1200" cap="none">
-                <a:ln>
-                  <a:noFill/>
-                </a:ln>
-                <a:highlight>
-                  <a:scrgbClr r="0" g="0" b="0">
-                    <a:alpha val="0"/>
-                  </a:scrgbClr>
-                </a:highlight>
-                <a:latin typeface="Liberation Sans" pitchFamily="18"/>
-              </a:defRPr>
-            </a:lvl1pPr>
-          </a:lstStyle>
-          <a:p>
-            <a:endParaRPr lang="en-US" dirty="0">
-              <a:solidFill>
-                <a:sysClr val="windowText" lastClr="000000"/>
-              </a:solidFill>
-            </a:endParaRPr>
-          </a:p>
-        </p:txBody>
-      </p:sp>
-    </p:spTree>
-    <p:extLst>
-      <p:ext uri="{BB962C8B-B14F-4D97-AF65-F5344CB8AC3E}">
-        <p14:creationId xmlns:p14="http://schemas.microsoft.com/office/powerpoint/2010/main" val="647521154"/>
-      </p:ext>
-    </p:extLst>
-  </p:cSld>
-  <p:clrMapOvr>
-    <a:masterClrMapping/>
-  </p:clrMapOvr>
-</p:sld>
-</file>
-
-<file path=ppt/slides/slide8.xml><?xml version="1.0" encoding="utf-8"?>
-<p:sld xmlns:a="http://schemas.openxmlformats.org/drawingml/2006/main" xmlns:r="http://schemas.openxmlformats.org/officeDocument/2006/relationships" xmlns:p="http://schemas.openxmlformats.org/presentationml/2006/main">
-  <p:cSld>
-    <p:spTree>
-      <p:nvGrpSpPr>
-        <p:cNvPr id="1" name=""/>
-        <p:cNvGrpSpPr/>
-        <p:nvPr/>
-      </p:nvGrpSpPr>
-      <p:grpSpPr>
-        <a:xfrm>
-          <a:off x="0" y="0"/>
-          <a:ext cx="0" cy="0"/>
-          <a:chOff x="0" y="0"/>
-          <a:chExt cx="0" cy="0"/>
-        </a:xfrm>
-      </p:grpSpPr>
-      <p:sp>
-        <p:nvSpPr>
-          <p:cNvPr id="3" name="Textplatzhalter 2">
-            <a:extLst>
-              <a:ext uri="{FF2B5EF4-FFF2-40B4-BE49-F238E27FC236}">
-                <a16:creationId xmlns:a16="http://schemas.microsoft.com/office/drawing/2014/main" id="{B46C215E-DCC1-4BE4-A754-094902847F75}"/>
-              </a:ext>
-            </a:extLst>
-          </p:cNvPr>
-          <p:cNvSpPr txBox="1">
-            <a:spLocks noGrp="1"/>
-          </p:cNvSpPr>
-          <p:nvPr>
-            <p:ph type="body" idx="4294967295"/>
-          </p:nvPr>
-        </p:nvSpPr>
-        <p:spPr/>
-        <p:txBody>
-          <a:bodyPr/>
-          <a:lstStyle/>
-          <a:p>
-            <a:pPr marL="457200" indent="-457200">
-              <a:buFontTx/>
-              <a:buChar char="-"/>
-            </a:pPr>
-            <a:r>
-              <a:rPr lang="en-US" dirty="0"/>
-              <a:t>Results grid search #1:</a:t>
-            </a:r>
-          </a:p>
-          <a:p>
-            <a:pPr marL="1028700" lvl="1" indent="-342900">
-              <a:buFont typeface="Wingdings" panose="05000000000000000000" pitchFamily="2" charset="2"/>
-              <a:buChar char="à"/>
-            </a:pPr>
-            <a:r>
-              <a:rPr lang="de-CH" dirty="0" err="1">
-                <a:sym typeface="Wingdings" panose="05000000000000000000" pitchFamily="2" charset="2"/>
-              </a:rPr>
-              <a:t>Elapsed</a:t>
-            </a:r>
-            <a:r>
-              <a:rPr lang="de-CH" dirty="0">
-                <a:sym typeface="Wingdings" panose="05000000000000000000" pitchFamily="2" charset="2"/>
-              </a:rPr>
-              <a:t> time: </a:t>
-            </a:r>
-            <a:r>
-              <a:rPr lang="de-CH" dirty="0"/>
-              <a:t>62.3 </a:t>
-            </a:r>
-            <a:r>
-              <a:rPr lang="de-CH" dirty="0" err="1"/>
-              <a:t>minutes</a:t>
-            </a:r>
-            <a:endParaRPr lang="de-CH" dirty="0"/>
-          </a:p>
-          <a:p>
-            <a:pPr marL="1028700" lvl="1" indent="-342900">
-              <a:buFont typeface="Wingdings" panose="05000000000000000000" pitchFamily="2" charset="2"/>
-              <a:buChar char="à"/>
-            </a:pPr>
-            <a:r>
-              <a:rPr lang="de-CH" dirty="0" err="1"/>
-              <a:t>grid</a:t>
-            </a:r>
-            <a:r>
-              <a:rPr lang="de-CH" dirty="0"/>
-              <a:t> </a:t>
-            </a:r>
-            <a:r>
-              <a:rPr lang="de-CH" dirty="0" err="1"/>
-              <a:t>search</a:t>
-            </a:r>
-            <a:r>
-              <a:rPr lang="de-CH" dirty="0"/>
-              <a:t> </a:t>
-            </a:r>
-            <a:r>
-              <a:rPr lang="de-CH" dirty="0" err="1"/>
-              <a:t>output</a:t>
-            </a:r>
-            <a:r>
-              <a:rPr lang="de-CH" dirty="0"/>
-              <a:t>:</a:t>
-            </a:r>
-          </a:p>
-          <a:p>
-            <a:endParaRPr lang="en-US" dirty="0"/>
-          </a:p>
-        </p:txBody>
-      </p:sp>
-      <p:sp>
-        <p:nvSpPr>
-          <p:cNvPr id="7" name="Titel 1">
-            <a:extLst>
-              <a:ext uri="{FF2B5EF4-FFF2-40B4-BE49-F238E27FC236}">
-                <a16:creationId xmlns:a16="http://schemas.microsoft.com/office/drawing/2014/main" id="{751113A9-2E3E-4730-BB84-8AA40760EB63}"/>
-              </a:ext>
-            </a:extLst>
-          </p:cNvPr>
-          <p:cNvSpPr txBox="1">
-            <a:spLocks/>
-          </p:cNvSpPr>
-          <p:nvPr/>
-        </p:nvSpPr>
-        <p:spPr>
-          <a:xfrm>
-            <a:off x="503999" y="301320"/>
-            <a:ext cx="9240076" cy="1262160"/>
-          </a:xfrm>
-          <a:prstGeom prst="rect">
-            <a:avLst/>
-          </a:prstGeom>
-          <a:noFill/>
-          <a:ln>
-            <a:noFill/>
-          </a:ln>
-        </p:spPr>
-        <p:txBody>
-          <a:bodyPr lIns="0" tIns="0" rIns="0" bIns="0" anchor="ctr"/>
-          <a:lstStyle>
-            <a:lvl1pPr algn="ctr" rtl="0" hangingPunct="0">
-              <a:tabLst/>
-              <a:defRPr lang="en-US" sz="4400" b="0" i="0" u="none" strike="noStrike" kern="1200" cap="none">
-                <a:ln>
-                  <a:noFill/>
-                </a:ln>
-                <a:highlight>
-                  <a:scrgbClr r="0" g="0" b="0">
-                    <a:alpha val="0"/>
-                  </a:scrgbClr>
-                </a:highlight>
-                <a:latin typeface="Liberation Sans" pitchFamily="18"/>
-              </a:defRPr>
-            </a:lvl1pPr>
-          </a:lstStyle>
-          <a:p>
-            <a:endParaRPr lang="en-US" dirty="0">
-              <a:solidFill>
-                <a:sysClr val="windowText" lastClr="000000"/>
-              </a:solidFill>
-            </a:endParaRPr>
-          </a:p>
-        </p:txBody>
-      </p:sp>
-      <p:sp>
-        <p:nvSpPr>
-          <p:cNvPr id="8" name="Textfeld 7">
-            <a:extLst>
-              <a:ext uri="{FF2B5EF4-FFF2-40B4-BE49-F238E27FC236}">
-                <a16:creationId xmlns:a16="http://schemas.microsoft.com/office/drawing/2014/main" id="{7587F8B6-4D17-4BB3-9C81-AE9432D245CB}"/>
-              </a:ext>
-            </a:extLst>
-          </p:cNvPr>
-          <p:cNvSpPr txBox="1"/>
-          <p:nvPr/>
-        </p:nvSpPr>
-        <p:spPr>
-          <a:xfrm>
-            <a:off x="2318050" y="3271836"/>
-            <a:ext cx="5443537" cy="3170099"/>
-          </a:xfrm>
-          <a:prstGeom prst="rect">
-            <a:avLst/>
-          </a:prstGeom>
-          <a:solidFill>
-            <a:srgbClr val="FFC000"/>
-          </a:solidFill>
-        </p:spPr>
-        <p:txBody>
-          <a:bodyPr wrap="square" rtlCol="0">
-            <a:spAutoFit/>
-          </a:bodyPr>
-          <a:lstStyle/>
-          <a:p>
-            <a:r>
-              <a:rPr lang="pt-BR" sz="2000" b="1" dirty="0"/>
-              <a:t>k,c_n,c_e,acc</a:t>
-            </a:r>
-          </a:p>
-          <a:p>
-            <a:r>
-              <a:rPr lang="pt-BR" sz="2000" b="1" dirty="0"/>
-              <a:t>9,3.0,2.0,99.6</a:t>
-            </a:r>
-          </a:p>
-          <a:p>
-            <a:r>
-              <a:rPr lang="pt-BR" sz="2000" b="1" dirty="0"/>
-              <a:t>5,3.0,2.0,99.6</a:t>
-            </a:r>
-          </a:p>
-          <a:p>
-            <a:r>
-              <a:rPr lang="pt-BR" sz="2000" b="1" dirty="0"/>
-              <a:t>7,3.0,2.0,99.6</a:t>
-            </a:r>
-          </a:p>
-          <a:p>
-            <a:r>
-              <a:rPr lang="pt-BR" sz="2000" b="1" dirty="0"/>
-              <a:t>11,3.0,2.0,99.2</a:t>
-            </a:r>
-          </a:p>
-          <a:p>
-            <a:r>
-              <a:rPr lang="pt-BR" sz="2000" b="1" dirty="0"/>
-              <a:t>1,3.0,2.0,99.6</a:t>
-            </a:r>
-          </a:p>
-          <a:p>
-            <a:r>
-              <a:rPr lang="pt-BR" sz="2000" b="1" dirty="0"/>
-              <a:t>63,3.0,2.0,91.60000000000001</a:t>
-            </a:r>
-          </a:p>
-          <a:p>
-            <a:r>
-              <a:rPr lang="pt-BR" sz="2000" b="1" dirty="0"/>
-              <a:t>3,3.0,2.0,99.6</a:t>
-            </a:r>
-          </a:p>
-          <a:p>
-            <a:r>
-              <a:rPr lang="pt-BR" sz="2000" b="1" dirty="0"/>
-              <a:t>11,3.0,3.0,99.2</a:t>
-            </a:r>
-          </a:p>
-          <a:p>
-            <a:r>
-              <a:rPr lang="pt-BR" sz="2000" b="1" dirty="0"/>
-              <a:t>......</a:t>
-            </a:r>
-            <a:endParaRPr lang="en-US" sz="2000" b="1" dirty="0"/>
-          </a:p>
-        </p:txBody>
-      </p:sp>
-      <p:pic>
-        <p:nvPicPr>
-          <p:cNvPr id="5" name="Grafik 4">
-            <a:extLst>
-              <a:ext uri="{FF2B5EF4-FFF2-40B4-BE49-F238E27FC236}">
-                <a16:creationId xmlns:a16="http://schemas.microsoft.com/office/drawing/2014/main" id="{4A19BB53-DD67-4B2C-BB81-C74FB4D686DB}"/>
-              </a:ext>
-            </a:extLst>
-          </p:cNvPr>
-          <p:cNvPicPr>
-            <a:picLocks noChangeAspect="1"/>
-          </p:cNvPicPr>
-          <p:nvPr/>
-        </p:nvPicPr>
-        <p:blipFill>
-          <a:blip r:embed="rId3"/>
-          <a:stretch>
-            <a:fillRect/>
-          </a:stretch>
-        </p:blipFill>
-        <p:spPr>
-          <a:xfrm>
-            <a:off x="3109499" y="6717180"/>
-            <a:ext cx="4029075" cy="390525"/>
-          </a:xfrm>
-          <a:prstGeom prst="rect">
-            <a:avLst/>
-          </a:prstGeom>
-        </p:spPr>
-      </p:pic>
-    </p:spTree>
-    <p:extLst>
-      <p:ext uri="{BB962C8B-B14F-4D97-AF65-F5344CB8AC3E}">
-        <p14:creationId xmlns:p14="http://schemas.microsoft.com/office/powerpoint/2010/main" val="2960438446"/>
-      </p:ext>
-    </p:extLst>
-  </p:cSld>
-  <p:clrMapOvr>
-    <a:masterClrMapping/>
-  </p:clrMapOvr>
-</p:sld>
-</file>
-
-<file path=ppt/slides/slide9.xml><?xml version="1.0" encoding="utf-8"?>
-<p:sld xmlns:a="http://schemas.openxmlformats.org/drawingml/2006/main" xmlns:r="http://schemas.openxmlformats.org/officeDocument/2006/relationships" xmlns:p="http://schemas.openxmlformats.org/presentationml/2006/main">
-  <p:cSld>
-    <p:spTree>
-      <p:nvGrpSpPr>
-        <p:cNvPr id="1" name=""/>
-        <p:cNvGrpSpPr/>
-        <p:nvPr/>
-      </p:nvGrpSpPr>
-      <p:grpSpPr>
-        <a:xfrm>
-          <a:off x="0" y="0"/>
-          <a:ext cx="0" cy="0"/>
-          <a:chOff x="0" y="0"/>
-          <a:chExt cx="0" cy="0"/>
-        </a:xfrm>
-      </p:grpSpPr>
-      <p:sp>
-        <p:nvSpPr>
-          <p:cNvPr id="3" name="Textplatzhalter 2">
-            <a:extLst>
-              <a:ext uri="{FF2B5EF4-FFF2-40B4-BE49-F238E27FC236}">
-                <a16:creationId xmlns:a16="http://schemas.microsoft.com/office/drawing/2014/main" id="{B46C215E-DCC1-4BE4-A754-094902847F75}"/>
-              </a:ext>
-            </a:extLst>
-          </p:cNvPr>
-          <p:cNvSpPr txBox="1">
-            <a:spLocks noGrp="1"/>
-          </p:cNvSpPr>
-          <p:nvPr>
-            <p:ph type="body" idx="4294967295"/>
-          </p:nvPr>
-        </p:nvSpPr>
-        <p:spPr/>
-        <p:txBody>
-          <a:bodyPr/>
-          <a:lstStyle/>
-          <a:p>
-            <a:pPr marL="457200" indent="-457200">
-              <a:buFontTx/>
-              <a:buChar char="-"/>
-            </a:pPr>
-            <a:r>
-              <a:rPr lang="en-US" dirty="0"/>
-              <a:t>Results grid search #2:</a:t>
-            </a:r>
-          </a:p>
-          <a:p>
-            <a:pPr marL="1028700" lvl="1" indent="-342900">
-              <a:buFont typeface="Wingdings" panose="05000000000000000000" pitchFamily="2" charset="2"/>
-              <a:buChar char="à"/>
-            </a:pPr>
-            <a:r>
-              <a:rPr lang="de-CH" dirty="0">
-                <a:sym typeface="Wingdings" panose="05000000000000000000" pitchFamily="2" charset="2"/>
-              </a:rPr>
-              <a:t>Best </a:t>
-            </a:r>
-            <a:r>
-              <a:rPr lang="de-CH" dirty="0" err="1">
-                <a:sym typeface="Wingdings" panose="05000000000000000000" pitchFamily="2" charset="2"/>
-              </a:rPr>
-              <a:t>parameters</a:t>
-            </a:r>
-            <a:r>
-              <a:rPr lang="de-CH" dirty="0">
-                <a:sym typeface="Wingdings" panose="05000000000000000000" pitchFamily="2" charset="2"/>
-              </a:rPr>
-              <a:t>:</a:t>
-            </a:r>
-          </a:p>
-          <a:p>
-            <a:pPr marL="1028700" lvl="1" indent="-342900">
-              <a:buFont typeface="Wingdings" panose="05000000000000000000" pitchFamily="2" charset="2"/>
-              <a:buChar char="à"/>
-            </a:pPr>
-            <a:r>
-              <a:rPr lang="de-CH" dirty="0">
-                <a:sym typeface="Wingdings" panose="05000000000000000000" pitchFamily="2" charset="2"/>
-              </a:rPr>
-              <a:t>175 </a:t>
-            </a:r>
-            <a:r>
-              <a:rPr lang="de-CH" dirty="0" err="1">
-                <a:sym typeface="Wingdings" panose="05000000000000000000" pitchFamily="2" charset="2"/>
-              </a:rPr>
-              <a:t>combinations</a:t>
-            </a:r>
-            <a:r>
-              <a:rPr lang="de-CH" dirty="0">
-                <a:sym typeface="Wingdings" panose="05000000000000000000" pitchFamily="2" charset="2"/>
-              </a:rPr>
-              <a:t> </a:t>
-            </a:r>
-            <a:r>
-              <a:rPr lang="de-CH" dirty="0" err="1">
-                <a:sym typeface="Wingdings" panose="05000000000000000000" pitchFamily="2" charset="2"/>
-              </a:rPr>
-              <a:t>of</a:t>
-            </a:r>
-            <a:r>
-              <a:rPr lang="de-CH" dirty="0">
-                <a:sym typeface="Wingdings" panose="05000000000000000000" pitchFamily="2" charset="2"/>
-              </a:rPr>
-              <a:t> k, </a:t>
-            </a:r>
-            <a:r>
-              <a:rPr lang="de-CH" dirty="0" err="1">
-                <a:sym typeface="Wingdings" panose="05000000000000000000" pitchFamily="2" charset="2"/>
-              </a:rPr>
-              <a:t>c_n</a:t>
-            </a:r>
-            <a:r>
-              <a:rPr lang="de-CH" dirty="0">
-                <a:sym typeface="Wingdings" panose="05000000000000000000" pitchFamily="2" charset="2"/>
-              </a:rPr>
-              <a:t>, </a:t>
-            </a:r>
-            <a:r>
-              <a:rPr lang="de-CH" dirty="0" err="1">
-                <a:sym typeface="Wingdings" panose="05000000000000000000" pitchFamily="2" charset="2"/>
-              </a:rPr>
-              <a:t>c_e</a:t>
-            </a:r>
-            <a:r>
-              <a:rPr lang="de-CH" dirty="0">
-                <a:sym typeface="Wingdings" panose="05000000000000000000" pitchFamily="2" charset="2"/>
-              </a:rPr>
-              <a:t> </a:t>
-            </a:r>
-            <a:r>
-              <a:rPr lang="de-CH" dirty="0" err="1">
-                <a:sym typeface="Wingdings" panose="05000000000000000000" pitchFamily="2" charset="2"/>
-              </a:rPr>
-              <a:t>yield</a:t>
-            </a:r>
-            <a:r>
-              <a:rPr lang="de-CH" dirty="0">
-                <a:sym typeface="Wingdings" panose="05000000000000000000" pitchFamily="2" charset="2"/>
-              </a:rPr>
-              <a:t> 99.6% </a:t>
-            </a:r>
-            <a:r>
-              <a:rPr lang="de-CH" dirty="0" err="1">
-                <a:sym typeface="Wingdings" panose="05000000000000000000" pitchFamily="2" charset="2"/>
-              </a:rPr>
-              <a:t>accuracy</a:t>
-            </a:r>
-            <a:endParaRPr lang="de-CH" dirty="0">
-              <a:sym typeface="Wingdings" panose="05000000000000000000" pitchFamily="2" charset="2"/>
-            </a:endParaRPr>
-          </a:p>
-          <a:p>
-            <a:pPr lvl="1" indent="0">
-              <a:buNone/>
-            </a:pPr>
-            <a:endParaRPr lang="de-CH" dirty="0"/>
-          </a:p>
-        </p:txBody>
-      </p:sp>
-      <p:sp>
-        <p:nvSpPr>
-          <p:cNvPr id="7" name="Titel 1">
-            <a:extLst>
-              <a:ext uri="{FF2B5EF4-FFF2-40B4-BE49-F238E27FC236}">
-                <a16:creationId xmlns:a16="http://schemas.microsoft.com/office/drawing/2014/main" id="{751113A9-2E3E-4730-BB84-8AA40760EB63}"/>
-              </a:ext>
-            </a:extLst>
-          </p:cNvPr>
-          <p:cNvSpPr txBox="1">
-            <a:spLocks/>
-          </p:cNvSpPr>
-          <p:nvPr/>
-        </p:nvSpPr>
-        <p:spPr>
-          <a:xfrm>
-            <a:off x="503999" y="301320"/>
-            <a:ext cx="9240076" cy="1262160"/>
-          </a:xfrm>
-          <a:prstGeom prst="rect">
-            <a:avLst/>
-          </a:prstGeom>
-          <a:noFill/>
-          <a:ln>
-            <a:noFill/>
-          </a:ln>
-        </p:spPr>
-        <p:txBody>
-          <a:bodyPr lIns="0" tIns="0" rIns="0" bIns="0" anchor="ctr"/>
-          <a:lstStyle>
-            <a:lvl1pPr algn="ctr" rtl="0" hangingPunct="0">
-              <a:tabLst/>
-              <a:defRPr lang="en-US" sz="4400" b="0" i="0" u="none" strike="noStrike" kern="1200" cap="none">
-                <a:ln>
-                  <a:noFill/>
-                </a:ln>
-                <a:highlight>
-                  <a:scrgbClr r="0" g="0" b="0">
-                    <a:alpha val="0"/>
-                  </a:scrgbClr>
-                </a:highlight>
-                <a:latin typeface="Liberation Sans" pitchFamily="18"/>
-              </a:defRPr>
-            </a:lvl1pPr>
-          </a:lstStyle>
-          <a:p>
-            <a:endParaRPr lang="en-US" dirty="0">
-              <a:solidFill>
-                <a:sysClr val="windowText" lastClr="000000"/>
-              </a:solidFill>
-            </a:endParaRPr>
-          </a:p>
-        </p:txBody>
-      </p:sp>
-      <p:pic>
-        <p:nvPicPr>
-          <p:cNvPr id="2" name="Grafik 1">
-            <a:extLst>
-              <a:ext uri="{FF2B5EF4-FFF2-40B4-BE49-F238E27FC236}">
-                <a16:creationId xmlns:a16="http://schemas.microsoft.com/office/drawing/2014/main" id="{2EC24A9E-B176-42A9-9CD7-9FB74EE01E5C}"/>
-              </a:ext>
-            </a:extLst>
-          </p:cNvPr>
-          <p:cNvPicPr>
-            <a:picLocks noChangeAspect="1"/>
-          </p:cNvPicPr>
-          <p:nvPr/>
-        </p:nvPicPr>
-        <p:blipFill>
-          <a:blip r:embed="rId3"/>
-          <a:stretch>
-            <a:fillRect/>
-          </a:stretch>
-        </p:blipFill>
-        <p:spPr>
-          <a:xfrm>
-            <a:off x="2952628" y="3095955"/>
-            <a:ext cx="4175367" cy="4162400"/>
-          </a:xfrm>
-          <a:prstGeom prst="rect">
-            <a:avLst/>
-          </a:prstGeom>
-        </p:spPr>
-      </p:pic>
-    </p:spTree>
-    <p:extLst>
-      <p:ext uri="{BB962C8B-B14F-4D97-AF65-F5344CB8AC3E}">
-        <p14:creationId xmlns:p14="http://schemas.microsoft.com/office/powerpoint/2010/main" val="121370370"/>
       </p:ext>
     </p:extLst>
   </p:cSld>
